--- a/Presentation1.pptx
+++ b/Presentation1.pptx
@@ -19,8 +19,9 @@
     <p:sldId id="267" r:id="rId13"/>
     <p:sldId id="269" r:id="rId14"/>
     <p:sldId id="268" r:id="rId15"/>
-    <p:sldId id="270" r:id="rId16"/>
-    <p:sldId id="271" r:id="rId17"/>
+    <p:sldId id="272" r:id="rId16"/>
+    <p:sldId id="270" r:id="rId17"/>
+    <p:sldId id="271" r:id="rId18"/>
   </p:sldIdLst>
   <p:sldSz cx="12192000" cy="6858000"/>
   <p:notesSz cx="6858000" cy="9144000"/>
@@ -5664,7 +5665,7 @@
         <p:spPr>
           <a:xfrm>
             <a:off x="1339062" y="2382246"/>
-            <a:ext cx="7972741" cy="1077218"/>
+            <a:ext cx="7972741" cy="584775"/>
           </a:xfrm>
           <a:prstGeom prst="rect">
             <a:avLst/>
@@ -5683,7 +5684,7 @@
                   <a:srgbClr val="00B050"/>
                 </a:solidFill>
               </a:rPr>
-              <a:t>1 - Remove the less important columns (or those with no effect) : </a:t>
+              <a:t>1 - manual filling : </a:t>
             </a:r>
             <a:endParaRPr lang="en-CA" sz="3200" dirty="0">
               <a:solidFill>
@@ -5707,7 +5708,7 @@
         </p:nvSpPr>
         <p:spPr>
           <a:xfrm>
-            <a:off x="1339062" y="3909798"/>
+            <a:off x="1339062" y="3381931"/>
             <a:ext cx="7455616" cy="1077218"/>
           </a:xfrm>
           <a:prstGeom prst="rect">
@@ -5727,21 +5728,8 @@
                   <a:srgbClr val="00B050"/>
                 </a:solidFill>
               </a:rPr>
-              <a:t>2 - Filling with the most frequent values to preserve the data distribution  :</a:t>
-            </a:r>
-            <a:r>
-              <a:rPr lang="ar-DZ" sz="3200" b="1" dirty="0">
-                <a:solidFill>
-                  <a:srgbClr val="00B050"/>
-                </a:solidFill>
-              </a:rPr>
-              <a:t> </a:t>
-            </a:r>
-            <a:endParaRPr lang="en-CA" sz="3200" b="1" dirty="0">
-              <a:solidFill>
-                <a:srgbClr val="00B050"/>
-              </a:solidFill>
-            </a:endParaRPr>
+              <a:t>2 - Remove the less important columns (or those with no effect) : </a:t>
+            </a:r>
           </a:p>
         </p:txBody>
       </p:sp>
@@ -5759,8 +5747,8 @@
         </p:nvSpPr>
         <p:spPr>
           <a:xfrm>
-            <a:off x="1339062" y="5305371"/>
-            <a:ext cx="7455616" cy="584775"/>
+            <a:off x="1339062" y="4678647"/>
+            <a:ext cx="7455616" cy="1077218"/>
           </a:xfrm>
           <a:prstGeom prst="rect">
             <a:avLst/>
@@ -5779,7 +5767,7 @@
                   <a:srgbClr val="00B050"/>
                 </a:solidFill>
               </a:rPr>
-              <a:t>3 – manual filling :</a:t>
+              <a:t>3 – Filling with the most frequent values to preserve the data distribution  :</a:t>
             </a:r>
             <a:r>
               <a:rPr lang="ar-DZ" sz="3200" b="1" dirty="0">
@@ -5832,6 +5820,357 @@
           <p:cNvPr id="4" name="TextBox 3">
             <a:extLst>
               <a:ext uri="{FF2B5EF4-FFF2-40B4-BE49-F238E27FC236}">
+                <a16:creationId xmlns:a16="http://schemas.microsoft.com/office/drawing/2014/main" id="{B07CA786-DBB6-A94C-7B02-EC4F4C44B49C}"/>
+              </a:ext>
+            </a:extLst>
+          </p:cNvPr>
+          <p:cNvSpPr txBox="1"/>
+          <p:nvPr/>
+        </p:nvSpPr>
+        <p:spPr>
+          <a:xfrm>
+            <a:off x="1020563" y="687010"/>
+            <a:ext cx="7972741" cy="584775"/>
+          </a:xfrm>
+          <a:prstGeom prst="rect">
+            <a:avLst/>
+          </a:prstGeom>
+          <a:noFill/>
+        </p:spPr>
+        <p:txBody>
+          <a:bodyPr wrap="square" rtlCol="0">
+            <a:spAutoFit/>
+          </a:bodyPr>
+          <a:lstStyle/>
+          <a:p>
+            <a:r>
+              <a:rPr lang="en-CA" sz="3200" b="1" dirty="0">
+                <a:solidFill>
+                  <a:srgbClr val="00B050"/>
+                </a:solidFill>
+              </a:rPr>
+              <a:t>2 – manual filling :</a:t>
+            </a:r>
+            <a:endParaRPr lang="en-CA" sz="3200" dirty="0">
+              <a:solidFill>
+                <a:srgbClr val="00B050"/>
+              </a:solidFill>
+            </a:endParaRPr>
+          </a:p>
+        </p:txBody>
+      </p:sp>
+      <p:cxnSp>
+        <p:nvCxnSpPr>
+          <p:cNvPr id="5" name="Straight Connector 4">
+            <a:extLst>
+              <a:ext uri="{FF2B5EF4-FFF2-40B4-BE49-F238E27FC236}">
+                <a16:creationId xmlns:a16="http://schemas.microsoft.com/office/drawing/2014/main" id="{C580E1E4-9DFC-7169-6DA4-DA2AE7D1FE7E}"/>
+              </a:ext>
+            </a:extLst>
+          </p:cNvPr>
+          <p:cNvCxnSpPr>
+            <a:cxnSpLocks/>
+          </p:cNvCxnSpPr>
+          <p:nvPr/>
+        </p:nvCxnSpPr>
+        <p:spPr>
+          <a:xfrm>
+            <a:off x="821933" y="195209"/>
+            <a:ext cx="0" cy="6565187"/>
+          </a:xfrm>
+          <a:prstGeom prst="line">
+            <a:avLst/>
+          </a:prstGeom>
+        </p:spPr>
+        <p:style>
+          <a:lnRef idx="1">
+            <a:schemeClr val="dk1"/>
+          </a:lnRef>
+          <a:fillRef idx="0">
+            <a:schemeClr val="dk1"/>
+          </a:fillRef>
+          <a:effectRef idx="0">
+            <a:schemeClr val="dk1"/>
+          </a:effectRef>
+          <a:fontRef idx="minor">
+            <a:schemeClr val="tx1"/>
+          </a:fontRef>
+        </p:style>
+      </p:cxnSp>
+      <p:sp>
+        <p:nvSpPr>
+          <p:cNvPr id="6" name="TextBox 5">
+            <a:extLst>
+              <a:ext uri="{FF2B5EF4-FFF2-40B4-BE49-F238E27FC236}">
+                <a16:creationId xmlns:a16="http://schemas.microsoft.com/office/drawing/2014/main" id="{3CC274A8-078A-CA48-C5D9-2E6B5040BB64}"/>
+              </a:ext>
+            </a:extLst>
+          </p:cNvPr>
+          <p:cNvSpPr txBox="1"/>
+          <p:nvPr/>
+        </p:nvSpPr>
+        <p:spPr>
+          <a:xfrm>
+            <a:off x="1520575" y="1623317"/>
+            <a:ext cx="8578920" cy="830997"/>
+          </a:xfrm>
+          <a:prstGeom prst="rect">
+            <a:avLst/>
+          </a:prstGeom>
+          <a:noFill/>
+        </p:spPr>
+        <p:txBody>
+          <a:bodyPr wrap="square" rtlCol="0">
+            <a:spAutoFit/>
+          </a:bodyPr>
+          <a:lstStyle/>
+          <a:p>
+            <a:r>
+              <a:rPr lang="en-CA" sz="2400" b="1" dirty="0"/>
+              <a:t>In our dataset, we have the column 'Gender'; we can infer this column from the 'Name' column , Exam :</a:t>
+            </a:r>
+            <a:endParaRPr lang="en-CA" sz="3200" dirty="0"/>
+          </a:p>
+        </p:txBody>
+      </p:sp>
+      <p:sp>
+        <p:nvSpPr>
+          <p:cNvPr id="11" name="Rectangle 2">
+            <a:extLst>
+              <a:ext uri="{FF2B5EF4-FFF2-40B4-BE49-F238E27FC236}">
+                <a16:creationId xmlns:a16="http://schemas.microsoft.com/office/drawing/2014/main" id="{5C0C16F9-2EE6-A261-B844-487EC180BEE9}"/>
+              </a:ext>
+            </a:extLst>
+          </p:cNvPr>
+          <p:cNvSpPr>
+            <a:spLocks noChangeArrowheads="1"/>
+          </p:cNvSpPr>
+          <p:nvPr/>
+        </p:nvSpPr>
+        <p:spPr bwMode="auto">
+          <a:xfrm>
+            <a:off x="1676400" y="4759186"/>
+            <a:ext cx="12192000" cy="0"/>
+          </a:xfrm>
+          <a:prstGeom prst="rect">
+            <a:avLst/>
+          </a:prstGeom>
+          <a:noFill/>
+          <a:ln>
+            <a:noFill/>
+          </a:ln>
+          <a:effectLst/>
+          <a:extLst>
+            <a:ext uri="{909E8E84-426E-40DD-AFC4-6F175D3DCCD1}">
+              <a14:hiddenFill xmlns:a14="http://schemas.microsoft.com/office/drawing/2010/main">
+                <a:solidFill>
+                  <a:schemeClr val="accent1"/>
+                </a:solidFill>
+              </a14:hiddenFill>
+            </a:ext>
+            <a:ext uri="{91240B29-F687-4F45-9708-019B960494DF}">
+              <a14:hiddenLine xmlns:a14="http://schemas.microsoft.com/office/drawing/2010/main" w="9525">
+                <a:solidFill>
+                  <a:schemeClr val="tx1"/>
+                </a:solidFill>
+                <a:miter lim="800000"/>
+                <a:headEnd/>
+                <a:tailEnd/>
+              </a14:hiddenLine>
+            </a:ext>
+            <a:ext uri="{AF507438-7753-43E0-B8FC-AC1667EBCBE1}">
+              <a14:hiddenEffects xmlns:a14="http://schemas.microsoft.com/office/drawing/2010/main">
+                <a:effectLst>
+                  <a:outerShdw dist="35921" dir="2700000" algn="ctr" rotWithShape="0">
+                    <a:schemeClr val="bg2"/>
+                  </a:outerShdw>
+                </a:effectLst>
+              </a14:hiddenEffects>
+            </a:ext>
+          </a:extLst>
+        </p:spPr>
+        <p:txBody>
+          <a:bodyPr vert="horz" wrap="none" lIns="91440" tIns="45720" rIns="91440" bIns="45720" numCol="1" anchor="ctr" anchorCtr="0" compatLnSpc="1">
+            <a:prstTxWarp prst="textNoShape">
+              <a:avLst/>
+            </a:prstTxWarp>
+            <a:spAutoFit/>
+          </a:bodyPr>
+          <a:lstStyle/>
+          <a:p>
+            <a:pPr marL="0" marR="0" lvl="0" indent="0" algn="l" defTabSz="914400" rtl="0" eaLnBrk="0" fontAlgn="base" latinLnBrk="0" hangingPunct="0">
+              <a:lnSpc>
+                <a:spcPct val="100000"/>
+              </a:lnSpc>
+              <a:spcBef>
+                <a:spcPct val="0"/>
+              </a:spcBef>
+              <a:spcAft>
+                <a:spcPct val="0"/>
+              </a:spcAft>
+              <a:buClrTx/>
+              <a:buSzTx/>
+              <a:buFontTx/>
+              <a:buNone/>
+              <a:tabLst/>
+            </a:pPr>
+            <a:br>
+              <a:rPr kumimoji="0" lang="en-US" altLang="en-US" sz="1800" b="0" i="0" u="none" strike="noStrike" cap="none" normalizeH="0" baseline="0">
+                <a:ln>
+                  <a:noFill/>
+                </a:ln>
+                <a:solidFill>
+                  <a:schemeClr val="tx1"/>
+                </a:solidFill>
+                <a:effectLst/>
+                <a:latin typeface="Arial" panose="020B0604020202020204" pitchFamily="34" charset="0"/>
+              </a:rPr>
+            </a:br>
+            <a:endParaRPr kumimoji="0" lang="en-US" altLang="en-US" sz="1800" b="0" i="0" u="none" strike="noStrike" cap="none" normalizeH="0" baseline="0">
+              <a:ln>
+                <a:noFill/>
+              </a:ln>
+              <a:solidFill>
+                <a:schemeClr val="tx1"/>
+              </a:solidFill>
+              <a:effectLst/>
+              <a:latin typeface="Arial" panose="020B0604020202020204" pitchFamily="34" charset="0"/>
+            </a:endParaRPr>
+          </a:p>
+        </p:txBody>
+      </p:sp>
+      <p:sp>
+        <p:nvSpPr>
+          <p:cNvPr id="12" name="TextBox 11">
+            <a:extLst>
+              <a:ext uri="{FF2B5EF4-FFF2-40B4-BE49-F238E27FC236}">
+                <a16:creationId xmlns:a16="http://schemas.microsoft.com/office/drawing/2014/main" id="{DB054DAB-A004-4532-F515-46CFABB9FBF2}"/>
+              </a:ext>
+            </a:extLst>
+          </p:cNvPr>
+          <p:cNvSpPr txBox="1"/>
+          <p:nvPr/>
+        </p:nvSpPr>
+        <p:spPr>
+          <a:xfrm>
+            <a:off x="2178120" y="3052752"/>
+            <a:ext cx="5373379" cy="1569660"/>
+          </a:xfrm>
+          <a:prstGeom prst="rect">
+            <a:avLst/>
+          </a:prstGeom>
+          <a:noFill/>
+        </p:spPr>
+        <p:txBody>
+          <a:bodyPr wrap="square" rtlCol="0">
+            <a:spAutoFit/>
+          </a:bodyPr>
+          <a:lstStyle/>
+          <a:p>
+            <a:pPr marL="285750" indent="-285750">
+              <a:buFont typeface="Wingdings" panose="05000000000000000000" pitchFamily="2" charset="2"/>
+              <a:buChar char="Ø"/>
+            </a:pPr>
+            <a:r>
+              <a:rPr lang="en-CA" sz="2400" dirty="0"/>
+              <a:t>Kristina Douglas </a:t>
+            </a:r>
+            <a:r>
+              <a:rPr lang="en-CA" sz="2400" dirty="0">
+                <a:sym typeface="Wingdings" panose="05000000000000000000" pitchFamily="2" charset="2"/>
+              </a:rPr>
+              <a:t> Female</a:t>
+            </a:r>
+            <a:endParaRPr lang="en-CA" sz="2400" dirty="0"/>
+          </a:p>
+          <a:p>
+            <a:pPr marL="285750" indent="-285750">
+              <a:buFont typeface="Wingdings" panose="05000000000000000000" pitchFamily="2" charset="2"/>
+              <a:buChar char="Ø"/>
+            </a:pPr>
+            <a:r>
+              <a:rPr lang="en-CA" sz="2400" dirty="0"/>
+              <a:t>Emily Torres </a:t>
+            </a:r>
+            <a:r>
+              <a:rPr lang="en-CA" sz="2400" dirty="0">
+                <a:sym typeface="Wingdings" panose="05000000000000000000" pitchFamily="2" charset="2"/>
+              </a:rPr>
+              <a:t> Female</a:t>
+            </a:r>
+            <a:endParaRPr lang="en-CA" sz="2400" dirty="0"/>
+          </a:p>
+          <a:p>
+            <a:pPr marL="285750" indent="-285750">
+              <a:buFont typeface="Wingdings" panose="05000000000000000000" pitchFamily="2" charset="2"/>
+              <a:buChar char="Ø"/>
+            </a:pPr>
+            <a:r>
+              <a:rPr lang="en-CA" sz="2400" dirty="0"/>
+              <a:t>James Anderson </a:t>
+            </a:r>
+            <a:r>
+              <a:rPr lang="en-CA" sz="2400" dirty="0">
+                <a:sym typeface="Wingdings" panose="05000000000000000000" pitchFamily="2" charset="2"/>
+              </a:rPr>
+              <a:t> Male</a:t>
+            </a:r>
+            <a:endParaRPr lang="en-CA" sz="2400" dirty="0"/>
+          </a:p>
+          <a:p>
+            <a:pPr marL="285750" indent="-285750">
+              <a:buFont typeface="Wingdings" panose="05000000000000000000" pitchFamily="2" charset="2"/>
+              <a:buChar char="Ø"/>
+            </a:pPr>
+            <a:r>
+              <a:rPr lang="en-CA" sz="2400" dirty="0"/>
+              <a:t>Jeffrey Meyers  </a:t>
+            </a:r>
+            <a:r>
+              <a:rPr lang="en-CA" sz="2400" dirty="0">
+                <a:sym typeface="Wingdings" panose="05000000000000000000" pitchFamily="2" charset="2"/>
+              </a:rPr>
+              <a:t> Male</a:t>
+            </a:r>
+            <a:endParaRPr lang="en-CA" sz="2400" dirty="0"/>
+          </a:p>
+        </p:txBody>
+      </p:sp>
+    </p:spTree>
+    <p:extLst>
+      <p:ext uri="{BB962C8B-B14F-4D97-AF65-F5344CB8AC3E}">
+        <p14:creationId xmlns:p14="http://schemas.microsoft.com/office/powerpoint/2010/main" val="93511580"/>
+      </p:ext>
+    </p:extLst>
+  </p:cSld>
+  <p:clrMapOvr>
+    <a:masterClrMapping/>
+  </p:clrMapOvr>
+</p:sld>
+</file>
+
+<file path=ppt/slides/slide16.xml><?xml version="1.0" encoding="utf-8"?>
+<p:sld xmlns:a="http://schemas.openxmlformats.org/drawingml/2006/main" xmlns:r="http://schemas.openxmlformats.org/officeDocument/2006/relationships" xmlns:p="http://schemas.openxmlformats.org/presentationml/2006/main">
+  <p:cSld>
+    <p:spTree>
+      <p:nvGrpSpPr>
+        <p:cNvPr id="1" name=""/>
+        <p:cNvGrpSpPr/>
+        <p:nvPr/>
+      </p:nvGrpSpPr>
+      <p:grpSpPr>
+        <a:xfrm>
+          <a:off x="0" y="0"/>
+          <a:ext cx="0" cy="0"/>
+          <a:chOff x="0" y="0"/>
+          <a:chExt cx="0" cy="0"/>
+        </a:xfrm>
+      </p:grpSpPr>
+      <p:sp>
+        <p:nvSpPr>
+          <p:cNvPr id="4" name="TextBox 3">
+            <a:extLst>
+              <a:ext uri="{FF2B5EF4-FFF2-40B4-BE49-F238E27FC236}">
                 <a16:creationId xmlns:a16="http://schemas.microsoft.com/office/drawing/2014/main" id="{60F6C329-6E8A-C7B3-D94F-30E54237FC41}"/>
               </a:ext>
             </a:extLst>
@@ -5861,7 +6200,7 @@
                   <a:srgbClr val="00B050"/>
                 </a:solidFill>
               </a:rPr>
-              <a:t>1 - Remove the less important columns (or those with no effect) : </a:t>
+              <a:t>2 - Remove the less important columns (or those with no effect) : </a:t>
             </a:r>
             <a:endParaRPr lang="en-CA" sz="3200" dirty="0">
               <a:solidFill>
@@ -6068,7 +6407,7 @@
 </p:sld>
 </file>
 
-<file path=ppt/slides/slide16.xml><?xml version="1.0" encoding="utf-8"?>
+<file path=ppt/slides/slide17.xml><?xml version="1.0" encoding="utf-8"?>
 <p:sld xmlns:a="http://schemas.openxmlformats.org/drawingml/2006/main" xmlns:r="http://schemas.openxmlformats.org/officeDocument/2006/relationships" xmlns:p="http://schemas.openxmlformats.org/presentationml/2006/main">
   <p:cSld>
     <p:spTree>
@@ -6125,7 +6464,7 @@
                   <a:srgbClr val="00B050"/>
                 </a:solidFill>
               </a:rPr>
-              <a:t>2 - Filling with the most frequent values to preserve the data distribution  :</a:t>
+              <a:t>3 - Filling with the most frequent values to preserve the data distribution  :</a:t>
             </a:r>
             <a:r>
               <a:rPr lang="ar-DZ" sz="3200" b="1" dirty="0">

--- a/Presentation1.pptx
+++ b/Presentation1.pptx
@@ -9,19 +9,19 @@
     <p:sldId id="257" r:id="rId3"/>
     <p:sldId id="260" r:id="rId4"/>
     <p:sldId id="261" r:id="rId5"/>
-    <p:sldId id="258" r:id="rId6"/>
-    <p:sldId id="259" r:id="rId7"/>
-    <p:sldId id="262" r:id="rId8"/>
-    <p:sldId id="263" r:id="rId9"/>
-    <p:sldId id="264" r:id="rId10"/>
-    <p:sldId id="265" r:id="rId11"/>
-    <p:sldId id="266" r:id="rId12"/>
-    <p:sldId id="267" r:id="rId13"/>
-    <p:sldId id="269" r:id="rId14"/>
-    <p:sldId id="268" r:id="rId15"/>
-    <p:sldId id="272" r:id="rId16"/>
-    <p:sldId id="270" r:id="rId17"/>
-    <p:sldId id="271" r:id="rId18"/>
+    <p:sldId id="266" r:id="rId6"/>
+    <p:sldId id="267" r:id="rId7"/>
+    <p:sldId id="269" r:id="rId8"/>
+    <p:sldId id="268" r:id="rId9"/>
+    <p:sldId id="272" r:id="rId10"/>
+    <p:sldId id="270" r:id="rId11"/>
+    <p:sldId id="271" r:id="rId12"/>
+    <p:sldId id="273" r:id="rId13"/>
+    <p:sldId id="274" r:id="rId14"/>
+    <p:sldId id="275" r:id="rId15"/>
+    <p:sldId id="276" r:id="rId16"/>
+    <p:sldId id="277" r:id="rId17"/>
+    <p:sldId id="278" r:id="rId18"/>
   </p:sldIdLst>
   <p:sldSz cx="12192000" cy="6858000"/>
   <p:notesSz cx="6858000" cy="9144000"/>
@@ -3566,10 +3566,122 @@
   <p:cSld>
     <p:spTree>
       <p:nvGrpSpPr>
+        <p:cNvPr id="1" name=""/>
+        <p:cNvGrpSpPr/>
+        <p:nvPr/>
+      </p:nvGrpSpPr>
+      <p:grpSpPr>
+        <a:xfrm>
+          <a:off x="0" y="0"/>
+          <a:ext cx="0" cy="0"/>
+          <a:chOff x="0" y="0"/>
+          <a:chExt cx="0" cy="0"/>
+        </a:xfrm>
+      </p:grpSpPr>
+      <p:sp>
+        <p:nvSpPr>
+          <p:cNvPr id="4" name="TextBox 3">
+            <a:extLst>
+              <a:ext uri="{FF2B5EF4-FFF2-40B4-BE49-F238E27FC236}">
+                <a16:creationId xmlns:a16="http://schemas.microsoft.com/office/drawing/2014/main" id="{60F6C329-6E8A-C7B3-D94F-30E54237FC41}"/>
+              </a:ext>
+            </a:extLst>
+          </p:cNvPr>
+          <p:cNvSpPr txBox="1"/>
+          <p:nvPr/>
+        </p:nvSpPr>
+        <p:spPr>
+          <a:xfrm>
+            <a:off x="1020563" y="687010"/>
+            <a:ext cx="7972741" cy="1077218"/>
+          </a:xfrm>
+          <a:prstGeom prst="rect">
+            <a:avLst/>
+          </a:prstGeom>
+          <a:noFill/>
+        </p:spPr>
+        <p:txBody>
+          <a:bodyPr wrap="square" rtlCol="0">
+            <a:spAutoFit/>
+          </a:bodyPr>
+          <a:lstStyle/>
+          <a:p>
+            <a:r>
+              <a:rPr lang="en-CA" sz="3200" b="1" dirty="0">
+                <a:solidFill>
+                  <a:srgbClr val="00B050"/>
+                </a:solidFill>
+              </a:rPr>
+              <a:t>2 - Remove the less important columns (or those with no effect) : </a:t>
+            </a:r>
+            <a:endParaRPr lang="en-CA" sz="3200" dirty="0">
+              <a:solidFill>
+                <a:srgbClr val="00B050"/>
+              </a:solidFill>
+            </a:endParaRPr>
+          </a:p>
+        </p:txBody>
+      </p:sp>
+      <p:cxnSp>
+        <p:nvCxnSpPr>
+          <p:cNvPr id="5" name="Straight Connector 4">
+            <a:extLst>
+              <a:ext uri="{FF2B5EF4-FFF2-40B4-BE49-F238E27FC236}">
+                <a16:creationId xmlns:a16="http://schemas.microsoft.com/office/drawing/2014/main" id="{C3C800BB-7444-48A4-E6F9-4E6026D0D671}"/>
+              </a:ext>
+            </a:extLst>
+          </p:cNvPr>
+          <p:cNvCxnSpPr>
+            <a:cxnSpLocks/>
+          </p:cNvCxnSpPr>
+          <p:nvPr/>
+        </p:nvCxnSpPr>
+        <p:spPr>
+          <a:xfrm>
+            <a:off x="821933" y="195209"/>
+            <a:ext cx="0" cy="6565187"/>
+          </a:xfrm>
+          <a:prstGeom prst="line">
+            <a:avLst/>
+          </a:prstGeom>
+        </p:spPr>
+        <p:style>
+          <a:lnRef idx="1">
+            <a:schemeClr val="dk1"/>
+          </a:lnRef>
+          <a:fillRef idx="0">
+            <a:schemeClr val="dk1"/>
+          </a:fillRef>
+          <a:effectRef idx="0">
+            <a:schemeClr val="dk1"/>
+          </a:effectRef>
+          <a:fontRef idx="minor">
+            <a:schemeClr val="tx1"/>
+          </a:fontRef>
+        </p:style>
+      </p:cxnSp>
+    </p:spTree>
+    <p:extLst>
+      <p:ext uri="{BB962C8B-B14F-4D97-AF65-F5344CB8AC3E}">
+        <p14:creationId xmlns:p14="http://schemas.microsoft.com/office/powerpoint/2010/main" val="2703631419"/>
+      </p:ext>
+    </p:extLst>
+  </p:cSld>
+  <p:clrMapOvr>
+    <a:masterClrMapping/>
+  </p:clrMapOvr>
+</p:sld>
+</file>
+
+<file path=ppt/slides/slide11.xml><?xml version="1.0" encoding="utf-8"?>
+<p:sld xmlns:a="http://schemas.openxmlformats.org/drawingml/2006/main" xmlns:r="http://schemas.openxmlformats.org/officeDocument/2006/relationships" xmlns:p="http://schemas.openxmlformats.org/presentationml/2006/main">
+  <p:cSld>
+    <p:spTree>
+      <p:nvGrpSpPr>
         <p:cNvPr id="1" name="">
           <a:extLst>
             <a:ext uri="{FF2B5EF4-FFF2-40B4-BE49-F238E27FC236}">
-              <a16:creationId xmlns:a16="http://schemas.microsoft.com/office/drawing/2014/main" id="{B6BEF24D-FCA7-C50D-DCED-544B7DB53094}"/>
+              <a16:creationId xmlns:a16="http://schemas.microsoft.com/office/drawing/2014/main" id="{8F89ED2F-B0A3-8BF9-DF16-34FDB9E4AF0C}"/>
             </a:ext>
           </a:extLst>
         </p:cNvPr>
@@ -3589,7 +3701,7 @@
           <p:cNvPr id="4" name="TextBox 3">
             <a:extLst>
               <a:ext uri="{FF2B5EF4-FFF2-40B4-BE49-F238E27FC236}">
-                <a16:creationId xmlns:a16="http://schemas.microsoft.com/office/drawing/2014/main" id="{128A043D-675C-904F-AC13-D0C4DAFE5CD7}"/>
+                <a16:creationId xmlns:a16="http://schemas.microsoft.com/office/drawing/2014/main" id="{8B7A9F28-12B7-3B6F-2836-1C435EE32EC4}"/>
               </a:ext>
             </a:extLst>
           </p:cNvPr>
@@ -3598,8 +3710,8 @@
         </p:nvSpPr>
         <p:spPr>
           <a:xfrm>
-            <a:off x="1955514" y="5729064"/>
-            <a:ext cx="8280972" cy="830997"/>
+            <a:off x="1020563" y="687010"/>
+            <a:ext cx="7972741" cy="1077218"/>
           </a:xfrm>
           <a:prstGeom prst="rect">
             <a:avLst/>
@@ -3613,61 +3725,71 @@
           <a:lstStyle/>
           <a:p>
             <a:r>
-              <a:rPr lang="en-CA" sz="2400" dirty="0"/>
-              <a:t>the bar plot to compare grades of </a:t>
-            </a:r>
-            <a:r>
-              <a:rPr lang="en-CA" sz="2400" dirty="0" err="1"/>
-              <a:t>paretnail</a:t>
-            </a:r>
-            <a:r>
-              <a:rPr lang="en-CA" sz="2400" dirty="0"/>
-              <a:t> support to see if it helps with average grade</a:t>
-            </a:r>
-            <a:endParaRPr lang="en-CA" sz="6000" dirty="0"/>
-          </a:p>
-        </p:txBody>
-      </p:sp>
-      <p:pic>
-        <p:nvPicPr>
-          <p:cNvPr id="3" name="Picture 2">
-            <a:extLst>
-              <a:ext uri="{FF2B5EF4-FFF2-40B4-BE49-F238E27FC236}">
-                <a16:creationId xmlns:a16="http://schemas.microsoft.com/office/drawing/2014/main" id="{BC7CC846-7E14-5DD3-58FA-B6AB1256B488}"/>
-              </a:ext>
-            </a:extLst>
-          </p:cNvPr>
-          <p:cNvPicPr>
-            <a:picLocks noChangeAspect="1"/>
-          </p:cNvPicPr>
+              <a:rPr lang="en-CA" sz="3200" b="1" dirty="0">
+                <a:solidFill>
+                  <a:srgbClr val="00B050"/>
+                </a:solidFill>
+              </a:rPr>
+              <a:t>3 - Filling with the most frequent values to preserve the data distribution  :</a:t>
+            </a:r>
+            <a:r>
+              <a:rPr lang="ar-DZ" sz="3200" b="1" dirty="0">
+                <a:solidFill>
+                  <a:srgbClr val="00B050"/>
+                </a:solidFill>
+              </a:rPr>
+              <a:t> </a:t>
+            </a:r>
+            <a:endParaRPr lang="en-CA" sz="3200" dirty="0">
+              <a:solidFill>
+                <a:srgbClr val="00B050"/>
+              </a:solidFill>
+            </a:endParaRPr>
+          </a:p>
+        </p:txBody>
+      </p:sp>
+      <p:cxnSp>
+        <p:nvCxnSpPr>
+          <p:cNvPr id="5" name="Straight Connector 4">
+            <a:extLst>
+              <a:ext uri="{FF2B5EF4-FFF2-40B4-BE49-F238E27FC236}">
+                <a16:creationId xmlns:a16="http://schemas.microsoft.com/office/drawing/2014/main" id="{7933A36E-A10F-580A-8730-BAB6E3DDA35E}"/>
+              </a:ext>
+            </a:extLst>
+          </p:cNvPr>
+          <p:cNvCxnSpPr>
+            <a:cxnSpLocks/>
+          </p:cNvCxnSpPr>
           <p:nvPr/>
-        </p:nvPicPr>
-        <p:blipFill>
-          <a:blip r:embed="rId2">
-            <a:extLst>
-              <a:ext uri="{28A0092B-C50C-407E-A947-70E740481C1C}">
-                <a14:useLocalDpi xmlns:a14="http://schemas.microsoft.com/office/drawing/2010/main" val="0"/>
-              </a:ext>
-            </a:extLst>
-          </a:blip>
-          <a:stretch>
-            <a:fillRect/>
-          </a:stretch>
-        </p:blipFill>
+        </p:nvCxnSpPr>
         <p:spPr>
           <a:xfrm>
-            <a:off x="554805" y="404478"/>
-            <a:ext cx="10767317" cy="5324586"/>
+            <a:off x="821933" y="195209"/>
+            <a:ext cx="0" cy="6565187"/>
           </a:xfrm>
-          <a:prstGeom prst="rect">
+          <a:prstGeom prst="line">
             <a:avLst/>
           </a:prstGeom>
         </p:spPr>
-      </p:pic>
+        <p:style>
+          <a:lnRef idx="1">
+            <a:schemeClr val="dk1"/>
+          </a:lnRef>
+          <a:fillRef idx="0">
+            <a:schemeClr val="dk1"/>
+          </a:fillRef>
+          <a:effectRef idx="0">
+            <a:schemeClr val="dk1"/>
+          </a:effectRef>
+          <a:fontRef idx="minor">
+            <a:schemeClr val="tx1"/>
+          </a:fontRef>
+        </p:style>
+      </p:cxnSp>
     </p:spTree>
     <p:extLst>
       <p:ext uri="{BB962C8B-B14F-4D97-AF65-F5344CB8AC3E}">
-        <p14:creationId xmlns:p14="http://schemas.microsoft.com/office/powerpoint/2010/main" val="2514160158"/>
+        <p14:creationId xmlns:p14="http://schemas.microsoft.com/office/powerpoint/2010/main" val="1713062886"/>
       </p:ext>
     </p:extLst>
   </p:cSld>
@@ -3677,7 +3799,129 @@
 </p:sld>
 </file>
 
-<file path=ppt/slides/slide11.xml><?xml version="1.0" encoding="utf-8"?>
+<file path=ppt/slides/slide12.xml><?xml version="1.0" encoding="utf-8"?>
+<p:sld xmlns:a="http://schemas.openxmlformats.org/drawingml/2006/main" xmlns:r="http://schemas.openxmlformats.org/officeDocument/2006/relationships" xmlns:p="http://schemas.openxmlformats.org/presentationml/2006/main">
+  <p:cSld>
+    <p:spTree>
+      <p:nvGrpSpPr>
+        <p:cNvPr id="1" name="">
+          <a:extLst>
+            <a:ext uri="{FF2B5EF4-FFF2-40B4-BE49-F238E27FC236}">
+              <a16:creationId xmlns:a16="http://schemas.microsoft.com/office/drawing/2014/main" id="{174FF4B9-5D76-3757-E681-AB5E55FA74DD}"/>
+            </a:ext>
+          </a:extLst>
+        </p:cNvPr>
+        <p:cNvGrpSpPr/>
+        <p:nvPr/>
+      </p:nvGrpSpPr>
+      <p:grpSpPr>
+        <a:xfrm>
+          <a:off x="0" y="0"/>
+          <a:ext cx="0" cy="0"/>
+          <a:chOff x="0" y="0"/>
+          <a:chExt cx="0" cy="0"/>
+        </a:xfrm>
+      </p:grpSpPr>
+      <p:pic>
+        <p:nvPicPr>
+          <p:cNvPr id="5" name="Picture 4">
+            <a:extLst>
+              <a:ext uri="{FF2B5EF4-FFF2-40B4-BE49-F238E27FC236}">
+                <a16:creationId xmlns:a16="http://schemas.microsoft.com/office/drawing/2014/main" id="{F9FEDEF1-17E0-8254-1433-6A9E7A6B73F3}"/>
+              </a:ext>
+            </a:extLst>
+          </p:cNvPr>
+          <p:cNvPicPr>
+            <a:picLocks noChangeAspect="1"/>
+          </p:cNvPicPr>
+          <p:nvPr/>
+        </p:nvPicPr>
+        <p:blipFill>
+          <a:blip r:embed="rId2">
+            <a:extLst>
+              <a:ext uri="{28A0092B-C50C-407E-A947-70E740481C1C}">
+                <a14:useLocalDpi xmlns:a14="http://schemas.microsoft.com/office/drawing/2010/main" val="0"/>
+              </a:ext>
+            </a:extLst>
+          </a:blip>
+          <a:stretch>
+            <a:fillRect/>
+          </a:stretch>
+        </p:blipFill>
+        <p:spPr>
+          <a:xfrm>
+            <a:off x="6544638" y="0"/>
+            <a:ext cx="5647362" cy="6858000"/>
+          </a:xfrm>
+          <a:prstGeom prst="rect">
+            <a:avLst/>
+          </a:prstGeom>
+        </p:spPr>
+      </p:pic>
+      <p:sp>
+        <p:nvSpPr>
+          <p:cNvPr id="6" name="TextBox 5">
+            <a:extLst>
+              <a:ext uri="{FF2B5EF4-FFF2-40B4-BE49-F238E27FC236}">
+                <a16:creationId xmlns:a16="http://schemas.microsoft.com/office/drawing/2014/main" id="{8089D605-D8D5-B78E-3244-9F2ECF68327D}"/>
+              </a:ext>
+            </a:extLst>
+          </p:cNvPr>
+          <p:cNvSpPr txBox="1"/>
+          <p:nvPr/>
+        </p:nvSpPr>
+        <p:spPr>
+          <a:xfrm>
+            <a:off x="0" y="678094"/>
+            <a:ext cx="6096000" cy="3367076"/>
+          </a:xfrm>
+          <a:prstGeom prst="rect">
+            <a:avLst/>
+          </a:prstGeom>
+          <a:noFill/>
+        </p:spPr>
+        <p:txBody>
+          <a:bodyPr wrap="square" rtlCol="0">
+            <a:spAutoFit/>
+          </a:bodyPr>
+          <a:lstStyle/>
+          <a:p>
+            <a:pPr>
+              <a:lnSpc>
+                <a:spcPct val="90000"/>
+              </a:lnSpc>
+              <a:spcBef>
+                <a:spcPct val="0"/>
+              </a:spcBef>
+            </a:pPr>
+            <a:r>
+              <a:rPr lang="en-CA" sz="9600" spc="-50" dirty="0">
+                <a:latin typeface="+mj-lt"/>
+                <a:ea typeface="+mj-ea"/>
+                <a:cs typeface="+mj-cs"/>
+              </a:rPr>
+              <a:t>Cleaning data step</a:t>
+            </a:r>
+          </a:p>
+          <a:p>
+            <a:endParaRPr lang="en-CA" sz="4000" dirty="0"/>
+          </a:p>
+        </p:txBody>
+      </p:sp>
+    </p:spTree>
+    <p:extLst>
+      <p:ext uri="{BB962C8B-B14F-4D97-AF65-F5344CB8AC3E}">
+        <p14:creationId xmlns:p14="http://schemas.microsoft.com/office/powerpoint/2010/main" val="1448112209"/>
+      </p:ext>
+    </p:extLst>
+  </p:cSld>
+  <p:clrMapOvr>
+    <a:masterClrMapping/>
+  </p:clrMapOvr>
+</p:sld>
+</file>
+
+<file path=ppt/slides/slide13.xml><?xml version="1.0" encoding="utf-8"?>
 <p:sld xmlns:a="http://schemas.openxmlformats.org/drawingml/2006/main" xmlns:r="http://schemas.openxmlformats.org/officeDocument/2006/relationships" xmlns:p="http://schemas.openxmlformats.org/presentationml/2006/main">
   <p:cSld>
     <p:spTree>
@@ -3699,6 +3943,2206 @@
           <p:cNvPr id="5" name="Picture 4">
             <a:extLst>
               <a:ext uri="{FF2B5EF4-FFF2-40B4-BE49-F238E27FC236}">
+                <a16:creationId xmlns:a16="http://schemas.microsoft.com/office/drawing/2014/main" id="{CB744E23-1859-6EF0-EC29-76990F71DC8C}"/>
+              </a:ext>
+            </a:extLst>
+          </p:cNvPr>
+          <p:cNvPicPr>
+            <a:picLocks noChangeAspect="1"/>
+          </p:cNvPicPr>
+          <p:nvPr/>
+        </p:nvPicPr>
+        <p:blipFill>
+          <a:blip r:embed="rId2">
+            <a:extLst>
+              <a:ext uri="{28A0092B-C50C-407E-A947-70E740481C1C}">
+                <a14:useLocalDpi xmlns:a14="http://schemas.microsoft.com/office/drawing/2010/main" val="0"/>
+              </a:ext>
+            </a:extLst>
+          </a:blip>
+          <a:stretch>
+            <a:fillRect/>
+          </a:stretch>
+        </p:blipFill>
+        <p:spPr>
+          <a:xfrm>
+            <a:off x="1467484" y="136128"/>
+            <a:ext cx="7707338" cy="5505241"/>
+          </a:xfrm>
+          <a:prstGeom prst="rect">
+            <a:avLst/>
+          </a:prstGeom>
+        </p:spPr>
+      </p:pic>
+      <p:sp>
+        <p:nvSpPr>
+          <p:cNvPr id="6" name="TextBox 5">
+            <a:extLst>
+              <a:ext uri="{FF2B5EF4-FFF2-40B4-BE49-F238E27FC236}">
+                <a16:creationId xmlns:a16="http://schemas.microsoft.com/office/drawing/2014/main" id="{73927277-A512-CEB4-875F-C50A5902F5A0}"/>
+              </a:ext>
+            </a:extLst>
+          </p:cNvPr>
+          <p:cNvSpPr txBox="1"/>
+          <p:nvPr/>
+        </p:nvSpPr>
+        <p:spPr>
+          <a:xfrm>
+            <a:off x="1839074" y="6082301"/>
+            <a:ext cx="7366571" cy="707886"/>
+          </a:xfrm>
+          <a:prstGeom prst="rect">
+            <a:avLst/>
+          </a:prstGeom>
+          <a:noFill/>
+        </p:spPr>
+        <p:txBody>
+          <a:bodyPr wrap="square" rtlCol="0">
+            <a:spAutoFit/>
+          </a:bodyPr>
+          <a:lstStyle/>
+          <a:p>
+            <a:r>
+              <a:rPr lang="en-CA" sz="2000" dirty="0"/>
+              <a:t>we use it to see distribution of final grade of students and to see if its balanced or not in our case we have good </a:t>
+            </a:r>
+            <a:r>
+              <a:rPr lang="en-CA" sz="2000" dirty="0" err="1"/>
+              <a:t>distrubtion</a:t>
+            </a:r>
+            <a:r>
+              <a:rPr lang="en-CA" sz="2000" dirty="0"/>
+              <a:t> and no outliers</a:t>
+            </a:r>
+          </a:p>
+        </p:txBody>
+      </p:sp>
+    </p:spTree>
+    <p:extLst>
+      <p:ext uri="{BB962C8B-B14F-4D97-AF65-F5344CB8AC3E}">
+        <p14:creationId xmlns:p14="http://schemas.microsoft.com/office/powerpoint/2010/main" val="1108333625"/>
+      </p:ext>
+    </p:extLst>
+  </p:cSld>
+  <p:clrMapOvr>
+    <a:masterClrMapping/>
+  </p:clrMapOvr>
+</p:sld>
+</file>
+
+<file path=ppt/slides/slide14.xml><?xml version="1.0" encoding="utf-8"?>
+<p:sld xmlns:a="http://schemas.openxmlformats.org/drawingml/2006/main" xmlns:r="http://schemas.openxmlformats.org/officeDocument/2006/relationships" xmlns:p="http://schemas.openxmlformats.org/presentationml/2006/main">
+  <p:cSld>
+    <p:spTree>
+      <p:nvGrpSpPr>
+        <p:cNvPr id="1" name=""/>
+        <p:cNvGrpSpPr/>
+        <p:nvPr/>
+      </p:nvGrpSpPr>
+      <p:grpSpPr>
+        <a:xfrm>
+          <a:off x="0" y="0"/>
+          <a:ext cx="0" cy="0"/>
+          <a:chOff x="0" y="0"/>
+          <a:chExt cx="0" cy="0"/>
+        </a:xfrm>
+      </p:grpSpPr>
+      <p:pic>
+        <p:nvPicPr>
+          <p:cNvPr id="5" name="Picture 4">
+            <a:extLst>
+              <a:ext uri="{FF2B5EF4-FFF2-40B4-BE49-F238E27FC236}">
+                <a16:creationId xmlns:a16="http://schemas.microsoft.com/office/drawing/2014/main" id="{6EEBAEC2-DBF8-60E6-5939-5EC72B1463D5}"/>
+              </a:ext>
+            </a:extLst>
+          </p:cNvPr>
+          <p:cNvPicPr>
+            <a:picLocks noChangeAspect="1"/>
+          </p:cNvPicPr>
+          <p:nvPr/>
+        </p:nvPicPr>
+        <p:blipFill>
+          <a:blip r:embed="rId2">
+            <a:extLst>
+              <a:ext uri="{28A0092B-C50C-407E-A947-70E740481C1C}">
+                <a14:useLocalDpi xmlns:a14="http://schemas.microsoft.com/office/drawing/2010/main" val="0"/>
+              </a:ext>
+            </a:extLst>
+          </a:blip>
+          <a:stretch>
+            <a:fillRect/>
+          </a:stretch>
+        </p:blipFill>
+        <p:spPr>
+          <a:xfrm>
+            <a:off x="1539404" y="71919"/>
+            <a:ext cx="7953918" cy="5681369"/>
+          </a:xfrm>
+          <a:prstGeom prst="rect">
+            <a:avLst/>
+          </a:prstGeom>
+        </p:spPr>
+      </p:pic>
+      <p:sp>
+        <p:nvSpPr>
+          <p:cNvPr id="6" name="TextBox 5">
+            <a:extLst>
+              <a:ext uri="{FF2B5EF4-FFF2-40B4-BE49-F238E27FC236}">
+                <a16:creationId xmlns:a16="http://schemas.microsoft.com/office/drawing/2014/main" id="{A4C68856-B68E-129D-49F3-1214F374B239}"/>
+              </a:ext>
+            </a:extLst>
+          </p:cNvPr>
+          <p:cNvSpPr txBox="1"/>
+          <p:nvPr/>
+        </p:nvSpPr>
+        <p:spPr>
+          <a:xfrm>
+            <a:off x="1962364" y="6102849"/>
+            <a:ext cx="7181636" cy="707886"/>
+          </a:xfrm>
+          <a:prstGeom prst="rect">
+            <a:avLst/>
+          </a:prstGeom>
+          <a:noFill/>
+        </p:spPr>
+        <p:txBody>
+          <a:bodyPr wrap="square" rtlCol="0">
+            <a:spAutoFit/>
+          </a:bodyPr>
+          <a:lstStyle/>
+          <a:p>
+            <a:r>
+              <a:rPr lang="en-CA" sz="2000" dirty="0"/>
+              <a:t>to detect outliers and median and to see how is the </a:t>
+            </a:r>
+            <a:r>
+              <a:rPr lang="en-CA" sz="2000" dirty="0" err="1"/>
+              <a:t>destrubtion</a:t>
+            </a:r>
+            <a:r>
+              <a:rPr lang="en-CA" sz="2000" dirty="0"/>
+              <a:t> we can see that </a:t>
+            </a:r>
+            <a:r>
+              <a:rPr lang="en-CA" sz="2000" dirty="0" err="1"/>
+              <a:t>previious</a:t>
+            </a:r>
+            <a:r>
+              <a:rPr lang="en-CA" sz="2000" dirty="0"/>
+              <a:t> and final grade are close overall</a:t>
+            </a:r>
+          </a:p>
+        </p:txBody>
+      </p:sp>
+    </p:spTree>
+    <p:extLst>
+      <p:ext uri="{BB962C8B-B14F-4D97-AF65-F5344CB8AC3E}">
+        <p14:creationId xmlns:p14="http://schemas.microsoft.com/office/powerpoint/2010/main" val="3396746010"/>
+      </p:ext>
+    </p:extLst>
+  </p:cSld>
+  <p:clrMapOvr>
+    <a:masterClrMapping/>
+  </p:clrMapOvr>
+</p:sld>
+</file>
+
+<file path=ppt/slides/slide15.xml><?xml version="1.0" encoding="utf-8"?>
+<p:sld xmlns:a="http://schemas.openxmlformats.org/drawingml/2006/main" xmlns:r="http://schemas.openxmlformats.org/officeDocument/2006/relationships" xmlns:p="http://schemas.openxmlformats.org/presentationml/2006/main">
+  <p:cSld>
+    <p:spTree>
+      <p:nvGrpSpPr>
+        <p:cNvPr id="1" name="">
+          <a:extLst>
+            <a:ext uri="{FF2B5EF4-FFF2-40B4-BE49-F238E27FC236}">
+              <a16:creationId xmlns:a16="http://schemas.microsoft.com/office/drawing/2014/main" id="{46A2EE46-C7F5-0D20-6504-6BCD13D09773}"/>
+            </a:ext>
+          </a:extLst>
+        </p:cNvPr>
+        <p:cNvGrpSpPr/>
+        <p:nvPr/>
+      </p:nvGrpSpPr>
+      <p:grpSpPr>
+        <a:xfrm>
+          <a:off x="0" y="0"/>
+          <a:ext cx="0" cy="0"/>
+          <a:chOff x="0" y="0"/>
+          <a:chExt cx="0" cy="0"/>
+        </a:xfrm>
+      </p:grpSpPr>
+      <p:sp>
+        <p:nvSpPr>
+          <p:cNvPr id="6" name="TextBox 5">
+            <a:extLst>
+              <a:ext uri="{FF2B5EF4-FFF2-40B4-BE49-F238E27FC236}">
+                <a16:creationId xmlns:a16="http://schemas.microsoft.com/office/drawing/2014/main" id="{C8351C1C-C5EB-3368-DEDA-7BDA1BEB2B46}"/>
+              </a:ext>
+            </a:extLst>
+          </p:cNvPr>
+          <p:cNvSpPr txBox="1"/>
+          <p:nvPr/>
+        </p:nvSpPr>
+        <p:spPr>
+          <a:xfrm>
+            <a:off x="2365621" y="5911246"/>
+            <a:ext cx="7181636" cy="707886"/>
+          </a:xfrm>
+          <a:prstGeom prst="rect">
+            <a:avLst/>
+          </a:prstGeom>
+          <a:noFill/>
+        </p:spPr>
+        <p:txBody>
+          <a:bodyPr wrap="square" rtlCol="0">
+            <a:spAutoFit/>
+          </a:bodyPr>
+          <a:lstStyle/>
+          <a:p>
+            <a:r>
+              <a:rPr lang="en-CA" sz="2000" dirty="0"/>
+              <a:t> to check relation between study hours / week and the final grades Study hours do not strongly predict final grade</a:t>
+            </a:r>
+            <a:endParaRPr lang="en-CA" sz="2400" dirty="0"/>
+          </a:p>
+        </p:txBody>
+      </p:sp>
+      <p:pic>
+        <p:nvPicPr>
+          <p:cNvPr id="3" name="Picture 2">
+            <a:extLst>
+              <a:ext uri="{FF2B5EF4-FFF2-40B4-BE49-F238E27FC236}">
+                <a16:creationId xmlns:a16="http://schemas.microsoft.com/office/drawing/2014/main" id="{006FCDAD-4D12-C235-3836-E410AE1BDE4C}"/>
+              </a:ext>
+            </a:extLst>
+          </p:cNvPr>
+          <p:cNvPicPr>
+            <a:picLocks noChangeAspect="1"/>
+          </p:cNvPicPr>
+          <p:nvPr/>
+        </p:nvPicPr>
+        <p:blipFill>
+          <a:blip r:embed="rId2">
+            <a:extLst>
+              <a:ext uri="{28A0092B-C50C-407E-A947-70E740481C1C}">
+                <a14:useLocalDpi xmlns:a14="http://schemas.microsoft.com/office/drawing/2010/main" val="0"/>
+              </a:ext>
+            </a:extLst>
+          </a:blip>
+          <a:stretch>
+            <a:fillRect/>
+          </a:stretch>
+        </p:blipFill>
+        <p:spPr>
+          <a:xfrm>
+            <a:off x="2365621" y="238868"/>
+            <a:ext cx="7460758" cy="5329113"/>
+          </a:xfrm>
+          <a:prstGeom prst="rect">
+            <a:avLst/>
+          </a:prstGeom>
+        </p:spPr>
+      </p:pic>
+    </p:spTree>
+    <p:extLst>
+      <p:ext uri="{BB962C8B-B14F-4D97-AF65-F5344CB8AC3E}">
+        <p14:creationId xmlns:p14="http://schemas.microsoft.com/office/powerpoint/2010/main" val="704002057"/>
+      </p:ext>
+    </p:extLst>
+  </p:cSld>
+  <p:clrMapOvr>
+    <a:masterClrMapping/>
+  </p:clrMapOvr>
+</p:sld>
+</file>
+
+<file path=ppt/slides/slide16.xml><?xml version="1.0" encoding="utf-8"?>
+<p:sld xmlns:a="http://schemas.openxmlformats.org/drawingml/2006/main" xmlns:r="http://schemas.openxmlformats.org/officeDocument/2006/relationships" xmlns:p="http://schemas.openxmlformats.org/presentationml/2006/main">
+  <p:cSld>
+    <p:spTree>
+      <p:nvGrpSpPr>
+        <p:cNvPr id="1" name="">
+          <a:extLst>
+            <a:ext uri="{FF2B5EF4-FFF2-40B4-BE49-F238E27FC236}">
+              <a16:creationId xmlns:a16="http://schemas.microsoft.com/office/drawing/2014/main" id="{C35F8874-4E5B-B416-17B3-510D06868159}"/>
+            </a:ext>
+          </a:extLst>
+        </p:cNvPr>
+        <p:cNvGrpSpPr/>
+        <p:nvPr/>
+      </p:nvGrpSpPr>
+      <p:grpSpPr>
+        <a:xfrm>
+          <a:off x="0" y="0"/>
+          <a:ext cx="0" cy="0"/>
+          <a:chOff x="0" y="0"/>
+          <a:chExt cx="0" cy="0"/>
+        </a:xfrm>
+      </p:grpSpPr>
+      <p:sp>
+        <p:nvSpPr>
+          <p:cNvPr id="6" name="TextBox 5">
+            <a:extLst>
+              <a:ext uri="{FF2B5EF4-FFF2-40B4-BE49-F238E27FC236}">
+                <a16:creationId xmlns:a16="http://schemas.microsoft.com/office/drawing/2014/main" id="{5A968F01-8ED1-9E56-C959-DE9CD0E0D593}"/>
+              </a:ext>
+            </a:extLst>
+          </p:cNvPr>
+          <p:cNvSpPr txBox="1"/>
+          <p:nvPr/>
+        </p:nvSpPr>
+        <p:spPr>
+          <a:xfrm>
+            <a:off x="2365621" y="5911246"/>
+            <a:ext cx="7181636" cy="707886"/>
+          </a:xfrm>
+          <a:prstGeom prst="rect">
+            <a:avLst/>
+          </a:prstGeom>
+          <a:noFill/>
+        </p:spPr>
+        <p:txBody>
+          <a:bodyPr wrap="square" rtlCol="0">
+            <a:spAutoFit/>
+          </a:bodyPr>
+          <a:lstStyle/>
+          <a:p>
+            <a:r>
+              <a:rPr lang="en-CA" sz="2000" dirty="0"/>
+              <a:t>forth Heatmap to see which factors change together and have correlation</a:t>
+            </a:r>
+            <a:endParaRPr lang="en-CA" sz="2800" dirty="0"/>
+          </a:p>
+        </p:txBody>
+      </p:sp>
+      <p:pic>
+        <p:nvPicPr>
+          <p:cNvPr id="4" name="Picture 3">
+            <a:extLst>
+              <a:ext uri="{FF2B5EF4-FFF2-40B4-BE49-F238E27FC236}">
+                <a16:creationId xmlns:a16="http://schemas.microsoft.com/office/drawing/2014/main" id="{3837E68B-97D3-97B6-455E-96B52A6338F3}"/>
+              </a:ext>
+            </a:extLst>
+          </p:cNvPr>
+          <p:cNvPicPr>
+            <a:picLocks noChangeAspect="1"/>
+          </p:cNvPicPr>
+          <p:nvPr/>
+        </p:nvPicPr>
+        <p:blipFill>
+          <a:blip r:embed="rId2">
+            <a:extLst>
+              <a:ext uri="{28A0092B-C50C-407E-A947-70E740481C1C}">
+                <a14:useLocalDpi xmlns:a14="http://schemas.microsoft.com/office/drawing/2010/main" val="0"/>
+              </a:ext>
+            </a:extLst>
+          </a:blip>
+          <a:stretch>
+            <a:fillRect/>
+          </a:stretch>
+        </p:blipFill>
+        <p:spPr>
+          <a:xfrm>
+            <a:off x="2298831" y="238868"/>
+            <a:ext cx="7315215" cy="5486411"/>
+          </a:xfrm>
+          <a:prstGeom prst="rect">
+            <a:avLst/>
+          </a:prstGeom>
+        </p:spPr>
+      </p:pic>
+    </p:spTree>
+    <p:extLst>
+      <p:ext uri="{BB962C8B-B14F-4D97-AF65-F5344CB8AC3E}">
+        <p14:creationId xmlns:p14="http://schemas.microsoft.com/office/powerpoint/2010/main" val="2078327629"/>
+      </p:ext>
+    </p:extLst>
+  </p:cSld>
+  <p:clrMapOvr>
+    <a:masterClrMapping/>
+  </p:clrMapOvr>
+</p:sld>
+</file>
+
+<file path=ppt/slides/slide17.xml><?xml version="1.0" encoding="utf-8"?>
+<p:sld xmlns:a="http://schemas.openxmlformats.org/drawingml/2006/main" xmlns:r="http://schemas.openxmlformats.org/officeDocument/2006/relationships" xmlns:p="http://schemas.openxmlformats.org/presentationml/2006/main">
+  <p:cSld>
+    <p:spTree>
+      <p:nvGrpSpPr>
+        <p:cNvPr id="1" name="">
+          <a:extLst>
+            <a:ext uri="{FF2B5EF4-FFF2-40B4-BE49-F238E27FC236}">
+              <a16:creationId xmlns:a16="http://schemas.microsoft.com/office/drawing/2014/main" id="{AA77C4E3-5CD0-6A6B-3CB1-E9FA0AC8D62F}"/>
+            </a:ext>
+          </a:extLst>
+        </p:cNvPr>
+        <p:cNvGrpSpPr/>
+        <p:nvPr/>
+      </p:nvGrpSpPr>
+      <p:grpSpPr>
+        <a:xfrm>
+          <a:off x="0" y="0"/>
+          <a:ext cx="0" cy="0"/>
+          <a:chOff x="0" y="0"/>
+          <a:chExt cx="0" cy="0"/>
+        </a:xfrm>
+      </p:grpSpPr>
+      <p:sp>
+        <p:nvSpPr>
+          <p:cNvPr id="6" name="TextBox 5">
+            <a:extLst>
+              <a:ext uri="{FF2B5EF4-FFF2-40B4-BE49-F238E27FC236}">
+                <a16:creationId xmlns:a16="http://schemas.microsoft.com/office/drawing/2014/main" id="{5E0B910F-BE41-9432-ACB5-1932B173E2CF}"/>
+              </a:ext>
+            </a:extLst>
+          </p:cNvPr>
+          <p:cNvSpPr txBox="1"/>
+          <p:nvPr/>
+        </p:nvSpPr>
+        <p:spPr>
+          <a:xfrm>
+            <a:off x="2365621" y="5911246"/>
+            <a:ext cx="7181636" cy="707886"/>
+          </a:xfrm>
+          <a:prstGeom prst="rect">
+            <a:avLst/>
+          </a:prstGeom>
+          <a:noFill/>
+        </p:spPr>
+        <p:txBody>
+          <a:bodyPr wrap="square" rtlCol="0">
+            <a:spAutoFit/>
+          </a:bodyPr>
+          <a:lstStyle/>
+          <a:p>
+            <a:r>
+              <a:rPr lang="en-CA" sz="2000" dirty="0"/>
+              <a:t>last plot is the bar plot to compare grades of </a:t>
+            </a:r>
+            <a:r>
+              <a:rPr lang="en-CA" sz="2000" dirty="0" err="1"/>
+              <a:t>paretnail</a:t>
+            </a:r>
+            <a:r>
+              <a:rPr lang="en-CA" sz="2000" dirty="0"/>
+              <a:t> support to see if it helps with </a:t>
+            </a:r>
+            <a:r>
+              <a:rPr lang="en-CA" sz="2000" dirty="0" err="1"/>
+              <a:t>fianl</a:t>
+            </a:r>
+            <a:r>
+              <a:rPr lang="en-CA" sz="2000" dirty="0"/>
+              <a:t> grade</a:t>
+            </a:r>
+            <a:endParaRPr lang="en-CA" sz="3200" dirty="0"/>
+          </a:p>
+        </p:txBody>
+      </p:sp>
+      <p:pic>
+        <p:nvPicPr>
+          <p:cNvPr id="3" name="Picture 2">
+            <a:extLst>
+              <a:ext uri="{FF2B5EF4-FFF2-40B4-BE49-F238E27FC236}">
+                <a16:creationId xmlns:a16="http://schemas.microsoft.com/office/drawing/2014/main" id="{5C8F813F-E976-66CF-054A-3E23ADDC664A}"/>
+              </a:ext>
+            </a:extLst>
+          </p:cNvPr>
+          <p:cNvPicPr>
+            <a:picLocks noChangeAspect="1"/>
+          </p:cNvPicPr>
+          <p:nvPr/>
+        </p:nvPicPr>
+        <p:blipFill>
+          <a:blip r:embed="rId2">
+            <a:extLst>
+              <a:ext uri="{28A0092B-C50C-407E-A947-70E740481C1C}">
+                <a14:useLocalDpi xmlns:a14="http://schemas.microsoft.com/office/drawing/2010/main" val="0"/>
+              </a:ext>
+            </a:extLst>
+          </a:blip>
+          <a:stretch>
+            <a:fillRect/>
+          </a:stretch>
+        </p:blipFill>
+        <p:spPr>
+          <a:xfrm>
+            <a:off x="2024854" y="238868"/>
+            <a:ext cx="7522403" cy="5373145"/>
+          </a:xfrm>
+          <a:prstGeom prst="rect">
+            <a:avLst/>
+          </a:prstGeom>
+        </p:spPr>
+      </p:pic>
+    </p:spTree>
+    <p:extLst>
+      <p:ext uri="{BB962C8B-B14F-4D97-AF65-F5344CB8AC3E}">
+        <p14:creationId xmlns:p14="http://schemas.microsoft.com/office/powerpoint/2010/main" val="3741132302"/>
+      </p:ext>
+    </p:extLst>
+  </p:cSld>
+  <p:clrMapOvr>
+    <a:masterClrMapping/>
+  </p:clrMapOvr>
+</p:sld>
+</file>
+
+<file path=ppt/slides/slide2.xml><?xml version="1.0" encoding="utf-8"?>
+<p:sld xmlns:a="http://schemas.openxmlformats.org/drawingml/2006/main" xmlns:r="http://schemas.openxmlformats.org/officeDocument/2006/relationships" xmlns:p="http://schemas.openxmlformats.org/presentationml/2006/main">
+  <p:cSld>
+    <p:spTree>
+      <p:nvGrpSpPr>
+        <p:cNvPr id="1" name=""/>
+        <p:cNvGrpSpPr/>
+        <p:nvPr/>
+      </p:nvGrpSpPr>
+      <p:grpSpPr>
+        <a:xfrm>
+          <a:off x="0" y="0"/>
+          <a:ext cx="0" cy="0"/>
+          <a:chOff x="0" y="0"/>
+          <a:chExt cx="0" cy="0"/>
+        </a:xfrm>
+      </p:grpSpPr>
+      <p:cxnSp>
+        <p:nvCxnSpPr>
+          <p:cNvPr id="5" name="Straight Connector 4">
+            <a:extLst>
+              <a:ext uri="{FF2B5EF4-FFF2-40B4-BE49-F238E27FC236}">
+                <a16:creationId xmlns:a16="http://schemas.microsoft.com/office/drawing/2014/main" id="{24421F80-E30D-AE82-EDF5-DD0506795BEE}"/>
+              </a:ext>
+            </a:extLst>
+          </p:cNvPr>
+          <p:cNvCxnSpPr>
+            <a:cxnSpLocks/>
+          </p:cNvCxnSpPr>
+          <p:nvPr/>
+        </p:nvCxnSpPr>
+        <p:spPr>
+          <a:xfrm>
+            <a:off x="821933" y="195209"/>
+            <a:ext cx="0" cy="6565187"/>
+          </a:xfrm>
+          <a:prstGeom prst="line">
+            <a:avLst/>
+          </a:prstGeom>
+        </p:spPr>
+        <p:style>
+          <a:lnRef idx="1">
+            <a:schemeClr val="dk1"/>
+          </a:lnRef>
+          <a:fillRef idx="0">
+            <a:schemeClr val="dk1"/>
+          </a:fillRef>
+          <a:effectRef idx="0">
+            <a:schemeClr val="dk1"/>
+          </a:effectRef>
+          <a:fontRef idx="minor">
+            <a:schemeClr val="tx1"/>
+          </a:fontRef>
+        </p:style>
+      </p:cxnSp>
+      <p:sp>
+        <p:nvSpPr>
+          <p:cNvPr id="6" name="TextBox 5">
+            <a:extLst>
+              <a:ext uri="{FF2B5EF4-FFF2-40B4-BE49-F238E27FC236}">
+                <a16:creationId xmlns:a16="http://schemas.microsoft.com/office/drawing/2014/main" id="{67DCB988-9FEE-B7DA-CAC5-E20F0DA46022}"/>
+              </a:ext>
+            </a:extLst>
+          </p:cNvPr>
+          <p:cNvSpPr txBox="1"/>
+          <p:nvPr/>
+        </p:nvSpPr>
+        <p:spPr>
+          <a:xfrm>
+            <a:off x="1387011" y="534256"/>
+            <a:ext cx="3020602" cy="646331"/>
+          </a:xfrm>
+          <a:prstGeom prst="rect">
+            <a:avLst/>
+          </a:prstGeom>
+          <a:noFill/>
+        </p:spPr>
+        <p:txBody>
+          <a:bodyPr wrap="square" rtlCol="0">
+            <a:spAutoFit/>
+          </a:bodyPr>
+          <a:lstStyle/>
+          <a:p>
+            <a:r>
+              <a:rPr lang="en-GB" sz="3600" b="1" dirty="0">
+                <a:solidFill>
+                  <a:srgbClr val="FF0000"/>
+                </a:solidFill>
+              </a:rPr>
+              <a:t>- </a:t>
+            </a:r>
+            <a:r>
+              <a:rPr lang="en-CA" sz="3600" b="1" dirty="0">
+                <a:solidFill>
+                  <a:srgbClr val="FF0000"/>
+                </a:solidFill>
+              </a:rPr>
+              <a:t>Overview :</a:t>
+            </a:r>
+            <a:endParaRPr lang="en-CA" b="1" dirty="0">
+              <a:solidFill>
+                <a:srgbClr val="FF0000"/>
+              </a:solidFill>
+            </a:endParaRPr>
+          </a:p>
+        </p:txBody>
+      </p:sp>
+      <p:sp>
+        <p:nvSpPr>
+          <p:cNvPr id="7" name="TextBox 5">
+            <a:extLst>
+              <a:ext uri="{FF2B5EF4-FFF2-40B4-BE49-F238E27FC236}">
+                <a16:creationId xmlns:a16="http://schemas.microsoft.com/office/drawing/2014/main" id="{67DCB988-9FEE-B7DA-CAC5-E20F0DA46022}"/>
+              </a:ext>
+            </a:extLst>
+          </p:cNvPr>
+          <p:cNvSpPr txBox="1"/>
+          <p:nvPr/>
+        </p:nvSpPr>
+        <p:spPr>
+          <a:xfrm>
+            <a:off x="1236323" y="3429000"/>
+            <a:ext cx="3020602" cy="646331"/>
+          </a:xfrm>
+          <a:prstGeom prst="rect">
+            <a:avLst/>
+          </a:prstGeom>
+          <a:noFill/>
+        </p:spPr>
+        <p:txBody>
+          <a:bodyPr wrap="square" rtlCol="0">
+            <a:spAutoFit/>
+          </a:bodyPr>
+          <a:lstStyle>
+            <a:defPPr>
+              <a:defRPr lang="en-US"/>
+            </a:defPPr>
+            <a:lvl1pPr marL="0" algn="l" defTabSz="914400" rtl="0" eaLnBrk="1" latinLnBrk="0" hangingPunct="1">
+              <a:defRPr sz="1800" kern="1200">
+                <a:solidFill>
+                  <a:schemeClr val="tx1"/>
+                </a:solidFill>
+                <a:latin typeface="+mn-lt"/>
+                <a:ea typeface="+mn-ea"/>
+                <a:cs typeface="+mn-cs"/>
+              </a:defRPr>
+            </a:lvl1pPr>
+            <a:lvl2pPr marL="457200" algn="l" defTabSz="914400" rtl="0" eaLnBrk="1" latinLnBrk="0" hangingPunct="1">
+              <a:defRPr sz="1800" kern="1200">
+                <a:solidFill>
+                  <a:schemeClr val="tx1"/>
+                </a:solidFill>
+                <a:latin typeface="+mn-lt"/>
+                <a:ea typeface="+mn-ea"/>
+                <a:cs typeface="+mn-cs"/>
+              </a:defRPr>
+            </a:lvl2pPr>
+            <a:lvl3pPr marL="914400" algn="l" defTabSz="914400" rtl="0" eaLnBrk="1" latinLnBrk="0" hangingPunct="1">
+              <a:defRPr sz="1800" kern="1200">
+                <a:solidFill>
+                  <a:schemeClr val="tx1"/>
+                </a:solidFill>
+                <a:latin typeface="+mn-lt"/>
+                <a:ea typeface="+mn-ea"/>
+                <a:cs typeface="+mn-cs"/>
+              </a:defRPr>
+            </a:lvl3pPr>
+            <a:lvl4pPr marL="1371600" algn="l" defTabSz="914400" rtl="0" eaLnBrk="1" latinLnBrk="0" hangingPunct="1">
+              <a:defRPr sz="1800" kern="1200">
+                <a:solidFill>
+                  <a:schemeClr val="tx1"/>
+                </a:solidFill>
+                <a:latin typeface="+mn-lt"/>
+                <a:ea typeface="+mn-ea"/>
+                <a:cs typeface="+mn-cs"/>
+              </a:defRPr>
+            </a:lvl4pPr>
+            <a:lvl5pPr marL="1828800" algn="l" defTabSz="914400" rtl="0" eaLnBrk="1" latinLnBrk="0" hangingPunct="1">
+              <a:defRPr sz="1800" kern="1200">
+                <a:solidFill>
+                  <a:schemeClr val="tx1"/>
+                </a:solidFill>
+                <a:latin typeface="+mn-lt"/>
+                <a:ea typeface="+mn-ea"/>
+                <a:cs typeface="+mn-cs"/>
+              </a:defRPr>
+            </a:lvl5pPr>
+            <a:lvl6pPr marL="2286000" algn="l" defTabSz="914400" rtl="0" eaLnBrk="1" latinLnBrk="0" hangingPunct="1">
+              <a:defRPr sz="1800" kern="1200">
+                <a:solidFill>
+                  <a:schemeClr val="tx1"/>
+                </a:solidFill>
+                <a:latin typeface="+mn-lt"/>
+                <a:ea typeface="+mn-ea"/>
+                <a:cs typeface="+mn-cs"/>
+              </a:defRPr>
+            </a:lvl6pPr>
+            <a:lvl7pPr marL="2743200" algn="l" defTabSz="914400" rtl="0" eaLnBrk="1" latinLnBrk="0" hangingPunct="1">
+              <a:defRPr sz="1800" kern="1200">
+                <a:solidFill>
+                  <a:schemeClr val="tx1"/>
+                </a:solidFill>
+                <a:latin typeface="+mn-lt"/>
+                <a:ea typeface="+mn-ea"/>
+                <a:cs typeface="+mn-cs"/>
+              </a:defRPr>
+            </a:lvl7pPr>
+            <a:lvl8pPr marL="3200400" algn="l" defTabSz="914400" rtl="0" eaLnBrk="1" latinLnBrk="0" hangingPunct="1">
+              <a:defRPr sz="1800" kern="1200">
+                <a:solidFill>
+                  <a:schemeClr val="tx1"/>
+                </a:solidFill>
+                <a:latin typeface="+mn-lt"/>
+                <a:ea typeface="+mn-ea"/>
+                <a:cs typeface="+mn-cs"/>
+              </a:defRPr>
+            </a:lvl8pPr>
+            <a:lvl9pPr marL="3657600" algn="l" defTabSz="914400" rtl="0" eaLnBrk="1" latinLnBrk="0" hangingPunct="1">
+              <a:defRPr sz="1800" kern="1200">
+                <a:solidFill>
+                  <a:schemeClr val="tx1"/>
+                </a:solidFill>
+                <a:latin typeface="+mn-lt"/>
+                <a:ea typeface="+mn-ea"/>
+                <a:cs typeface="+mn-cs"/>
+              </a:defRPr>
+            </a:lvl9pPr>
+          </a:lstStyle>
+          <a:p>
+            <a:r>
+              <a:rPr lang="en-GB" sz="3600" b="1" dirty="0">
+                <a:solidFill>
+                  <a:srgbClr val="FF0000"/>
+                </a:solidFill>
+              </a:rPr>
+              <a:t>- </a:t>
+            </a:r>
+            <a:r>
+              <a:rPr lang="en-CA" sz="3600" b="1" dirty="0">
+                <a:solidFill>
+                  <a:srgbClr val="FF0000"/>
+                </a:solidFill>
+              </a:rPr>
+              <a:t>target :</a:t>
+            </a:r>
+            <a:endParaRPr lang="en-CA" b="1" dirty="0">
+              <a:solidFill>
+                <a:srgbClr val="FF0000"/>
+              </a:solidFill>
+            </a:endParaRPr>
+          </a:p>
+        </p:txBody>
+      </p:sp>
+      <p:sp>
+        <p:nvSpPr>
+          <p:cNvPr id="23" name="TextBox 22">
+            <a:extLst>
+              <a:ext uri="{FF2B5EF4-FFF2-40B4-BE49-F238E27FC236}">
+                <a16:creationId xmlns:a16="http://schemas.microsoft.com/office/drawing/2014/main" id="{74C50265-A95F-A357-8F10-01B15524B5FC}"/>
+              </a:ext>
+            </a:extLst>
+          </p:cNvPr>
+          <p:cNvSpPr txBox="1"/>
+          <p:nvPr/>
+        </p:nvSpPr>
+        <p:spPr>
+          <a:xfrm>
+            <a:off x="1387012" y="4075331"/>
+            <a:ext cx="7880278" cy="2215991"/>
+          </a:xfrm>
+          <a:prstGeom prst="rect">
+            <a:avLst/>
+          </a:prstGeom>
+          <a:noFill/>
+        </p:spPr>
+        <p:txBody>
+          <a:bodyPr wrap="square" rtlCol="0">
+            <a:spAutoFit/>
+          </a:bodyPr>
+          <a:lstStyle/>
+          <a:p>
+            <a:r>
+              <a:rPr lang="en-CA" sz="2400" dirty="0"/>
+              <a:t>we can say that this database seeks to see if </a:t>
+            </a:r>
+            <a:r>
+              <a:rPr lang="en-CA" sz="2400" dirty="0" err="1"/>
+              <a:t>specefic</a:t>
+            </a:r>
+            <a:r>
+              <a:rPr lang="en-CA" sz="2400" dirty="0"/>
+              <a:t> manners affect student performance such as getting helped by parent or go to school or </a:t>
+            </a:r>
+            <a:r>
+              <a:rPr lang="en-CA" sz="2400" dirty="0" err="1"/>
+              <a:t>studing</a:t>
+            </a:r>
+            <a:r>
+              <a:rPr lang="en-CA" sz="2400" dirty="0"/>
+              <a:t> more the main thing the data base wants is to check performance (Final grade) to see how we can help students to get better grades . </a:t>
+            </a:r>
+          </a:p>
+          <a:p>
+            <a:endParaRPr lang="en-CA" dirty="0"/>
+          </a:p>
+        </p:txBody>
+      </p:sp>
+      <p:pic>
+        <p:nvPicPr>
+          <p:cNvPr id="25" name="Picture 24">
+            <a:extLst>
+              <a:ext uri="{FF2B5EF4-FFF2-40B4-BE49-F238E27FC236}">
+                <a16:creationId xmlns:a16="http://schemas.microsoft.com/office/drawing/2014/main" id="{5CBB0B11-C2F0-E01D-DD43-824A27A91F6F}"/>
+              </a:ext>
+            </a:extLst>
+          </p:cNvPr>
+          <p:cNvPicPr>
+            <a:picLocks noChangeAspect="1"/>
+          </p:cNvPicPr>
+          <p:nvPr/>
+        </p:nvPicPr>
+        <p:blipFill>
+          <a:blip r:embed="rId2">
+            <a:extLst>
+              <a:ext uri="{28A0092B-C50C-407E-A947-70E740481C1C}">
+                <a14:useLocalDpi xmlns:a14="http://schemas.microsoft.com/office/drawing/2010/main" val="0"/>
+              </a:ext>
+            </a:extLst>
+          </a:blip>
+          <a:stretch>
+            <a:fillRect/>
+          </a:stretch>
+        </p:blipFill>
+        <p:spPr>
+          <a:xfrm>
+            <a:off x="9182100" y="-97604"/>
+            <a:ext cx="3009900" cy="6858000"/>
+          </a:xfrm>
+          <a:prstGeom prst="rect">
+            <a:avLst/>
+          </a:prstGeom>
+        </p:spPr>
+      </p:pic>
+      <p:sp>
+        <p:nvSpPr>
+          <p:cNvPr id="2" name="TextBox 1">
+            <a:extLst>
+              <a:ext uri="{FF2B5EF4-FFF2-40B4-BE49-F238E27FC236}">
+                <a16:creationId xmlns:a16="http://schemas.microsoft.com/office/drawing/2014/main" id="{6655316A-1B44-79CF-C100-E4F1C1081AE4}"/>
+              </a:ext>
+            </a:extLst>
+          </p:cNvPr>
+          <p:cNvSpPr txBox="1"/>
+          <p:nvPr/>
+        </p:nvSpPr>
+        <p:spPr>
+          <a:xfrm>
+            <a:off x="1236323" y="1261811"/>
+            <a:ext cx="7880278" cy="1938992"/>
+          </a:xfrm>
+          <a:prstGeom prst="rect">
+            <a:avLst/>
+          </a:prstGeom>
+          <a:noFill/>
+        </p:spPr>
+        <p:txBody>
+          <a:bodyPr wrap="square" rtlCol="0">
+            <a:spAutoFit/>
+          </a:bodyPr>
+          <a:lstStyle/>
+          <a:p>
+            <a:r>
+              <a:rPr lang="en-CA" sz="2400" dirty="0"/>
+              <a:t>this database seeks to see if </a:t>
+            </a:r>
+            <a:r>
+              <a:rPr lang="en-CA" sz="2400" dirty="0" err="1"/>
+              <a:t>specefic</a:t>
+            </a:r>
+            <a:r>
+              <a:rPr lang="en-CA" sz="2400" dirty="0"/>
+              <a:t> manners affect student performance such as getting helped by parent or go to school or </a:t>
+            </a:r>
+            <a:r>
+              <a:rPr lang="en-CA" sz="2400" dirty="0" err="1"/>
+              <a:t>studing</a:t>
+            </a:r>
+            <a:r>
+              <a:rPr lang="en-CA" sz="2400" dirty="0"/>
+              <a:t> more the main thing the data base wants is to check performance (Final grade) to see how we can help students to get better grades</a:t>
+            </a:r>
+          </a:p>
+        </p:txBody>
+      </p:sp>
+    </p:spTree>
+    <p:extLst>
+      <p:ext uri="{BB962C8B-B14F-4D97-AF65-F5344CB8AC3E}">
+        <p14:creationId xmlns:p14="http://schemas.microsoft.com/office/powerpoint/2010/main" val="1310758358"/>
+      </p:ext>
+    </p:extLst>
+  </p:cSld>
+  <p:clrMapOvr>
+    <a:masterClrMapping/>
+  </p:clrMapOvr>
+</p:sld>
+</file>
+
+<file path=ppt/slides/slide3.xml><?xml version="1.0" encoding="utf-8"?>
+<p:sld xmlns:a="http://schemas.openxmlformats.org/drawingml/2006/main" xmlns:r="http://schemas.openxmlformats.org/officeDocument/2006/relationships" xmlns:p="http://schemas.openxmlformats.org/presentationml/2006/main">
+  <p:cSld>
+    <p:spTree>
+      <p:nvGrpSpPr>
+        <p:cNvPr id="1" name="">
+          <a:extLst>
+            <a:ext uri="{FF2B5EF4-FFF2-40B4-BE49-F238E27FC236}">
+              <a16:creationId xmlns:a16="http://schemas.microsoft.com/office/drawing/2014/main" id="{087C0CCE-564F-9123-81E1-AE89A8C84BC8}"/>
+            </a:ext>
+          </a:extLst>
+        </p:cNvPr>
+        <p:cNvGrpSpPr/>
+        <p:nvPr/>
+      </p:nvGrpSpPr>
+      <p:grpSpPr>
+        <a:xfrm>
+          <a:off x="0" y="0"/>
+          <a:ext cx="0" cy="0"/>
+          <a:chOff x="0" y="0"/>
+          <a:chExt cx="0" cy="0"/>
+        </a:xfrm>
+      </p:grpSpPr>
+      <p:sp>
+        <p:nvSpPr>
+          <p:cNvPr id="2" name="TextBox 1">
+            <a:extLst>
+              <a:ext uri="{FF2B5EF4-FFF2-40B4-BE49-F238E27FC236}">
+                <a16:creationId xmlns:a16="http://schemas.microsoft.com/office/drawing/2014/main" id="{B04E1DB4-52ED-7A11-C6F5-8C5284D5B626}"/>
+              </a:ext>
+            </a:extLst>
+          </p:cNvPr>
+          <p:cNvSpPr txBox="1"/>
+          <p:nvPr/>
+        </p:nvSpPr>
+        <p:spPr>
+          <a:xfrm>
+            <a:off x="3589105" y="226032"/>
+            <a:ext cx="5013789" cy="646331"/>
+          </a:xfrm>
+          <a:prstGeom prst="rect">
+            <a:avLst/>
+          </a:prstGeom>
+          <a:noFill/>
+        </p:spPr>
+        <p:txBody>
+          <a:bodyPr wrap="square" rtlCol="0">
+            <a:spAutoFit/>
+          </a:bodyPr>
+          <a:lstStyle/>
+          <a:p>
+            <a:pPr algn="ctr"/>
+            <a:r>
+              <a:rPr lang="en-GB" sz="3600" b="1" dirty="0">
+                <a:solidFill>
+                  <a:srgbClr val="FF0000"/>
+                </a:solidFill>
+              </a:rPr>
+              <a:t>The features :</a:t>
+            </a:r>
+            <a:endParaRPr lang="en-CA" sz="3600" b="1" dirty="0">
+              <a:solidFill>
+                <a:srgbClr val="FF0000"/>
+              </a:solidFill>
+            </a:endParaRPr>
+          </a:p>
+        </p:txBody>
+      </p:sp>
+      <p:graphicFrame>
+        <p:nvGraphicFramePr>
+          <p:cNvPr id="3" name="Table 2">
+            <a:extLst>
+              <a:ext uri="{FF2B5EF4-FFF2-40B4-BE49-F238E27FC236}">
+                <a16:creationId xmlns:a16="http://schemas.microsoft.com/office/drawing/2014/main" id="{E76ADF7B-BBD2-2A8E-0EC4-FAED49E610FE}"/>
+              </a:ext>
+            </a:extLst>
+          </p:cNvPr>
+          <p:cNvGraphicFramePr>
+            <a:graphicFrameLocks noGrp="1"/>
+          </p:cNvGraphicFramePr>
+          <p:nvPr>
+            <p:extLst>
+              <p:ext uri="{D42A27DB-BD31-4B8C-83A1-F6EECF244321}">
+                <p14:modId xmlns:p14="http://schemas.microsoft.com/office/powerpoint/2010/main" val="861049027"/>
+              </p:ext>
+            </p:extLst>
+          </p:nvPr>
+        </p:nvGraphicFramePr>
+        <p:xfrm>
+          <a:off x="688369" y="861148"/>
+          <a:ext cx="10828961" cy="5760720"/>
+        </p:xfrm>
+        <a:graphic>
+          <a:graphicData uri="http://schemas.openxmlformats.org/drawingml/2006/table">
+            <a:tbl>
+              <a:tblPr firstRow="1" bandRow="1">
+                <a:tableStyleId>{5C22544A-7EE6-4342-B048-85BDC9FD1C3A}</a:tableStyleId>
+              </a:tblPr>
+              <a:tblGrid>
+                <a:gridCol w="3438804">
+                  <a:extLst>
+                    <a:ext uri="{9D8B030D-6E8A-4147-A177-3AD203B41FA5}">
+                      <a16:colId xmlns:a16="http://schemas.microsoft.com/office/drawing/2014/main" val="900049784"/>
+                    </a:ext>
+                  </a:extLst>
+                </a:gridCol>
+                <a:gridCol w="7390157">
+                  <a:extLst>
+                    <a:ext uri="{9D8B030D-6E8A-4147-A177-3AD203B41FA5}">
+                      <a16:colId xmlns:a16="http://schemas.microsoft.com/office/drawing/2014/main" val="928557316"/>
+                    </a:ext>
+                  </a:extLst>
+                </a:gridCol>
+              </a:tblGrid>
+              <a:tr h="370840">
+                <a:tc>
+                  <a:txBody>
+                    <a:bodyPr/>
+                    <a:lstStyle/>
+                    <a:p>
+                      <a:r>
+                        <a:rPr lang="en-GB" sz="2400" dirty="0"/>
+                        <a:t>The feature</a:t>
+                      </a:r>
+                      <a:endParaRPr lang="en-CA" sz="2400" dirty="0"/>
+                    </a:p>
+                  </a:txBody>
+                  <a:tcPr/>
+                </a:tc>
+                <a:tc>
+                  <a:txBody>
+                    <a:bodyPr/>
+                    <a:lstStyle/>
+                    <a:p>
+                      <a:r>
+                        <a:rPr lang="en-GB" sz="2400" dirty="0"/>
+                        <a:t>The meaning </a:t>
+                      </a:r>
+                      <a:endParaRPr lang="en-CA" sz="2400" dirty="0"/>
+                    </a:p>
+                  </a:txBody>
+                  <a:tcPr/>
+                </a:tc>
+                <a:extLst>
+                  <a:ext uri="{0D108BD9-81ED-4DB2-BD59-A6C34878D82A}">
+                    <a16:rowId xmlns:a16="http://schemas.microsoft.com/office/drawing/2014/main" val="1113306257"/>
+                  </a:ext>
+                </a:extLst>
+              </a:tr>
+              <a:tr h="370840">
+                <a:tc>
+                  <a:txBody>
+                    <a:bodyPr/>
+                    <a:lstStyle/>
+                    <a:p>
+                      <a:r>
+                        <a:rPr lang="en-GB" sz="2400" b="1" i="0" kern="1200" dirty="0" err="1">
+                          <a:solidFill>
+                            <a:schemeClr val="dk1"/>
+                          </a:solidFill>
+                          <a:effectLst/>
+                          <a:latin typeface="+mn-lt"/>
+                          <a:ea typeface="+mn-ea"/>
+                          <a:cs typeface="+mn-cs"/>
+                        </a:rPr>
+                        <a:t>studentID</a:t>
+                      </a:r>
+                      <a:endParaRPr lang="en-CA" sz="2400" b="1" i="0" kern="1200" dirty="0">
+                        <a:solidFill>
+                          <a:schemeClr val="dk1"/>
+                        </a:solidFill>
+                        <a:effectLst/>
+                        <a:latin typeface="+mn-lt"/>
+                        <a:ea typeface="+mn-ea"/>
+                        <a:cs typeface="+mn-cs"/>
+                      </a:endParaRPr>
+                    </a:p>
+                  </a:txBody>
+                  <a:tcPr/>
+                </a:tc>
+                <a:tc>
+                  <a:txBody>
+                    <a:bodyPr/>
+                    <a:lstStyle/>
+                    <a:p>
+                      <a:r>
+                        <a:rPr lang="en-CA" sz="2400" b="0" i="0" kern="1200" dirty="0">
+                          <a:solidFill>
+                            <a:schemeClr val="dk1"/>
+                          </a:solidFill>
+                          <a:effectLst/>
+                          <a:latin typeface="+mn-lt"/>
+                          <a:ea typeface="+mn-ea"/>
+                          <a:cs typeface="+mn-cs"/>
+                        </a:rPr>
+                        <a:t>a </a:t>
+                      </a:r>
+                      <a:r>
+                        <a:rPr lang="en-CA" sz="2400" b="0" i="0" kern="1200" dirty="0" err="1">
+                          <a:solidFill>
+                            <a:schemeClr val="dk1"/>
+                          </a:solidFill>
+                          <a:effectLst/>
+                          <a:latin typeface="+mn-lt"/>
+                          <a:ea typeface="+mn-ea"/>
+                          <a:cs typeface="+mn-cs"/>
+                        </a:rPr>
+                        <a:t>numiercal</a:t>
+                      </a:r>
+                      <a:r>
+                        <a:rPr lang="en-CA" sz="2400" b="0" i="0" kern="1200" dirty="0">
+                          <a:solidFill>
+                            <a:schemeClr val="dk1"/>
+                          </a:solidFill>
+                          <a:effectLst/>
+                          <a:latin typeface="+mn-lt"/>
+                          <a:ea typeface="+mn-ea"/>
+                          <a:cs typeface="+mn-cs"/>
+                        </a:rPr>
+                        <a:t> number (float) to tell the </a:t>
+                      </a:r>
+                      <a:r>
+                        <a:rPr lang="en-CA" sz="2400" b="0" i="0" kern="1200" dirty="0" err="1">
+                          <a:solidFill>
+                            <a:schemeClr val="dk1"/>
+                          </a:solidFill>
+                          <a:effectLst/>
+                          <a:latin typeface="+mn-lt"/>
+                          <a:ea typeface="+mn-ea"/>
+                          <a:cs typeface="+mn-cs"/>
+                        </a:rPr>
+                        <a:t>specefic</a:t>
+                      </a:r>
+                      <a:r>
+                        <a:rPr lang="en-CA" sz="2400" b="0" i="0" kern="1200" dirty="0">
+                          <a:solidFill>
+                            <a:schemeClr val="dk1"/>
+                          </a:solidFill>
+                          <a:effectLst/>
+                          <a:latin typeface="+mn-lt"/>
+                          <a:ea typeface="+mn-ea"/>
+                          <a:cs typeface="+mn-cs"/>
+                        </a:rPr>
+                        <a:t> student </a:t>
+                      </a:r>
+                      <a:r>
+                        <a:rPr lang="en-CA" sz="2400" b="0" i="0" kern="1200" dirty="0" err="1">
+                          <a:solidFill>
+                            <a:schemeClr val="dk1"/>
+                          </a:solidFill>
+                          <a:effectLst/>
+                          <a:latin typeface="+mn-lt"/>
+                          <a:ea typeface="+mn-ea"/>
+                          <a:cs typeface="+mn-cs"/>
+                        </a:rPr>
+                        <a:t>wer</a:t>
+                      </a:r>
+                      <a:r>
+                        <a:rPr lang="en-CA" sz="2400" b="0" i="0" kern="1200" dirty="0">
+                          <a:solidFill>
+                            <a:schemeClr val="dk1"/>
+                          </a:solidFill>
+                          <a:effectLst/>
+                          <a:latin typeface="+mn-lt"/>
+                          <a:ea typeface="+mn-ea"/>
+                          <a:cs typeface="+mn-cs"/>
+                        </a:rPr>
+                        <a:t> working on . and it is not important for predictions</a:t>
+                      </a:r>
+                      <a:endParaRPr lang="en-CA" sz="2400" dirty="0"/>
+                    </a:p>
+                  </a:txBody>
+                  <a:tcPr/>
+                </a:tc>
+                <a:extLst>
+                  <a:ext uri="{0D108BD9-81ED-4DB2-BD59-A6C34878D82A}">
+                    <a16:rowId xmlns:a16="http://schemas.microsoft.com/office/drawing/2014/main" val="941868051"/>
+                  </a:ext>
+                </a:extLst>
+              </a:tr>
+              <a:tr h="370840">
+                <a:tc>
+                  <a:txBody>
+                    <a:bodyPr/>
+                    <a:lstStyle/>
+                    <a:p>
+                      <a:r>
+                        <a:rPr lang="en-GB" sz="2400" b="1" i="0" kern="1200" dirty="0">
+                          <a:solidFill>
+                            <a:schemeClr val="dk1"/>
+                          </a:solidFill>
+                          <a:effectLst/>
+                          <a:latin typeface="+mn-lt"/>
+                          <a:ea typeface="+mn-ea"/>
+                          <a:cs typeface="+mn-cs"/>
+                        </a:rPr>
+                        <a:t>Name</a:t>
+                      </a:r>
+                      <a:endParaRPr lang="en-CA" sz="2400" b="1" i="0" kern="1200" dirty="0">
+                        <a:solidFill>
+                          <a:schemeClr val="dk1"/>
+                        </a:solidFill>
+                        <a:effectLst/>
+                        <a:latin typeface="+mn-lt"/>
+                        <a:ea typeface="+mn-ea"/>
+                        <a:cs typeface="+mn-cs"/>
+                      </a:endParaRPr>
+                    </a:p>
+                  </a:txBody>
+                  <a:tcPr/>
+                </a:tc>
+                <a:tc>
+                  <a:txBody>
+                    <a:bodyPr/>
+                    <a:lstStyle/>
+                    <a:p>
+                      <a:r>
+                        <a:rPr lang="en-CA" sz="2400" b="0" i="0" kern="1200" dirty="0">
+                          <a:solidFill>
+                            <a:schemeClr val="dk1"/>
+                          </a:solidFill>
+                          <a:effectLst/>
+                          <a:latin typeface="+mn-lt"/>
+                          <a:ea typeface="+mn-ea"/>
+                          <a:cs typeface="+mn-cs"/>
+                        </a:rPr>
+                        <a:t>real name (string) for more </a:t>
+                      </a:r>
+                      <a:r>
+                        <a:rPr lang="en-CA" sz="2400" b="0" i="0" kern="1200" dirty="0" err="1">
+                          <a:solidFill>
+                            <a:schemeClr val="dk1"/>
+                          </a:solidFill>
+                          <a:effectLst/>
+                          <a:latin typeface="+mn-lt"/>
+                          <a:ea typeface="+mn-ea"/>
+                          <a:cs typeface="+mn-cs"/>
+                        </a:rPr>
+                        <a:t>spefic</a:t>
+                      </a:r>
+                      <a:r>
+                        <a:rPr lang="en-CA" sz="2400" b="0" i="0" kern="1200" dirty="0">
+                          <a:solidFill>
+                            <a:schemeClr val="dk1"/>
+                          </a:solidFill>
+                          <a:effectLst/>
+                          <a:latin typeface="+mn-lt"/>
+                          <a:ea typeface="+mn-ea"/>
+                          <a:cs typeface="+mn-cs"/>
+                        </a:rPr>
+                        <a:t> work also not </a:t>
+                      </a:r>
+                      <a:r>
+                        <a:rPr lang="en-CA" sz="2400" b="0" i="0" kern="1200" dirty="0" err="1">
+                          <a:solidFill>
+                            <a:schemeClr val="dk1"/>
+                          </a:solidFill>
+                          <a:effectLst/>
+                          <a:latin typeface="+mn-lt"/>
+                          <a:ea typeface="+mn-ea"/>
+                          <a:cs typeface="+mn-cs"/>
+                        </a:rPr>
+                        <a:t>importnet</a:t>
+                      </a:r>
+                      <a:r>
+                        <a:rPr lang="en-CA" sz="2400" b="0" i="0" kern="1200" dirty="0">
+                          <a:solidFill>
+                            <a:schemeClr val="dk1"/>
+                          </a:solidFill>
+                          <a:effectLst/>
+                          <a:latin typeface="+mn-lt"/>
+                          <a:ea typeface="+mn-ea"/>
+                          <a:cs typeface="+mn-cs"/>
+                        </a:rPr>
+                        <a:t> for predictions</a:t>
+                      </a:r>
+                      <a:endParaRPr lang="en-CA" sz="2400" dirty="0"/>
+                    </a:p>
+                  </a:txBody>
+                  <a:tcPr/>
+                </a:tc>
+                <a:extLst>
+                  <a:ext uri="{0D108BD9-81ED-4DB2-BD59-A6C34878D82A}">
+                    <a16:rowId xmlns:a16="http://schemas.microsoft.com/office/drawing/2014/main" val="1841337878"/>
+                  </a:ext>
+                </a:extLst>
+              </a:tr>
+              <a:tr h="370840">
+                <a:tc>
+                  <a:txBody>
+                    <a:bodyPr/>
+                    <a:lstStyle/>
+                    <a:p>
+                      <a:r>
+                        <a:rPr lang="en-GB" sz="2400" b="1" i="0" kern="1200" dirty="0">
+                          <a:solidFill>
+                            <a:schemeClr val="dk1"/>
+                          </a:solidFill>
+                          <a:effectLst/>
+                          <a:latin typeface="+mn-lt"/>
+                          <a:ea typeface="+mn-ea"/>
+                          <a:cs typeface="+mn-cs"/>
+                        </a:rPr>
+                        <a:t>Gender</a:t>
+                      </a:r>
+                      <a:endParaRPr lang="en-CA" sz="2400" b="1" i="0" kern="1200" dirty="0">
+                        <a:solidFill>
+                          <a:schemeClr val="dk1"/>
+                        </a:solidFill>
+                        <a:effectLst/>
+                        <a:latin typeface="+mn-lt"/>
+                        <a:ea typeface="+mn-ea"/>
+                        <a:cs typeface="+mn-cs"/>
+                      </a:endParaRPr>
+                    </a:p>
+                  </a:txBody>
+                  <a:tcPr/>
+                </a:tc>
+                <a:tc>
+                  <a:txBody>
+                    <a:bodyPr/>
+                    <a:lstStyle/>
+                    <a:p>
+                      <a:r>
+                        <a:rPr lang="en-CA" sz="2400" b="0" i="0" kern="1200" dirty="0">
+                          <a:solidFill>
+                            <a:schemeClr val="dk1"/>
+                          </a:solidFill>
+                          <a:effectLst/>
+                          <a:latin typeface="+mn-lt"/>
+                          <a:ea typeface="+mn-ea"/>
+                          <a:cs typeface="+mn-cs"/>
+                        </a:rPr>
+                        <a:t>sex : male or female to see the better one at studying , we can see also that males are </a:t>
+                      </a:r>
+                      <a:r>
+                        <a:rPr lang="en-CA" sz="2400" b="0" i="0" kern="1200" dirty="0" err="1">
+                          <a:solidFill>
+                            <a:schemeClr val="dk1"/>
+                          </a:solidFill>
+                          <a:effectLst/>
+                          <a:latin typeface="+mn-lt"/>
+                          <a:ea typeface="+mn-ea"/>
+                          <a:cs typeface="+mn-cs"/>
+                        </a:rPr>
+                        <a:t>slighty</a:t>
+                      </a:r>
+                      <a:r>
+                        <a:rPr lang="en-CA" sz="2400" b="0" i="0" kern="1200" dirty="0">
+                          <a:solidFill>
+                            <a:schemeClr val="dk1"/>
+                          </a:solidFill>
+                          <a:effectLst/>
+                          <a:latin typeface="+mn-lt"/>
+                          <a:ea typeface="+mn-ea"/>
+                          <a:cs typeface="+mn-cs"/>
+                        </a:rPr>
+                        <a:t> more by 5%</a:t>
+                      </a:r>
+                      <a:endParaRPr lang="en-CA" sz="2400" dirty="0"/>
+                    </a:p>
+                  </a:txBody>
+                  <a:tcPr/>
+                </a:tc>
+                <a:extLst>
+                  <a:ext uri="{0D108BD9-81ED-4DB2-BD59-A6C34878D82A}">
+                    <a16:rowId xmlns:a16="http://schemas.microsoft.com/office/drawing/2014/main" val="1635584984"/>
+                  </a:ext>
+                </a:extLst>
+              </a:tr>
+              <a:tr h="370840">
+                <a:tc>
+                  <a:txBody>
+                    <a:bodyPr/>
+                    <a:lstStyle/>
+                    <a:p>
+                      <a:r>
+                        <a:rPr lang="en-CA" sz="2400" b="1" i="0" kern="1200" dirty="0" err="1">
+                          <a:solidFill>
+                            <a:schemeClr val="dk1"/>
+                          </a:solidFill>
+                          <a:effectLst/>
+                          <a:latin typeface="+mn-lt"/>
+                          <a:ea typeface="+mn-ea"/>
+                          <a:cs typeface="+mn-cs"/>
+                        </a:rPr>
+                        <a:t>AttendanceRate</a:t>
+                      </a:r>
+                      <a:endParaRPr lang="en-CA" sz="2400" dirty="0"/>
+                    </a:p>
+                  </a:txBody>
+                  <a:tcPr/>
+                </a:tc>
+                <a:tc>
+                  <a:txBody>
+                    <a:bodyPr/>
+                    <a:lstStyle/>
+                    <a:p>
+                      <a:r>
+                        <a:rPr lang="en-CA" sz="2400" b="0" i="0" kern="1200" dirty="0">
+                          <a:solidFill>
+                            <a:schemeClr val="dk1"/>
+                          </a:solidFill>
+                          <a:effectLst/>
+                          <a:latin typeface="+mn-lt"/>
+                          <a:ea typeface="+mn-ea"/>
+                          <a:cs typeface="+mn-cs"/>
+                        </a:rPr>
+                        <a:t>a float percentage from 0 to 100 to see how often the student go to school to know if going to school helps or no its important for predictions</a:t>
+                      </a:r>
+                      <a:endParaRPr lang="en-CA" sz="2400" dirty="0"/>
+                    </a:p>
+                  </a:txBody>
+                  <a:tcPr/>
+                </a:tc>
+                <a:extLst>
+                  <a:ext uri="{0D108BD9-81ED-4DB2-BD59-A6C34878D82A}">
+                    <a16:rowId xmlns:a16="http://schemas.microsoft.com/office/drawing/2014/main" val="1380943073"/>
+                  </a:ext>
+                </a:extLst>
+              </a:tr>
+              <a:tr h="370840">
+                <a:tc>
+                  <a:txBody>
+                    <a:bodyPr/>
+                    <a:lstStyle/>
+                    <a:p>
+                      <a:r>
+                        <a:rPr lang="en-CA" sz="2400" b="1" i="0" kern="1200" dirty="0" err="1">
+                          <a:solidFill>
+                            <a:schemeClr val="dk1"/>
+                          </a:solidFill>
+                          <a:effectLst/>
+                          <a:latin typeface="+mn-lt"/>
+                          <a:ea typeface="+mn-ea"/>
+                          <a:cs typeface="+mn-cs"/>
+                        </a:rPr>
+                        <a:t>StudyHoursPerWeek</a:t>
+                      </a:r>
+                      <a:endParaRPr lang="en-CA" sz="2400" dirty="0"/>
+                    </a:p>
+                  </a:txBody>
+                  <a:tcPr/>
+                </a:tc>
+                <a:tc>
+                  <a:txBody>
+                    <a:bodyPr/>
+                    <a:lstStyle/>
+                    <a:p>
+                      <a:r>
+                        <a:rPr lang="en-CA" sz="2400" b="0" i="0" kern="1200" dirty="0">
+                          <a:solidFill>
+                            <a:schemeClr val="dk1"/>
+                          </a:solidFill>
+                          <a:effectLst/>
+                          <a:latin typeface="+mn-lt"/>
+                          <a:ea typeface="+mn-ea"/>
+                          <a:cs typeface="+mn-cs"/>
+                        </a:rPr>
+                        <a:t>a number of the hours (float) the student studies each week to see if going more is helpful</a:t>
+                      </a:r>
+                      <a:endParaRPr lang="en-CA" sz="2400" dirty="0"/>
+                    </a:p>
+                  </a:txBody>
+                  <a:tcPr/>
+                </a:tc>
+                <a:extLst>
+                  <a:ext uri="{0D108BD9-81ED-4DB2-BD59-A6C34878D82A}">
+                    <a16:rowId xmlns:a16="http://schemas.microsoft.com/office/drawing/2014/main" val="3248918652"/>
+                  </a:ext>
+                </a:extLst>
+              </a:tr>
+              <a:tr h="370840">
+                <a:tc>
+                  <a:txBody>
+                    <a:bodyPr/>
+                    <a:lstStyle/>
+                    <a:p>
+                      <a:r>
+                        <a:rPr lang="en-CA" sz="2400" b="1" i="0" kern="1200" dirty="0" err="1">
+                          <a:solidFill>
+                            <a:schemeClr val="dk1"/>
+                          </a:solidFill>
+                          <a:effectLst/>
+                          <a:latin typeface="+mn-lt"/>
+                          <a:ea typeface="+mn-ea"/>
+                          <a:cs typeface="+mn-cs"/>
+                        </a:rPr>
+                        <a:t>PreviousGrade</a:t>
+                      </a:r>
+                      <a:endParaRPr lang="en-CA" sz="2400" dirty="0"/>
+                    </a:p>
+                  </a:txBody>
+                  <a:tcPr/>
+                </a:tc>
+                <a:tc>
+                  <a:txBody>
+                    <a:bodyPr/>
+                    <a:lstStyle/>
+                    <a:p>
+                      <a:r>
+                        <a:rPr lang="en-CA" sz="2400" b="0" i="0" kern="1200" dirty="0">
+                          <a:solidFill>
+                            <a:schemeClr val="dk1"/>
+                          </a:solidFill>
+                          <a:effectLst/>
+                          <a:latin typeface="+mn-lt"/>
+                          <a:ea typeface="+mn-ea"/>
+                          <a:cs typeface="+mn-cs"/>
+                        </a:rPr>
+                        <a:t>the student old exam points (float) to see if he changed or still the same</a:t>
+                      </a:r>
+                      <a:endParaRPr lang="en-CA" sz="2400" dirty="0"/>
+                    </a:p>
+                  </a:txBody>
+                  <a:tcPr/>
+                </a:tc>
+                <a:extLst>
+                  <a:ext uri="{0D108BD9-81ED-4DB2-BD59-A6C34878D82A}">
+                    <a16:rowId xmlns:a16="http://schemas.microsoft.com/office/drawing/2014/main" val="2704442202"/>
+                  </a:ext>
+                </a:extLst>
+              </a:tr>
+            </a:tbl>
+          </a:graphicData>
+        </a:graphic>
+      </p:graphicFrame>
+    </p:spTree>
+    <p:extLst>
+      <p:ext uri="{BB962C8B-B14F-4D97-AF65-F5344CB8AC3E}">
+        <p14:creationId xmlns:p14="http://schemas.microsoft.com/office/powerpoint/2010/main" val="911543944"/>
+      </p:ext>
+    </p:extLst>
+  </p:cSld>
+  <p:clrMapOvr>
+    <a:masterClrMapping/>
+  </p:clrMapOvr>
+</p:sld>
+</file>
+
+<file path=ppt/slides/slide4.xml><?xml version="1.0" encoding="utf-8"?>
+<p:sld xmlns:a="http://schemas.openxmlformats.org/drawingml/2006/main" xmlns:r="http://schemas.openxmlformats.org/officeDocument/2006/relationships" xmlns:p="http://schemas.openxmlformats.org/presentationml/2006/main">
+  <p:cSld>
+    <p:spTree>
+      <p:nvGrpSpPr>
+        <p:cNvPr id="1" name="">
+          <a:extLst>
+            <a:ext uri="{FF2B5EF4-FFF2-40B4-BE49-F238E27FC236}">
+              <a16:creationId xmlns:a16="http://schemas.microsoft.com/office/drawing/2014/main" id="{BD608960-1C5F-C4AA-42EF-2A1F1C17E31F}"/>
+            </a:ext>
+          </a:extLst>
+        </p:cNvPr>
+        <p:cNvGrpSpPr/>
+        <p:nvPr/>
+      </p:nvGrpSpPr>
+      <p:grpSpPr>
+        <a:xfrm>
+          <a:off x="0" y="0"/>
+          <a:ext cx="0" cy="0"/>
+          <a:chOff x="0" y="0"/>
+          <a:chExt cx="0" cy="0"/>
+        </a:xfrm>
+      </p:grpSpPr>
+      <p:sp>
+        <p:nvSpPr>
+          <p:cNvPr id="2" name="TextBox 1">
+            <a:extLst>
+              <a:ext uri="{FF2B5EF4-FFF2-40B4-BE49-F238E27FC236}">
+                <a16:creationId xmlns:a16="http://schemas.microsoft.com/office/drawing/2014/main" id="{F686AD49-C3B7-9610-894C-F6BA0E7E2FB6}"/>
+              </a:ext>
+            </a:extLst>
+          </p:cNvPr>
+          <p:cNvSpPr txBox="1"/>
+          <p:nvPr/>
+        </p:nvSpPr>
+        <p:spPr>
+          <a:xfrm>
+            <a:off x="3589105" y="226032"/>
+            <a:ext cx="5013789" cy="646331"/>
+          </a:xfrm>
+          <a:prstGeom prst="rect">
+            <a:avLst/>
+          </a:prstGeom>
+          <a:noFill/>
+        </p:spPr>
+        <p:txBody>
+          <a:bodyPr wrap="square" rtlCol="0">
+            <a:spAutoFit/>
+          </a:bodyPr>
+          <a:lstStyle/>
+          <a:p>
+            <a:pPr algn="ctr"/>
+            <a:r>
+              <a:rPr lang="en-GB" sz="3600" b="1" dirty="0">
+                <a:solidFill>
+                  <a:srgbClr val="FF0000"/>
+                </a:solidFill>
+              </a:rPr>
+              <a:t>The features :</a:t>
+            </a:r>
+            <a:endParaRPr lang="en-CA" sz="3600" b="1" dirty="0">
+              <a:solidFill>
+                <a:srgbClr val="FF0000"/>
+              </a:solidFill>
+            </a:endParaRPr>
+          </a:p>
+        </p:txBody>
+      </p:sp>
+      <p:graphicFrame>
+        <p:nvGraphicFramePr>
+          <p:cNvPr id="3" name="Table 2">
+            <a:extLst>
+              <a:ext uri="{FF2B5EF4-FFF2-40B4-BE49-F238E27FC236}">
+                <a16:creationId xmlns:a16="http://schemas.microsoft.com/office/drawing/2014/main" id="{7C9BB9D6-21D2-A41C-F37E-080EDCC9F60F}"/>
+              </a:ext>
+            </a:extLst>
+          </p:cNvPr>
+          <p:cNvGraphicFramePr>
+            <a:graphicFrameLocks noGrp="1"/>
+          </p:cNvGraphicFramePr>
+          <p:nvPr>
+            <p:extLst>
+              <p:ext uri="{D42A27DB-BD31-4B8C-83A1-F6EECF244321}">
+                <p14:modId xmlns:p14="http://schemas.microsoft.com/office/powerpoint/2010/main" val="809256252"/>
+              </p:ext>
+            </p:extLst>
+          </p:nvPr>
+        </p:nvGraphicFramePr>
+        <p:xfrm>
+          <a:off x="928098" y="914400"/>
+          <a:ext cx="10335802" cy="5029200"/>
+        </p:xfrm>
+        <a:graphic>
+          <a:graphicData uri="http://schemas.openxmlformats.org/drawingml/2006/table">
+            <a:tbl>
+              <a:tblPr firstRow="1" bandRow="1">
+                <a:tableStyleId>{5C22544A-7EE6-4342-B048-85BDC9FD1C3A}</a:tableStyleId>
+              </a:tblPr>
+              <a:tblGrid>
+                <a:gridCol w="3282198">
+                  <a:extLst>
+                    <a:ext uri="{9D8B030D-6E8A-4147-A177-3AD203B41FA5}">
+                      <a16:colId xmlns:a16="http://schemas.microsoft.com/office/drawing/2014/main" val="900049784"/>
+                    </a:ext>
+                  </a:extLst>
+                </a:gridCol>
+                <a:gridCol w="7053604">
+                  <a:extLst>
+                    <a:ext uri="{9D8B030D-6E8A-4147-A177-3AD203B41FA5}">
+                      <a16:colId xmlns:a16="http://schemas.microsoft.com/office/drawing/2014/main" val="928557316"/>
+                    </a:ext>
+                  </a:extLst>
+                </a:gridCol>
+              </a:tblGrid>
+              <a:tr h="370840">
+                <a:tc>
+                  <a:txBody>
+                    <a:bodyPr/>
+                    <a:lstStyle/>
+                    <a:p>
+                      <a:r>
+                        <a:rPr lang="en-GB" sz="2400" dirty="0"/>
+                        <a:t>The feature</a:t>
+                      </a:r>
+                      <a:endParaRPr lang="en-CA" sz="2400" dirty="0"/>
+                    </a:p>
+                  </a:txBody>
+                  <a:tcPr/>
+                </a:tc>
+                <a:tc>
+                  <a:txBody>
+                    <a:bodyPr/>
+                    <a:lstStyle/>
+                    <a:p>
+                      <a:r>
+                        <a:rPr lang="en-GB" sz="2400" dirty="0"/>
+                        <a:t>The meaning </a:t>
+                      </a:r>
+                      <a:endParaRPr lang="en-CA" sz="2400" dirty="0"/>
+                    </a:p>
+                  </a:txBody>
+                  <a:tcPr/>
+                </a:tc>
+                <a:extLst>
+                  <a:ext uri="{0D108BD9-81ED-4DB2-BD59-A6C34878D82A}">
+                    <a16:rowId xmlns:a16="http://schemas.microsoft.com/office/drawing/2014/main" val="1113306257"/>
+                  </a:ext>
+                </a:extLst>
+              </a:tr>
+              <a:tr h="370840">
+                <a:tc>
+                  <a:txBody>
+                    <a:bodyPr/>
+                    <a:lstStyle/>
+                    <a:p>
+                      <a:pPr marL="0" marR="0" lvl="0" indent="0" algn="l" defTabSz="914400" rtl="0" eaLnBrk="1" fontAlgn="auto" latinLnBrk="0" hangingPunct="1">
+                        <a:lnSpc>
+                          <a:spcPct val="100000"/>
+                        </a:lnSpc>
+                        <a:spcBef>
+                          <a:spcPts val="0"/>
+                        </a:spcBef>
+                        <a:spcAft>
+                          <a:spcPts val="0"/>
+                        </a:spcAft>
+                        <a:buClrTx/>
+                        <a:buSzTx/>
+                        <a:buFontTx/>
+                        <a:buNone/>
+                        <a:tabLst/>
+                        <a:defRPr/>
+                      </a:pPr>
+                      <a:r>
+                        <a:rPr lang="en-CA" sz="2400" b="1" i="0" kern="1200" dirty="0" err="1">
+                          <a:solidFill>
+                            <a:schemeClr val="dk1"/>
+                          </a:solidFill>
+                          <a:effectLst/>
+                          <a:latin typeface="+mn-lt"/>
+                          <a:ea typeface="+mn-ea"/>
+                          <a:cs typeface="+mn-cs"/>
+                        </a:rPr>
+                        <a:t>ExtracurricularActivities</a:t>
+                      </a:r>
+                      <a:endParaRPr lang="en-CA" sz="2400" dirty="0"/>
+                    </a:p>
+                  </a:txBody>
+                  <a:tcPr/>
+                </a:tc>
+                <a:tc>
+                  <a:txBody>
+                    <a:bodyPr/>
+                    <a:lstStyle/>
+                    <a:p>
+                      <a:pPr marL="0" marR="0" lvl="0" indent="0" algn="l" defTabSz="914400" rtl="0" eaLnBrk="1" fontAlgn="auto" latinLnBrk="0" hangingPunct="1">
+                        <a:lnSpc>
+                          <a:spcPct val="100000"/>
+                        </a:lnSpc>
+                        <a:spcBef>
+                          <a:spcPts val="0"/>
+                        </a:spcBef>
+                        <a:spcAft>
+                          <a:spcPts val="0"/>
+                        </a:spcAft>
+                        <a:buClrTx/>
+                        <a:buSzTx/>
+                        <a:buFontTx/>
+                        <a:buNone/>
+                        <a:tabLst/>
+                        <a:defRPr/>
+                      </a:pPr>
+                      <a:r>
+                        <a:rPr lang="en-CA" sz="2400" b="0" i="0" kern="1200" dirty="0">
+                          <a:solidFill>
+                            <a:schemeClr val="dk1"/>
+                          </a:solidFill>
+                          <a:effectLst/>
+                          <a:latin typeface="+mn-lt"/>
+                          <a:ea typeface="+mn-ea"/>
+                          <a:cs typeface="+mn-cs"/>
+                        </a:rPr>
+                        <a:t>number of activities the student participates in sport.. to see if </a:t>
+                      </a:r>
+                      <a:r>
+                        <a:rPr lang="en-CA" sz="2400" b="0" i="0" kern="1200" dirty="0" err="1">
+                          <a:solidFill>
+                            <a:schemeClr val="dk1"/>
+                          </a:solidFill>
+                          <a:effectLst/>
+                          <a:latin typeface="+mn-lt"/>
+                          <a:ea typeface="+mn-ea"/>
+                          <a:cs typeface="+mn-cs"/>
+                        </a:rPr>
+                        <a:t>activies</a:t>
+                      </a:r>
+                      <a:r>
+                        <a:rPr lang="en-CA" sz="2400" b="0" i="0" kern="1200" dirty="0">
+                          <a:solidFill>
+                            <a:schemeClr val="dk1"/>
+                          </a:solidFill>
+                          <a:effectLst/>
+                          <a:latin typeface="+mn-lt"/>
+                          <a:ea typeface="+mn-ea"/>
+                          <a:cs typeface="+mn-cs"/>
+                        </a:rPr>
+                        <a:t> help</a:t>
+                      </a:r>
+                      <a:endParaRPr lang="en-CA" sz="2400" dirty="0"/>
+                    </a:p>
+                  </a:txBody>
+                  <a:tcPr/>
+                </a:tc>
+                <a:extLst>
+                  <a:ext uri="{0D108BD9-81ED-4DB2-BD59-A6C34878D82A}">
+                    <a16:rowId xmlns:a16="http://schemas.microsoft.com/office/drawing/2014/main" val="4153320468"/>
+                  </a:ext>
+                </a:extLst>
+              </a:tr>
+              <a:tr h="370840">
+                <a:tc>
+                  <a:txBody>
+                    <a:bodyPr/>
+                    <a:lstStyle/>
+                    <a:p>
+                      <a:pPr marL="0" marR="0" lvl="0" indent="0" algn="l" defTabSz="914400" rtl="0" eaLnBrk="1" fontAlgn="auto" latinLnBrk="0" hangingPunct="1">
+                        <a:lnSpc>
+                          <a:spcPct val="100000"/>
+                        </a:lnSpc>
+                        <a:spcBef>
+                          <a:spcPts val="0"/>
+                        </a:spcBef>
+                        <a:spcAft>
+                          <a:spcPts val="0"/>
+                        </a:spcAft>
+                        <a:buClrTx/>
+                        <a:buSzTx/>
+                        <a:buFontTx/>
+                        <a:buNone/>
+                        <a:tabLst/>
+                        <a:defRPr/>
+                      </a:pPr>
+                      <a:r>
+                        <a:rPr lang="en-CA" sz="2400" b="1" i="0" kern="1200" dirty="0" err="1">
+                          <a:solidFill>
+                            <a:schemeClr val="dk1"/>
+                          </a:solidFill>
+                          <a:effectLst/>
+                          <a:latin typeface="+mn-lt"/>
+                          <a:ea typeface="+mn-ea"/>
+                          <a:cs typeface="+mn-cs"/>
+                        </a:rPr>
+                        <a:t>ParentalSupport</a:t>
+                      </a:r>
+                      <a:endParaRPr lang="en-CA" sz="2400" dirty="0"/>
+                    </a:p>
+                  </a:txBody>
+                  <a:tcPr/>
+                </a:tc>
+                <a:tc>
+                  <a:txBody>
+                    <a:bodyPr/>
+                    <a:lstStyle/>
+                    <a:p>
+                      <a:pPr marL="0" marR="0" lvl="0" indent="0" algn="l" defTabSz="914400" rtl="0" eaLnBrk="1" fontAlgn="auto" latinLnBrk="0" hangingPunct="1">
+                        <a:lnSpc>
+                          <a:spcPct val="100000"/>
+                        </a:lnSpc>
+                        <a:spcBef>
+                          <a:spcPts val="0"/>
+                        </a:spcBef>
+                        <a:spcAft>
+                          <a:spcPts val="0"/>
+                        </a:spcAft>
+                        <a:buClrTx/>
+                        <a:buSzTx/>
+                        <a:buFontTx/>
+                        <a:buNone/>
+                        <a:tabLst/>
+                        <a:defRPr/>
+                      </a:pPr>
+                      <a:r>
+                        <a:rPr lang="en-CA" sz="2400" b="0" i="0" kern="1200" dirty="0">
+                          <a:solidFill>
+                            <a:schemeClr val="dk1"/>
+                          </a:solidFill>
+                          <a:effectLst/>
+                          <a:latin typeface="+mn-lt"/>
+                          <a:ea typeface="+mn-ea"/>
+                          <a:cs typeface="+mn-cs"/>
+                        </a:rPr>
+                        <a:t>Level of support at home (Low / Medium / High) to see if getting supported helps we use it in predictions</a:t>
+                      </a:r>
+                      <a:endParaRPr lang="en-CA" sz="2400" dirty="0"/>
+                    </a:p>
+                    <a:p>
+                      <a:endParaRPr lang="en-CA" sz="2400" dirty="0"/>
+                    </a:p>
+                  </a:txBody>
+                  <a:tcPr/>
+                </a:tc>
+                <a:extLst>
+                  <a:ext uri="{0D108BD9-81ED-4DB2-BD59-A6C34878D82A}">
+                    <a16:rowId xmlns:a16="http://schemas.microsoft.com/office/drawing/2014/main" val="3957190492"/>
+                  </a:ext>
+                </a:extLst>
+              </a:tr>
+              <a:tr h="370840">
+                <a:tc>
+                  <a:txBody>
+                    <a:bodyPr/>
+                    <a:lstStyle/>
+                    <a:p>
+                      <a:r>
+                        <a:rPr lang="en-CA" sz="2400" b="1" i="0" kern="1200" dirty="0" err="1">
+                          <a:solidFill>
+                            <a:schemeClr val="dk1"/>
+                          </a:solidFill>
+                          <a:effectLst/>
+                          <a:latin typeface="+mn-lt"/>
+                          <a:ea typeface="+mn-ea"/>
+                          <a:cs typeface="+mn-cs"/>
+                        </a:rPr>
+                        <a:t>FinalGrade</a:t>
+                      </a:r>
+                      <a:endParaRPr lang="en-CA" sz="2400" dirty="0"/>
+                    </a:p>
+                  </a:txBody>
+                  <a:tcPr/>
+                </a:tc>
+                <a:tc>
+                  <a:txBody>
+                    <a:bodyPr/>
+                    <a:lstStyle/>
+                    <a:p>
+                      <a:pPr fontAlgn="ctr">
+                        <a:buNone/>
+                      </a:pPr>
+                      <a:r>
+                        <a:rPr lang="en-CA" sz="2400" dirty="0">
+                          <a:effectLst/>
+                        </a:rPr>
+                        <a:t>the student final score in the class which is the most important thing we are looking for</a:t>
+                      </a:r>
+                    </a:p>
+                  </a:txBody>
+                  <a:tcPr anchor="ctr"/>
+                </a:tc>
+                <a:extLst>
+                  <a:ext uri="{0D108BD9-81ED-4DB2-BD59-A6C34878D82A}">
+                    <a16:rowId xmlns:a16="http://schemas.microsoft.com/office/drawing/2014/main" val="2192559529"/>
+                  </a:ext>
+                </a:extLst>
+              </a:tr>
+              <a:tr h="370840">
+                <a:tc>
+                  <a:txBody>
+                    <a:bodyPr/>
+                    <a:lstStyle/>
+                    <a:p>
+                      <a:r>
+                        <a:rPr lang="en-CA" sz="2400" b="1" i="0" kern="1200" dirty="0">
+                          <a:solidFill>
+                            <a:schemeClr val="dk1"/>
+                          </a:solidFill>
+                          <a:effectLst/>
+                          <a:latin typeface="+mn-lt"/>
+                          <a:ea typeface="+mn-ea"/>
+                          <a:cs typeface="+mn-cs"/>
+                        </a:rPr>
+                        <a:t>Study Hours</a:t>
+                      </a:r>
+                      <a:endParaRPr lang="en-CA" sz="2400" dirty="0"/>
+                    </a:p>
+                  </a:txBody>
+                  <a:tcPr/>
+                </a:tc>
+                <a:tc>
+                  <a:txBody>
+                    <a:bodyPr/>
+                    <a:lstStyle/>
+                    <a:p>
+                      <a:r>
+                        <a:rPr lang="en-CA" sz="2400" b="0" i="0" kern="1200" dirty="0">
+                          <a:solidFill>
+                            <a:schemeClr val="dk1"/>
+                          </a:solidFill>
+                          <a:effectLst/>
+                          <a:latin typeface="+mn-lt"/>
+                          <a:ea typeface="+mn-ea"/>
+                          <a:cs typeface="+mn-cs"/>
+                        </a:rPr>
+                        <a:t>the study-hours per day this time to see daily vs weekly</a:t>
+                      </a:r>
+                      <a:endParaRPr lang="en-CA" sz="2400" dirty="0"/>
+                    </a:p>
+                  </a:txBody>
+                  <a:tcPr/>
+                </a:tc>
+                <a:extLst>
+                  <a:ext uri="{0D108BD9-81ED-4DB2-BD59-A6C34878D82A}">
+                    <a16:rowId xmlns:a16="http://schemas.microsoft.com/office/drawing/2014/main" val="1338804526"/>
+                  </a:ext>
+                </a:extLst>
+              </a:tr>
+              <a:tr h="370840">
+                <a:tc>
+                  <a:txBody>
+                    <a:bodyPr/>
+                    <a:lstStyle/>
+                    <a:p>
+                      <a:r>
+                        <a:rPr lang="en-CA" sz="2400" b="1" i="0" kern="1200" dirty="0">
+                          <a:solidFill>
+                            <a:schemeClr val="dk1"/>
+                          </a:solidFill>
+                          <a:effectLst/>
+                          <a:latin typeface="+mn-lt"/>
+                          <a:ea typeface="+mn-ea"/>
+                          <a:cs typeface="+mn-cs"/>
+                        </a:rPr>
+                        <a:t>Attendance (%)</a:t>
+                      </a:r>
+                      <a:endParaRPr lang="en-CA" sz="2400" dirty="0"/>
+                    </a:p>
+                  </a:txBody>
+                  <a:tcPr/>
+                </a:tc>
+                <a:tc>
+                  <a:txBody>
+                    <a:bodyPr/>
+                    <a:lstStyle/>
+                    <a:p>
+                      <a:r>
+                        <a:rPr lang="en-CA" sz="2400" b="0" i="0" kern="1200" dirty="0">
+                          <a:solidFill>
+                            <a:schemeClr val="dk1"/>
+                          </a:solidFill>
+                          <a:effectLst/>
+                          <a:latin typeface="+mn-lt"/>
+                          <a:ea typeface="+mn-ea"/>
+                          <a:cs typeface="+mn-cs"/>
+                        </a:rPr>
+                        <a:t>attendance percentage for online classes</a:t>
+                      </a:r>
+                      <a:endParaRPr lang="en-CA" sz="2400" dirty="0"/>
+                    </a:p>
+                  </a:txBody>
+                  <a:tcPr/>
+                </a:tc>
+                <a:extLst>
+                  <a:ext uri="{0D108BD9-81ED-4DB2-BD59-A6C34878D82A}">
+                    <a16:rowId xmlns:a16="http://schemas.microsoft.com/office/drawing/2014/main" val="3463078840"/>
+                  </a:ext>
+                </a:extLst>
+              </a:tr>
+              <a:tr h="370840">
+                <a:tc>
+                  <a:txBody>
+                    <a:bodyPr/>
+                    <a:lstStyle/>
+                    <a:p>
+                      <a:r>
+                        <a:rPr lang="en-CA" sz="2400" b="1" i="0" kern="1200" dirty="0">
+                          <a:solidFill>
+                            <a:schemeClr val="dk1"/>
+                          </a:solidFill>
+                          <a:effectLst/>
+                          <a:latin typeface="+mn-lt"/>
+                          <a:ea typeface="+mn-ea"/>
+                          <a:cs typeface="+mn-cs"/>
+                        </a:rPr>
+                        <a:t>Online Classes Taken</a:t>
+                      </a:r>
+                      <a:endParaRPr lang="en-CA" sz="2400" dirty="0"/>
+                    </a:p>
+                  </a:txBody>
+                  <a:tcPr/>
+                </a:tc>
+                <a:tc>
+                  <a:txBody>
+                    <a:bodyPr/>
+                    <a:lstStyle/>
+                    <a:p>
+                      <a:r>
+                        <a:rPr lang="en-CA" sz="2400" b="0" i="0" kern="1200" dirty="0">
+                          <a:solidFill>
+                            <a:schemeClr val="dk1"/>
+                          </a:solidFill>
+                          <a:effectLst/>
+                          <a:latin typeface="+mn-lt"/>
+                          <a:ea typeface="+mn-ea"/>
+                          <a:cs typeface="+mn-cs"/>
+                        </a:rPr>
+                        <a:t>a </a:t>
+                      </a:r>
+                      <a:r>
+                        <a:rPr lang="en-CA" sz="2400" b="0" i="0" kern="1200" dirty="0" err="1">
+                          <a:solidFill>
+                            <a:schemeClr val="dk1"/>
+                          </a:solidFill>
+                          <a:effectLst/>
+                          <a:latin typeface="+mn-lt"/>
+                          <a:ea typeface="+mn-ea"/>
+                          <a:cs typeface="+mn-cs"/>
+                        </a:rPr>
+                        <a:t>boolean</a:t>
+                      </a:r>
+                      <a:r>
+                        <a:rPr lang="en-CA" sz="2400" b="0" i="0" kern="1200" dirty="0">
+                          <a:solidFill>
+                            <a:schemeClr val="dk1"/>
+                          </a:solidFill>
+                          <a:effectLst/>
+                          <a:latin typeface="+mn-lt"/>
+                          <a:ea typeface="+mn-ea"/>
+                          <a:cs typeface="+mn-cs"/>
+                        </a:rPr>
+                        <a:t> true or false to see if taking online exams helps the student in points and we use it in predictions</a:t>
+                      </a:r>
+                      <a:endParaRPr lang="en-CA" sz="2400" dirty="0"/>
+                    </a:p>
+                  </a:txBody>
+                  <a:tcPr/>
+                </a:tc>
+                <a:extLst>
+                  <a:ext uri="{0D108BD9-81ED-4DB2-BD59-A6C34878D82A}">
+                    <a16:rowId xmlns:a16="http://schemas.microsoft.com/office/drawing/2014/main" val="835537797"/>
+                  </a:ext>
+                </a:extLst>
+              </a:tr>
+            </a:tbl>
+          </a:graphicData>
+        </a:graphic>
+      </p:graphicFrame>
+    </p:spTree>
+    <p:extLst>
+      <p:ext uri="{BB962C8B-B14F-4D97-AF65-F5344CB8AC3E}">
+        <p14:creationId xmlns:p14="http://schemas.microsoft.com/office/powerpoint/2010/main" val="1997287321"/>
+      </p:ext>
+    </p:extLst>
+  </p:cSld>
+  <p:clrMapOvr>
+    <a:masterClrMapping/>
+  </p:clrMapOvr>
+</p:sld>
+</file>
+
+<file path=ppt/slides/slide5.xml><?xml version="1.0" encoding="utf-8"?>
+<p:sld xmlns:a="http://schemas.openxmlformats.org/drawingml/2006/main" xmlns:r="http://schemas.openxmlformats.org/officeDocument/2006/relationships" xmlns:p="http://schemas.openxmlformats.org/presentationml/2006/main">
+  <p:cSld>
+    <p:spTree>
+      <p:nvGrpSpPr>
+        <p:cNvPr id="1" name=""/>
+        <p:cNvGrpSpPr/>
+        <p:nvPr/>
+      </p:nvGrpSpPr>
+      <p:grpSpPr>
+        <a:xfrm>
+          <a:off x="0" y="0"/>
+          <a:ext cx="0" cy="0"/>
+          <a:chOff x="0" y="0"/>
+          <a:chExt cx="0" cy="0"/>
+        </a:xfrm>
+      </p:grpSpPr>
+      <p:pic>
+        <p:nvPicPr>
+          <p:cNvPr id="5" name="Picture 4">
+            <a:extLst>
+              <a:ext uri="{FF2B5EF4-FFF2-40B4-BE49-F238E27FC236}">
                 <a16:creationId xmlns:a16="http://schemas.microsoft.com/office/drawing/2014/main" id="{2D41F050-D977-BE5E-B1E1-1933A291E7FB}"/>
               </a:ext>
             </a:extLst>
@@ -3793,7 +6237,7 @@
 </p:sld>
 </file>
 
-<file path=ppt/slides/slide12.xml><?xml version="1.0" encoding="utf-8"?>
+<file path=ppt/slides/slide6.xml><?xml version="1.0" encoding="utf-8"?>
 <p:sld xmlns:a="http://schemas.openxmlformats.org/drawingml/2006/main" xmlns:r="http://schemas.openxmlformats.org/officeDocument/2006/relationships" xmlns:p="http://schemas.openxmlformats.org/presentationml/2006/main">
   <p:cSld>
     <p:spTree>
@@ -5196,7 +7640,7 @@
 </p:sld>
 </file>
 
-<file path=ppt/slides/slide13.xml><?xml version="1.0" encoding="utf-8"?>
+<file path=ppt/slides/slide7.xml><?xml version="1.0" encoding="utf-8"?>
 <p:sld xmlns:a="http://schemas.openxmlformats.org/drawingml/2006/main" xmlns:r="http://schemas.openxmlformats.org/officeDocument/2006/relationships" xmlns:p="http://schemas.openxmlformats.org/presentationml/2006/main">
   <p:cSld>
     <p:spTree>
@@ -5503,7 +7947,7 @@
 </p:sld>
 </file>
 
-<file path=ppt/slides/slide14.xml><?xml version="1.0" encoding="utf-8"?>
+<file path=ppt/slides/slide8.xml><?xml version="1.0" encoding="utf-8"?>
 <p:sld xmlns:a="http://schemas.openxmlformats.org/drawingml/2006/main" xmlns:r="http://schemas.openxmlformats.org/officeDocument/2006/relationships" xmlns:p="http://schemas.openxmlformats.org/presentationml/2006/main">
   <p:cSld>
     <p:spTree>
@@ -5798,7 +8242,7 @@
 </p:sld>
 </file>
 
-<file path=ppt/slides/slide15.xml><?xml version="1.0" encoding="utf-8"?>
+<file path=ppt/slides/slide9.xml><?xml version="1.0" encoding="utf-8"?>
 <p:sld xmlns:a="http://schemas.openxmlformats.org/drawingml/2006/main" xmlns:r="http://schemas.openxmlformats.org/officeDocument/2006/relationships" xmlns:p="http://schemas.openxmlformats.org/presentationml/2006/main">
   <p:cSld>
     <p:spTree>
@@ -6140,2753 +8584,6 @@
     <p:extLst>
       <p:ext uri="{BB962C8B-B14F-4D97-AF65-F5344CB8AC3E}">
         <p14:creationId xmlns:p14="http://schemas.microsoft.com/office/powerpoint/2010/main" val="93511580"/>
-      </p:ext>
-    </p:extLst>
-  </p:cSld>
-  <p:clrMapOvr>
-    <a:masterClrMapping/>
-  </p:clrMapOvr>
-</p:sld>
-</file>
-
-<file path=ppt/slides/slide16.xml><?xml version="1.0" encoding="utf-8"?>
-<p:sld xmlns:a="http://schemas.openxmlformats.org/drawingml/2006/main" xmlns:r="http://schemas.openxmlformats.org/officeDocument/2006/relationships" xmlns:p="http://schemas.openxmlformats.org/presentationml/2006/main">
-  <p:cSld>
-    <p:spTree>
-      <p:nvGrpSpPr>
-        <p:cNvPr id="1" name=""/>
-        <p:cNvGrpSpPr/>
-        <p:nvPr/>
-      </p:nvGrpSpPr>
-      <p:grpSpPr>
-        <a:xfrm>
-          <a:off x="0" y="0"/>
-          <a:ext cx="0" cy="0"/>
-          <a:chOff x="0" y="0"/>
-          <a:chExt cx="0" cy="0"/>
-        </a:xfrm>
-      </p:grpSpPr>
-      <p:sp>
-        <p:nvSpPr>
-          <p:cNvPr id="4" name="TextBox 3">
-            <a:extLst>
-              <a:ext uri="{FF2B5EF4-FFF2-40B4-BE49-F238E27FC236}">
-                <a16:creationId xmlns:a16="http://schemas.microsoft.com/office/drawing/2014/main" id="{60F6C329-6E8A-C7B3-D94F-30E54237FC41}"/>
-              </a:ext>
-            </a:extLst>
-          </p:cNvPr>
-          <p:cNvSpPr txBox="1"/>
-          <p:nvPr/>
-        </p:nvSpPr>
-        <p:spPr>
-          <a:xfrm>
-            <a:off x="1020563" y="687010"/>
-            <a:ext cx="7972741" cy="1077218"/>
-          </a:xfrm>
-          <a:prstGeom prst="rect">
-            <a:avLst/>
-          </a:prstGeom>
-          <a:noFill/>
-        </p:spPr>
-        <p:txBody>
-          <a:bodyPr wrap="square" rtlCol="0">
-            <a:spAutoFit/>
-          </a:bodyPr>
-          <a:lstStyle/>
-          <a:p>
-            <a:r>
-              <a:rPr lang="en-CA" sz="3200" b="1" dirty="0">
-                <a:solidFill>
-                  <a:srgbClr val="00B050"/>
-                </a:solidFill>
-              </a:rPr>
-              <a:t>2 - Remove the less important columns (or those with no effect) : </a:t>
-            </a:r>
-            <a:endParaRPr lang="en-CA" sz="3200" dirty="0">
-              <a:solidFill>
-                <a:srgbClr val="00B050"/>
-              </a:solidFill>
-            </a:endParaRPr>
-          </a:p>
-        </p:txBody>
-      </p:sp>
-      <p:cxnSp>
-        <p:nvCxnSpPr>
-          <p:cNvPr id="5" name="Straight Connector 4">
-            <a:extLst>
-              <a:ext uri="{FF2B5EF4-FFF2-40B4-BE49-F238E27FC236}">
-                <a16:creationId xmlns:a16="http://schemas.microsoft.com/office/drawing/2014/main" id="{C3C800BB-7444-48A4-E6F9-4E6026D0D671}"/>
-              </a:ext>
-            </a:extLst>
-          </p:cNvPr>
-          <p:cNvCxnSpPr>
-            <a:cxnSpLocks/>
-          </p:cNvCxnSpPr>
-          <p:nvPr/>
-        </p:nvCxnSpPr>
-        <p:spPr>
-          <a:xfrm>
-            <a:off x="821933" y="195209"/>
-            <a:ext cx="0" cy="6565187"/>
-          </a:xfrm>
-          <a:prstGeom prst="line">
-            <a:avLst/>
-          </a:prstGeom>
-        </p:spPr>
-        <p:style>
-          <a:lnRef idx="1">
-            <a:schemeClr val="dk1"/>
-          </a:lnRef>
-          <a:fillRef idx="0">
-            <a:schemeClr val="dk1"/>
-          </a:fillRef>
-          <a:effectRef idx="0">
-            <a:schemeClr val="dk1"/>
-          </a:effectRef>
-          <a:fontRef idx="minor">
-            <a:schemeClr val="tx1"/>
-          </a:fontRef>
-        </p:style>
-      </p:cxnSp>
-      <p:pic>
-        <p:nvPicPr>
-          <p:cNvPr id="7" name="Picture 6">
-            <a:extLst>
-              <a:ext uri="{FF2B5EF4-FFF2-40B4-BE49-F238E27FC236}">
-                <a16:creationId xmlns:a16="http://schemas.microsoft.com/office/drawing/2014/main" id="{96C30071-4D1F-6D6A-A2CD-680628ACFE73}"/>
-              </a:ext>
-            </a:extLst>
-          </p:cNvPr>
-          <p:cNvPicPr>
-            <a:picLocks noChangeAspect="1"/>
-          </p:cNvPicPr>
-          <p:nvPr/>
-        </p:nvPicPr>
-        <p:blipFill>
-          <a:blip r:embed="rId2">
-            <a:extLst>
-              <a:ext uri="{28A0092B-C50C-407E-A947-70E740481C1C}">
-                <a14:useLocalDpi xmlns:a14="http://schemas.microsoft.com/office/drawing/2010/main" val="0"/>
-              </a:ext>
-            </a:extLst>
-          </a:blip>
-          <a:stretch>
-            <a:fillRect/>
-          </a:stretch>
-        </p:blipFill>
-        <p:spPr>
-          <a:xfrm>
-            <a:off x="1318509" y="2083079"/>
-            <a:ext cx="5040000" cy="3780000"/>
-          </a:xfrm>
-          <a:prstGeom prst="rect">
-            <a:avLst/>
-          </a:prstGeom>
-        </p:spPr>
-      </p:pic>
-      <p:pic>
-        <p:nvPicPr>
-          <p:cNvPr id="9" name="Picture 8">
-            <a:extLst>
-              <a:ext uri="{FF2B5EF4-FFF2-40B4-BE49-F238E27FC236}">
-                <a16:creationId xmlns:a16="http://schemas.microsoft.com/office/drawing/2014/main" id="{748AFE57-4824-A55D-EF57-796BC3019426}"/>
-              </a:ext>
-            </a:extLst>
-          </p:cNvPr>
-          <p:cNvPicPr>
-            <a:picLocks noChangeAspect="1"/>
-          </p:cNvPicPr>
-          <p:nvPr/>
-        </p:nvPicPr>
-        <p:blipFill>
-          <a:blip r:embed="rId3">
-            <a:extLst>
-              <a:ext uri="{28A0092B-C50C-407E-A947-70E740481C1C}">
-                <a14:useLocalDpi xmlns:a14="http://schemas.microsoft.com/office/drawing/2010/main" val="0"/>
-              </a:ext>
-            </a:extLst>
-          </a:blip>
-          <a:stretch>
-            <a:fillRect/>
-          </a:stretch>
-        </p:blipFill>
-        <p:spPr>
-          <a:xfrm>
-            <a:off x="6855084" y="2083079"/>
-            <a:ext cx="5040000" cy="3780000"/>
-          </a:xfrm>
-          <a:prstGeom prst="rect">
-            <a:avLst/>
-          </a:prstGeom>
-        </p:spPr>
-      </p:pic>
-      <p:sp>
-        <p:nvSpPr>
-          <p:cNvPr id="10" name="TextBox 9">
-            <a:extLst>
-              <a:ext uri="{FF2B5EF4-FFF2-40B4-BE49-F238E27FC236}">
-                <a16:creationId xmlns:a16="http://schemas.microsoft.com/office/drawing/2014/main" id="{CB9D0EA7-0722-9025-FAD1-8A74C3D1F157}"/>
-              </a:ext>
-            </a:extLst>
-          </p:cNvPr>
-          <p:cNvSpPr txBox="1"/>
-          <p:nvPr/>
-        </p:nvSpPr>
-        <p:spPr>
-          <a:xfrm>
-            <a:off x="3328827" y="6061753"/>
-            <a:ext cx="1428108" cy="461665"/>
-          </a:xfrm>
-          <a:prstGeom prst="rect">
-            <a:avLst/>
-          </a:prstGeom>
-          <a:noFill/>
-        </p:spPr>
-        <p:txBody>
-          <a:bodyPr wrap="square" rtlCol="0">
-            <a:spAutoFit/>
-          </a:bodyPr>
-          <a:lstStyle/>
-          <a:p>
-            <a:pPr algn="ctr"/>
-            <a:r>
-              <a:rPr lang="en-GB" sz="2400" dirty="0"/>
-              <a:t>Before</a:t>
-            </a:r>
-            <a:endParaRPr lang="en-CA" sz="2400" dirty="0"/>
-          </a:p>
-        </p:txBody>
-      </p:sp>
-      <p:sp>
-        <p:nvSpPr>
-          <p:cNvPr id="11" name="TextBox 10">
-            <a:extLst>
-              <a:ext uri="{FF2B5EF4-FFF2-40B4-BE49-F238E27FC236}">
-                <a16:creationId xmlns:a16="http://schemas.microsoft.com/office/drawing/2014/main" id="{0AA68181-7FBC-0417-9EDA-49855C4C2B4F}"/>
-              </a:ext>
-            </a:extLst>
-          </p:cNvPr>
-          <p:cNvSpPr txBox="1"/>
-          <p:nvPr/>
-        </p:nvSpPr>
-        <p:spPr>
-          <a:xfrm>
-            <a:off x="8420784" y="5983320"/>
-            <a:ext cx="1428108" cy="461665"/>
-          </a:xfrm>
-          <a:prstGeom prst="rect">
-            <a:avLst/>
-          </a:prstGeom>
-          <a:noFill/>
-        </p:spPr>
-        <p:txBody>
-          <a:bodyPr wrap="square" rtlCol="0">
-            <a:spAutoFit/>
-          </a:bodyPr>
-          <a:lstStyle/>
-          <a:p>
-            <a:pPr algn="ctr"/>
-            <a:r>
-              <a:rPr lang="en-GB" sz="2400" dirty="0"/>
-              <a:t>After</a:t>
-            </a:r>
-            <a:endParaRPr lang="en-CA" sz="2400" dirty="0"/>
-          </a:p>
-        </p:txBody>
-      </p:sp>
-    </p:spTree>
-    <p:extLst>
-      <p:ext uri="{BB962C8B-B14F-4D97-AF65-F5344CB8AC3E}">
-        <p14:creationId xmlns:p14="http://schemas.microsoft.com/office/powerpoint/2010/main" val="2703631419"/>
-      </p:ext>
-    </p:extLst>
-  </p:cSld>
-  <p:clrMapOvr>
-    <a:masterClrMapping/>
-  </p:clrMapOvr>
-</p:sld>
-</file>
-
-<file path=ppt/slides/slide17.xml><?xml version="1.0" encoding="utf-8"?>
-<p:sld xmlns:a="http://schemas.openxmlformats.org/drawingml/2006/main" xmlns:r="http://schemas.openxmlformats.org/officeDocument/2006/relationships" xmlns:p="http://schemas.openxmlformats.org/presentationml/2006/main">
-  <p:cSld>
-    <p:spTree>
-      <p:nvGrpSpPr>
-        <p:cNvPr id="1" name="">
-          <a:extLst>
-            <a:ext uri="{FF2B5EF4-FFF2-40B4-BE49-F238E27FC236}">
-              <a16:creationId xmlns:a16="http://schemas.microsoft.com/office/drawing/2014/main" id="{8F89ED2F-B0A3-8BF9-DF16-34FDB9E4AF0C}"/>
-            </a:ext>
-          </a:extLst>
-        </p:cNvPr>
-        <p:cNvGrpSpPr/>
-        <p:nvPr/>
-      </p:nvGrpSpPr>
-      <p:grpSpPr>
-        <a:xfrm>
-          <a:off x="0" y="0"/>
-          <a:ext cx="0" cy="0"/>
-          <a:chOff x="0" y="0"/>
-          <a:chExt cx="0" cy="0"/>
-        </a:xfrm>
-      </p:grpSpPr>
-      <p:sp>
-        <p:nvSpPr>
-          <p:cNvPr id="4" name="TextBox 3">
-            <a:extLst>
-              <a:ext uri="{FF2B5EF4-FFF2-40B4-BE49-F238E27FC236}">
-                <a16:creationId xmlns:a16="http://schemas.microsoft.com/office/drawing/2014/main" id="{8B7A9F28-12B7-3B6F-2836-1C435EE32EC4}"/>
-              </a:ext>
-            </a:extLst>
-          </p:cNvPr>
-          <p:cNvSpPr txBox="1"/>
-          <p:nvPr/>
-        </p:nvSpPr>
-        <p:spPr>
-          <a:xfrm>
-            <a:off x="1020563" y="687010"/>
-            <a:ext cx="7972741" cy="1077218"/>
-          </a:xfrm>
-          <a:prstGeom prst="rect">
-            <a:avLst/>
-          </a:prstGeom>
-          <a:noFill/>
-        </p:spPr>
-        <p:txBody>
-          <a:bodyPr wrap="square" rtlCol="0">
-            <a:spAutoFit/>
-          </a:bodyPr>
-          <a:lstStyle/>
-          <a:p>
-            <a:r>
-              <a:rPr lang="en-CA" sz="3200" b="1" dirty="0">
-                <a:solidFill>
-                  <a:srgbClr val="00B050"/>
-                </a:solidFill>
-              </a:rPr>
-              <a:t>3 - Filling with the most frequent values to preserve the data distribution  :</a:t>
-            </a:r>
-            <a:r>
-              <a:rPr lang="ar-DZ" sz="3200" b="1" dirty="0">
-                <a:solidFill>
-                  <a:srgbClr val="00B050"/>
-                </a:solidFill>
-              </a:rPr>
-              <a:t> </a:t>
-            </a:r>
-            <a:endParaRPr lang="en-CA" sz="3200" dirty="0">
-              <a:solidFill>
-                <a:srgbClr val="00B050"/>
-              </a:solidFill>
-            </a:endParaRPr>
-          </a:p>
-        </p:txBody>
-      </p:sp>
-      <p:cxnSp>
-        <p:nvCxnSpPr>
-          <p:cNvPr id="5" name="Straight Connector 4">
-            <a:extLst>
-              <a:ext uri="{FF2B5EF4-FFF2-40B4-BE49-F238E27FC236}">
-                <a16:creationId xmlns:a16="http://schemas.microsoft.com/office/drawing/2014/main" id="{7933A36E-A10F-580A-8730-BAB6E3DDA35E}"/>
-              </a:ext>
-            </a:extLst>
-          </p:cNvPr>
-          <p:cNvCxnSpPr>
-            <a:cxnSpLocks/>
-          </p:cNvCxnSpPr>
-          <p:nvPr/>
-        </p:nvCxnSpPr>
-        <p:spPr>
-          <a:xfrm>
-            <a:off x="821933" y="195209"/>
-            <a:ext cx="0" cy="6565187"/>
-          </a:xfrm>
-          <a:prstGeom prst="line">
-            <a:avLst/>
-          </a:prstGeom>
-        </p:spPr>
-        <p:style>
-          <a:lnRef idx="1">
-            <a:schemeClr val="dk1"/>
-          </a:lnRef>
-          <a:fillRef idx="0">
-            <a:schemeClr val="dk1"/>
-          </a:fillRef>
-          <a:effectRef idx="0">
-            <a:schemeClr val="dk1"/>
-          </a:effectRef>
-          <a:fontRef idx="minor">
-            <a:schemeClr val="tx1"/>
-          </a:fontRef>
-        </p:style>
-      </p:cxnSp>
-      <p:sp>
-        <p:nvSpPr>
-          <p:cNvPr id="10" name="TextBox 9">
-            <a:extLst>
-              <a:ext uri="{FF2B5EF4-FFF2-40B4-BE49-F238E27FC236}">
-                <a16:creationId xmlns:a16="http://schemas.microsoft.com/office/drawing/2014/main" id="{6CA9039F-F852-5AE3-8D15-F004B36EACD2}"/>
-              </a:ext>
-            </a:extLst>
-          </p:cNvPr>
-          <p:cNvSpPr txBox="1"/>
-          <p:nvPr/>
-        </p:nvSpPr>
-        <p:spPr>
-          <a:xfrm>
-            <a:off x="3328827" y="6061753"/>
-            <a:ext cx="1428108" cy="461665"/>
-          </a:xfrm>
-          <a:prstGeom prst="rect">
-            <a:avLst/>
-          </a:prstGeom>
-          <a:noFill/>
-        </p:spPr>
-        <p:txBody>
-          <a:bodyPr wrap="square" rtlCol="0">
-            <a:spAutoFit/>
-          </a:bodyPr>
-          <a:lstStyle/>
-          <a:p>
-            <a:pPr algn="ctr"/>
-            <a:r>
-              <a:rPr lang="en-GB" sz="2400" dirty="0"/>
-              <a:t>Before</a:t>
-            </a:r>
-            <a:endParaRPr lang="en-CA" sz="2400" dirty="0"/>
-          </a:p>
-        </p:txBody>
-      </p:sp>
-      <p:sp>
-        <p:nvSpPr>
-          <p:cNvPr id="11" name="TextBox 10">
-            <a:extLst>
-              <a:ext uri="{FF2B5EF4-FFF2-40B4-BE49-F238E27FC236}">
-                <a16:creationId xmlns:a16="http://schemas.microsoft.com/office/drawing/2014/main" id="{91943FA7-5630-A4AF-5074-BD5800DEE289}"/>
-              </a:ext>
-            </a:extLst>
-          </p:cNvPr>
-          <p:cNvSpPr txBox="1"/>
-          <p:nvPr/>
-        </p:nvSpPr>
-        <p:spPr>
-          <a:xfrm>
-            <a:off x="8420784" y="5983320"/>
-            <a:ext cx="1428108" cy="461665"/>
-          </a:xfrm>
-          <a:prstGeom prst="rect">
-            <a:avLst/>
-          </a:prstGeom>
-          <a:noFill/>
-        </p:spPr>
-        <p:txBody>
-          <a:bodyPr wrap="square" rtlCol="0">
-            <a:spAutoFit/>
-          </a:bodyPr>
-          <a:lstStyle/>
-          <a:p>
-            <a:pPr algn="ctr"/>
-            <a:r>
-              <a:rPr lang="en-GB" sz="2400" dirty="0"/>
-              <a:t>After</a:t>
-            </a:r>
-            <a:endParaRPr lang="en-CA" sz="2400" dirty="0"/>
-          </a:p>
-        </p:txBody>
-      </p:sp>
-      <p:pic>
-        <p:nvPicPr>
-          <p:cNvPr id="3" name="Picture 2">
-            <a:extLst>
-              <a:ext uri="{FF2B5EF4-FFF2-40B4-BE49-F238E27FC236}">
-                <a16:creationId xmlns:a16="http://schemas.microsoft.com/office/drawing/2014/main" id="{42DA29D1-D340-BA19-BD3D-3B731B19211A}"/>
-              </a:ext>
-            </a:extLst>
-          </p:cNvPr>
-          <p:cNvPicPr>
-            <a:picLocks noChangeAspect="1"/>
-          </p:cNvPicPr>
-          <p:nvPr/>
-        </p:nvPicPr>
-        <p:blipFill>
-          <a:blip r:embed="rId2">
-            <a:extLst>
-              <a:ext uri="{28A0092B-C50C-407E-A947-70E740481C1C}">
-                <a14:useLocalDpi xmlns:a14="http://schemas.microsoft.com/office/drawing/2010/main" val="0"/>
-              </a:ext>
-            </a:extLst>
-          </a:blip>
-          <a:stretch>
-            <a:fillRect/>
-          </a:stretch>
-        </p:blipFill>
-        <p:spPr>
-          <a:xfrm>
-            <a:off x="1231180" y="2083079"/>
-            <a:ext cx="5040000" cy="3600000"/>
-          </a:xfrm>
-          <a:prstGeom prst="rect">
-            <a:avLst/>
-          </a:prstGeom>
-        </p:spPr>
-      </p:pic>
-      <p:pic>
-        <p:nvPicPr>
-          <p:cNvPr id="8" name="Picture 7">
-            <a:extLst>
-              <a:ext uri="{FF2B5EF4-FFF2-40B4-BE49-F238E27FC236}">
-                <a16:creationId xmlns:a16="http://schemas.microsoft.com/office/drawing/2014/main" id="{D5759A3F-308E-3067-09DF-3E2A9800E04D}"/>
-              </a:ext>
-            </a:extLst>
-          </p:cNvPr>
-          <p:cNvPicPr>
-            <a:picLocks noChangeAspect="1"/>
-          </p:cNvPicPr>
-          <p:nvPr/>
-        </p:nvPicPr>
-        <p:blipFill>
-          <a:blip r:embed="rId3">
-            <a:extLst>
-              <a:ext uri="{28A0092B-C50C-407E-A947-70E740481C1C}">
-                <a14:useLocalDpi xmlns:a14="http://schemas.microsoft.com/office/drawing/2010/main" val="0"/>
-              </a:ext>
-            </a:extLst>
-          </a:blip>
-          <a:stretch>
-            <a:fillRect/>
-          </a:stretch>
-        </p:blipFill>
-        <p:spPr>
-          <a:xfrm>
-            <a:off x="6614838" y="2083079"/>
-            <a:ext cx="5040000" cy="3600000"/>
-          </a:xfrm>
-          <a:prstGeom prst="rect">
-            <a:avLst/>
-          </a:prstGeom>
-        </p:spPr>
-      </p:pic>
-    </p:spTree>
-    <p:extLst>
-      <p:ext uri="{BB962C8B-B14F-4D97-AF65-F5344CB8AC3E}">
-        <p14:creationId xmlns:p14="http://schemas.microsoft.com/office/powerpoint/2010/main" val="1713062886"/>
-      </p:ext>
-    </p:extLst>
-  </p:cSld>
-  <p:clrMapOvr>
-    <a:masterClrMapping/>
-  </p:clrMapOvr>
-</p:sld>
-</file>
-
-<file path=ppt/slides/slide2.xml><?xml version="1.0" encoding="utf-8"?>
-<p:sld xmlns:a="http://schemas.openxmlformats.org/drawingml/2006/main" xmlns:r="http://schemas.openxmlformats.org/officeDocument/2006/relationships" xmlns:p="http://schemas.openxmlformats.org/presentationml/2006/main">
-  <p:cSld>
-    <p:spTree>
-      <p:nvGrpSpPr>
-        <p:cNvPr id="1" name=""/>
-        <p:cNvGrpSpPr/>
-        <p:nvPr/>
-      </p:nvGrpSpPr>
-      <p:grpSpPr>
-        <a:xfrm>
-          <a:off x="0" y="0"/>
-          <a:ext cx="0" cy="0"/>
-          <a:chOff x="0" y="0"/>
-          <a:chExt cx="0" cy="0"/>
-        </a:xfrm>
-      </p:grpSpPr>
-      <p:cxnSp>
-        <p:nvCxnSpPr>
-          <p:cNvPr id="5" name="Straight Connector 4">
-            <a:extLst>
-              <a:ext uri="{FF2B5EF4-FFF2-40B4-BE49-F238E27FC236}">
-                <a16:creationId xmlns:a16="http://schemas.microsoft.com/office/drawing/2014/main" id="{24421F80-E30D-AE82-EDF5-DD0506795BEE}"/>
-              </a:ext>
-            </a:extLst>
-          </p:cNvPr>
-          <p:cNvCxnSpPr>
-            <a:cxnSpLocks/>
-          </p:cNvCxnSpPr>
-          <p:nvPr/>
-        </p:nvCxnSpPr>
-        <p:spPr>
-          <a:xfrm>
-            <a:off x="821933" y="195209"/>
-            <a:ext cx="0" cy="6565187"/>
-          </a:xfrm>
-          <a:prstGeom prst="line">
-            <a:avLst/>
-          </a:prstGeom>
-        </p:spPr>
-        <p:style>
-          <a:lnRef idx="1">
-            <a:schemeClr val="dk1"/>
-          </a:lnRef>
-          <a:fillRef idx="0">
-            <a:schemeClr val="dk1"/>
-          </a:fillRef>
-          <a:effectRef idx="0">
-            <a:schemeClr val="dk1"/>
-          </a:effectRef>
-          <a:fontRef idx="minor">
-            <a:schemeClr val="tx1"/>
-          </a:fontRef>
-        </p:style>
-      </p:cxnSp>
-      <p:sp>
-        <p:nvSpPr>
-          <p:cNvPr id="6" name="TextBox 5">
-            <a:extLst>
-              <a:ext uri="{FF2B5EF4-FFF2-40B4-BE49-F238E27FC236}">
-                <a16:creationId xmlns:a16="http://schemas.microsoft.com/office/drawing/2014/main" id="{67DCB988-9FEE-B7DA-CAC5-E20F0DA46022}"/>
-              </a:ext>
-            </a:extLst>
-          </p:cNvPr>
-          <p:cNvSpPr txBox="1"/>
-          <p:nvPr/>
-        </p:nvSpPr>
-        <p:spPr>
-          <a:xfrm>
-            <a:off x="1387011" y="534256"/>
-            <a:ext cx="3020602" cy="646331"/>
-          </a:xfrm>
-          <a:prstGeom prst="rect">
-            <a:avLst/>
-          </a:prstGeom>
-          <a:noFill/>
-        </p:spPr>
-        <p:txBody>
-          <a:bodyPr wrap="square" rtlCol="0">
-            <a:spAutoFit/>
-          </a:bodyPr>
-          <a:lstStyle/>
-          <a:p>
-            <a:r>
-              <a:rPr lang="en-GB" sz="3600" b="1" dirty="0">
-                <a:solidFill>
-                  <a:srgbClr val="FF0000"/>
-                </a:solidFill>
-              </a:rPr>
-              <a:t>- </a:t>
-            </a:r>
-            <a:r>
-              <a:rPr lang="en-CA" sz="3600" b="1" dirty="0">
-                <a:solidFill>
-                  <a:srgbClr val="FF0000"/>
-                </a:solidFill>
-              </a:rPr>
-              <a:t>Overview :</a:t>
-            </a:r>
-            <a:endParaRPr lang="en-CA" b="1" dirty="0">
-              <a:solidFill>
-                <a:srgbClr val="FF0000"/>
-              </a:solidFill>
-            </a:endParaRPr>
-          </a:p>
-        </p:txBody>
-      </p:sp>
-      <p:sp>
-        <p:nvSpPr>
-          <p:cNvPr id="7" name="TextBox 5">
-            <a:extLst>
-              <a:ext uri="{FF2B5EF4-FFF2-40B4-BE49-F238E27FC236}">
-                <a16:creationId xmlns:a16="http://schemas.microsoft.com/office/drawing/2014/main" id="{67DCB988-9FEE-B7DA-CAC5-E20F0DA46022}"/>
-              </a:ext>
-            </a:extLst>
-          </p:cNvPr>
-          <p:cNvSpPr txBox="1"/>
-          <p:nvPr/>
-        </p:nvSpPr>
-        <p:spPr>
-          <a:xfrm>
-            <a:off x="1236323" y="3429000"/>
-            <a:ext cx="3020602" cy="646331"/>
-          </a:xfrm>
-          <a:prstGeom prst="rect">
-            <a:avLst/>
-          </a:prstGeom>
-          <a:noFill/>
-        </p:spPr>
-        <p:txBody>
-          <a:bodyPr wrap="square" rtlCol="0">
-            <a:spAutoFit/>
-          </a:bodyPr>
-          <a:lstStyle>
-            <a:defPPr>
-              <a:defRPr lang="en-US"/>
-            </a:defPPr>
-            <a:lvl1pPr marL="0" algn="l" defTabSz="914400" rtl="0" eaLnBrk="1" latinLnBrk="0" hangingPunct="1">
-              <a:defRPr sz="1800" kern="1200">
-                <a:solidFill>
-                  <a:schemeClr val="tx1"/>
-                </a:solidFill>
-                <a:latin typeface="+mn-lt"/>
-                <a:ea typeface="+mn-ea"/>
-                <a:cs typeface="+mn-cs"/>
-              </a:defRPr>
-            </a:lvl1pPr>
-            <a:lvl2pPr marL="457200" algn="l" defTabSz="914400" rtl="0" eaLnBrk="1" latinLnBrk="0" hangingPunct="1">
-              <a:defRPr sz="1800" kern="1200">
-                <a:solidFill>
-                  <a:schemeClr val="tx1"/>
-                </a:solidFill>
-                <a:latin typeface="+mn-lt"/>
-                <a:ea typeface="+mn-ea"/>
-                <a:cs typeface="+mn-cs"/>
-              </a:defRPr>
-            </a:lvl2pPr>
-            <a:lvl3pPr marL="914400" algn="l" defTabSz="914400" rtl="0" eaLnBrk="1" latinLnBrk="0" hangingPunct="1">
-              <a:defRPr sz="1800" kern="1200">
-                <a:solidFill>
-                  <a:schemeClr val="tx1"/>
-                </a:solidFill>
-                <a:latin typeface="+mn-lt"/>
-                <a:ea typeface="+mn-ea"/>
-                <a:cs typeface="+mn-cs"/>
-              </a:defRPr>
-            </a:lvl3pPr>
-            <a:lvl4pPr marL="1371600" algn="l" defTabSz="914400" rtl="0" eaLnBrk="1" latinLnBrk="0" hangingPunct="1">
-              <a:defRPr sz="1800" kern="1200">
-                <a:solidFill>
-                  <a:schemeClr val="tx1"/>
-                </a:solidFill>
-                <a:latin typeface="+mn-lt"/>
-                <a:ea typeface="+mn-ea"/>
-                <a:cs typeface="+mn-cs"/>
-              </a:defRPr>
-            </a:lvl4pPr>
-            <a:lvl5pPr marL="1828800" algn="l" defTabSz="914400" rtl="0" eaLnBrk="1" latinLnBrk="0" hangingPunct="1">
-              <a:defRPr sz="1800" kern="1200">
-                <a:solidFill>
-                  <a:schemeClr val="tx1"/>
-                </a:solidFill>
-                <a:latin typeface="+mn-lt"/>
-                <a:ea typeface="+mn-ea"/>
-                <a:cs typeface="+mn-cs"/>
-              </a:defRPr>
-            </a:lvl5pPr>
-            <a:lvl6pPr marL="2286000" algn="l" defTabSz="914400" rtl="0" eaLnBrk="1" latinLnBrk="0" hangingPunct="1">
-              <a:defRPr sz="1800" kern="1200">
-                <a:solidFill>
-                  <a:schemeClr val="tx1"/>
-                </a:solidFill>
-                <a:latin typeface="+mn-lt"/>
-                <a:ea typeface="+mn-ea"/>
-                <a:cs typeface="+mn-cs"/>
-              </a:defRPr>
-            </a:lvl6pPr>
-            <a:lvl7pPr marL="2743200" algn="l" defTabSz="914400" rtl="0" eaLnBrk="1" latinLnBrk="0" hangingPunct="1">
-              <a:defRPr sz="1800" kern="1200">
-                <a:solidFill>
-                  <a:schemeClr val="tx1"/>
-                </a:solidFill>
-                <a:latin typeface="+mn-lt"/>
-                <a:ea typeface="+mn-ea"/>
-                <a:cs typeface="+mn-cs"/>
-              </a:defRPr>
-            </a:lvl7pPr>
-            <a:lvl8pPr marL="3200400" algn="l" defTabSz="914400" rtl="0" eaLnBrk="1" latinLnBrk="0" hangingPunct="1">
-              <a:defRPr sz="1800" kern="1200">
-                <a:solidFill>
-                  <a:schemeClr val="tx1"/>
-                </a:solidFill>
-                <a:latin typeface="+mn-lt"/>
-                <a:ea typeface="+mn-ea"/>
-                <a:cs typeface="+mn-cs"/>
-              </a:defRPr>
-            </a:lvl8pPr>
-            <a:lvl9pPr marL="3657600" algn="l" defTabSz="914400" rtl="0" eaLnBrk="1" latinLnBrk="0" hangingPunct="1">
-              <a:defRPr sz="1800" kern="1200">
-                <a:solidFill>
-                  <a:schemeClr val="tx1"/>
-                </a:solidFill>
-                <a:latin typeface="+mn-lt"/>
-                <a:ea typeface="+mn-ea"/>
-                <a:cs typeface="+mn-cs"/>
-              </a:defRPr>
-            </a:lvl9pPr>
-          </a:lstStyle>
-          <a:p>
-            <a:r>
-              <a:rPr lang="en-GB" sz="3600" b="1" dirty="0">
-                <a:solidFill>
-                  <a:srgbClr val="FF0000"/>
-                </a:solidFill>
-              </a:rPr>
-              <a:t>- </a:t>
-            </a:r>
-            <a:r>
-              <a:rPr lang="en-CA" sz="3600" b="1" dirty="0">
-                <a:solidFill>
-                  <a:srgbClr val="FF0000"/>
-                </a:solidFill>
-              </a:rPr>
-              <a:t>target :</a:t>
-            </a:r>
-            <a:endParaRPr lang="en-CA" b="1" dirty="0">
-              <a:solidFill>
-                <a:srgbClr val="FF0000"/>
-              </a:solidFill>
-            </a:endParaRPr>
-          </a:p>
-        </p:txBody>
-      </p:sp>
-      <p:sp>
-        <p:nvSpPr>
-          <p:cNvPr id="23" name="TextBox 22">
-            <a:extLst>
-              <a:ext uri="{FF2B5EF4-FFF2-40B4-BE49-F238E27FC236}">
-                <a16:creationId xmlns:a16="http://schemas.microsoft.com/office/drawing/2014/main" id="{74C50265-A95F-A357-8F10-01B15524B5FC}"/>
-              </a:ext>
-            </a:extLst>
-          </p:cNvPr>
-          <p:cNvSpPr txBox="1"/>
-          <p:nvPr/>
-        </p:nvSpPr>
-        <p:spPr>
-          <a:xfrm>
-            <a:off x="1387012" y="4075331"/>
-            <a:ext cx="7880278" cy="2215991"/>
-          </a:xfrm>
-          <a:prstGeom prst="rect">
-            <a:avLst/>
-          </a:prstGeom>
-          <a:noFill/>
-        </p:spPr>
-        <p:txBody>
-          <a:bodyPr wrap="square" rtlCol="0">
-            <a:spAutoFit/>
-          </a:bodyPr>
-          <a:lstStyle/>
-          <a:p>
-            <a:r>
-              <a:rPr lang="en-CA" sz="2400" dirty="0"/>
-              <a:t>we can say that this database seeks to see if </a:t>
-            </a:r>
-            <a:r>
-              <a:rPr lang="en-CA" sz="2400" dirty="0" err="1"/>
-              <a:t>specefic</a:t>
-            </a:r>
-            <a:r>
-              <a:rPr lang="en-CA" sz="2400" dirty="0"/>
-              <a:t> manners affect student performance such as getting helped by parent or go to school or </a:t>
-            </a:r>
-            <a:r>
-              <a:rPr lang="en-CA" sz="2400" dirty="0" err="1"/>
-              <a:t>studing</a:t>
-            </a:r>
-            <a:r>
-              <a:rPr lang="en-CA" sz="2400" dirty="0"/>
-              <a:t> more the main thing the data base wants is to check performance (Final grade) to see how we can help students to get better grades . </a:t>
-            </a:r>
-          </a:p>
-          <a:p>
-            <a:endParaRPr lang="en-CA" dirty="0"/>
-          </a:p>
-        </p:txBody>
-      </p:sp>
-      <p:pic>
-        <p:nvPicPr>
-          <p:cNvPr id="25" name="Picture 24">
-            <a:extLst>
-              <a:ext uri="{FF2B5EF4-FFF2-40B4-BE49-F238E27FC236}">
-                <a16:creationId xmlns:a16="http://schemas.microsoft.com/office/drawing/2014/main" id="{5CBB0B11-C2F0-E01D-DD43-824A27A91F6F}"/>
-              </a:ext>
-            </a:extLst>
-          </p:cNvPr>
-          <p:cNvPicPr>
-            <a:picLocks noChangeAspect="1"/>
-          </p:cNvPicPr>
-          <p:nvPr/>
-        </p:nvPicPr>
-        <p:blipFill>
-          <a:blip r:embed="rId2">
-            <a:extLst>
-              <a:ext uri="{28A0092B-C50C-407E-A947-70E740481C1C}">
-                <a14:useLocalDpi xmlns:a14="http://schemas.microsoft.com/office/drawing/2010/main" val="0"/>
-              </a:ext>
-            </a:extLst>
-          </a:blip>
-          <a:stretch>
-            <a:fillRect/>
-          </a:stretch>
-        </p:blipFill>
-        <p:spPr>
-          <a:xfrm>
-            <a:off x="9182100" y="-97604"/>
-            <a:ext cx="3009900" cy="6858000"/>
-          </a:xfrm>
-          <a:prstGeom prst="rect">
-            <a:avLst/>
-          </a:prstGeom>
-        </p:spPr>
-      </p:pic>
-      <p:sp>
-        <p:nvSpPr>
-          <p:cNvPr id="2" name="TextBox 1">
-            <a:extLst>
-              <a:ext uri="{FF2B5EF4-FFF2-40B4-BE49-F238E27FC236}">
-                <a16:creationId xmlns:a16="http://schemas.microsoft.com/office/drawing/2014/main" id="{6655316A-1B44-79CF-C100-E4F1C1081AE4}"/>
-              </a:ext>
-            </a:extLst>
-          </p:cNvPr>
-          <p:cNvSpPr txBox="1"/>
-          <p:nvPr/>
-        </p:nvSpPr>
-        <p:spPr>
-          <a:xfrm>
-            <a:off x="1236323" y="1261811"/>
-            <a:ext cx="7880278" cy="1938992"/>
-          </a:xfrm>
-          <a:prstGeom prst="rect">
-            <a:avLst/>
-          </a:prstGeom>
-          <a:noFill/>
-        </p:spPr>
-        <p:txBody>
-          <a:bodyPr wrap="square" rtlCol="0">
-            <a:spAutoFit/>
-          </a:bodyPr>
-          <a:lstStyle/>
-          <a:p>
-            <a:r>
-              <a:rPr lang="en-CA" sz="2400" dirty="0"/>
-              <a:t>this database seeks to see if </a:t>
-            </a:r>
-            <a:r>
-              <a:rPr lang="en-CA" sz="2400" dirty="0" err="1"/>
-              <a:t>specefic</a:t>
-            </a:r>
-            <a:r>
-              <a:rPr lang="en-CA" sz="2400" dirty="0"/>
-              <a:t> manners affect student performance such as getting helped by parent or go to school or </a:t>
-            </a:r>
-            <a:r>
-              <a:rPr lang="en-CA" sz="2400" dirty="0" err="1"/>
-              <a:t>studing</a:t>
-            </a:r>
-            <a:r>
-              <a:rPr lang="en-CA" sz="2400" dirty="0"/>
-              <a:t> more the main thing the data base wants is to check performance (Final grade) to see how we can help students to get better grades</a:t>
-            </a:r>
-          </a:p>
-        </p:txBody>
-      </p:sp>
-    </p:spTree>
-    <p:extLst>
-      <p:ext uri="{BB962C8B-B14F-4D97-AF65-F5344CB8AC3E}">
-        <p14:creationId xmlns:p14="http://schemas.microsoft.com/office/powerpoint/2010/main" val="1310758358"/>
-      </p:ext>
-    </p:extLst>
-  </p:cSld>
-  <p:clrMapOvr>
-    <a:masterClrMapping/>
-  </p:clrMapOvr>
-</p:sld>
-</file>
-
-<file path=ppt/slides/slide3.xml><?xml version="1.0" encoding="utf-8"?>
-<p:sld xmlns:a="http://schemas.openxmlformats.org/drawingml/2006/main" xmlns:r="http://schemas.openxmlformats.org/officeDocument/2006/relationships" xmlns:p="http://schemas.openxmlformats.org/presentationml/2006/main">
-  <p:cSld>
-    <p:spTree>
-      <p:nvGrpSpPr>
-        <p:cNvPr id="1" name="">
-          <a:extLst>
-            <a:ext uri="{FF2B5EF4-FFF2-40B4-BE49-F238E27FC236}">
-              <a16:creationId xmlns:a16="http://schemas.microsoft.com/office/drawing/2014/main" id="{087C0CCE-564F-9123-81E1-AE89A8C84BC8}"/>
-            </a:ext>
-          </a:extLst>
-        </p:cNvPr>
-        <p:cNvGrpSpPr/>
-        <p:nvPr/>
-      </p:nvGrpSpPr>
-      <p:grpSpPr>
-        <a:xfrm>
-          <a:off x="0" y="0"/>
-          <a:ext cx="0" cy="0"/>
-          <a:chOff x="0" y="0"/>
-          <a:chExt cx="0" cy="0"/>
-        </a:xfrm>
-      </p:grpSpPr>
-      <p:sp>
-        <p:nvSpPr>
-          <p:cNvPr id="2" name="TextBox 1">
-            <a:extLst>
-              <a:ext uri="{FF2B5EF4-FFF2-40B4-BE49-F238E27FC236}">
-                <a16:creationId xmlns:a16="http://schemas.microsoft.com/office/drawing/2014/main" id="{B04E1DB4-52ED-7A11-C6F5-8C5284D5B626}"/>
-              </a:ext>
-            </a:extLst>
-          </p:cNvPr>
-          <p:cNvSpPr txBox="1"/>
-          <p:nvPr/>
-        </p:nvSpPr>
-        <p:spPr>
-          <a:xfrm>
-            <a:off x="3589105" y="226032"/>
-            <a:ext cx="5013789" cy="646331"/>
-          </a:xfrm>
-          <a:prstGeom prst="rect">
-            <a:avLst/>
-          </a:prstGeom>
-          <a:noFill/>
-        </p:spPr>
-        <p:txBody>
-          <a:bodyPr wrap="square" rtlCol="0">
-            <a:spAutoFit/>
-          </a:bodyPr>
-          <a:lstStyle/>
-          <a:p>
-            <a:pPr algn="ctr"/>
-            <a:r>
-              <a:rPr lang="en-GB" sz="3600" b="1" dirty="0">
-                <a:solidFill>
-                  <a:srgbClr val="FF0000"/>
-                </a:solidFill>
-              </a:rPr>
-              <a:t>The features :</a:t>
-            </a:r>
-            <a:endParaRPr lang="en-CA" sz="3600" b="1" dirty="0">
-              <a:solidFill>
-                <a:srgbClr val="FF0000"/>
-              </a:solidFill>
-            </a:endParaRPr>
-          </a:p>
-        </p:txBody>
-      </p:sp>
-      <p:graphicFrame>
-        <p:nvGraphicFramePr>
-          <p:cNvPr id="3" name="Table 2">
-            <a:extLst>
-              <a:ext uri="{FF2B5EF4-FFF2-40B4-BE49-F238E27FC236}">
-                <a16:creationId xmlns:a16="http://schemas.microsoft.com/office/drawing/2014/main" id="{E76ADF7B-BBD2-2A8E-0EC4-FAED49E610FE}"/>
-              </a:ext>
-            </a:extLst>
-          </p:cNvPr>
-          <p:cNvGraphicFramePr>
-            <a:graphicFrameLocks noGrp="1"/>
-          </p:cNvGraphicFramePr>
-          <p:nvPr>
-            <p:extLst>
-              <p:ext uri="{D42A27DB-BD31-4B8C-83A1-F6EECF244321}">
-                <p14:modId xmlns:p14="http://schemas.microsoft.com/office/powerpoint/2010/main" val="861049027"/>
-              </p:ext>
-            </p:extLst>
-          </p:nvPr>
-        </p:nvGraphicFramePr>
-        <p:xfrm>
-          <a:off x="688369" y="861148"/>
-          <a:ext cx="10828961" cy="5760720"/>
-        </p:xfrm>
-        <a:graphic>
-          <a:graphicData uri="http://schemas.openxmlformats.org/drawingml/2006/table">
-            <a:tbl>
-              <a:tblPr firstRow="1" bandRow="1">
-                <a:tableStyleId>{5C22544A-7EE6-4342-B048-85BDC9FD1C3A}</a:tableStyleId>
-              </a:tblPr>
-              <a:tblGrid>
-                <a:gridCol w="3438804">
-                  <a:extLst>
-                    <a:ext uri="{9D8B030D-6E8A-4147-A177-3AD203B41FA5}">
-                      <a16:colId xmlns:a16="http://schemas.microsoft.com/office/drawing/2014/main" val="900049784"/>
-                    </a:ext>
-                  </a:extLst>
-                </a:gridCol>
-                <a:gridCol w="7390157">
-                  <a:extLst>
-                    <a:ext uri="{9D8B030D-6E8A-4147-A177-3AD203B41FA5}">
-                      <a16:colId xmlns:a16="http://schemas.microsoft.com/office/drawing/2014/main" val="928557316"/>
-                    </a:ext>
-                  </a:extLst>
-                </a:gridCol>
-              </a:tblGrid>
-              <a:tr h="370840">
-                <a:tc>
-                  <a:txBody>
-                    <a:bodyPr/>
-                    <a:lstStyle/>
-                    <a:p>
-                      <a:r>
-                        <a:rPr lang="en-GB" sz="2400" dirty="0"/>
-                        <a:t>The feature</a:t>
-                      </a:r>
-                      <a:endParaRPr lang="en-CA" sz="2400" dirty="0"/>
-                    </a:p>
-                  </a:txBody>
-                  <a:tcPr/>
-                </a:tc>
-                <a:tc>
-                  <a:txBody>
-                    <a:bodyPr/>
-                    <a:lstStyle/>
-                    <a:p>
-                      <a:r>
-                        <a:rPr lang="en-GB" sz="2400" dirty="0"/>
-                        <a:t>The meaning </a:t>
-                      </a:r>
-                      <a:endParaRPr lang="en-CA" sz="2400" dirty="0"/>
-                    </a:p>
-                  </a:txBody>
-                  <a:tcPr/>
-                </a:tc>
-                <a:extLst>
-                  <a:ext uri="{0D108BD9-81ED-4DB2-BD59-A6C34878D82A}">
-                    <a16:rowId xmlns:a16="http://schemas.microsoft.com/office/drawing/2014/main" val="1113306257"/>
-                  </a:ext>
-                </a:extLst>
-              </a:tr>
-              <a:tr h="370840">
-                <a:tc>
-                  <a:txBody>
-                    <a:bodyPr/>
-                    <a:lstStyle/>
-                    <a:p>
-                      <a:r>
-                        <a:rPr lang="en-GB" sz="2400" b="1" i="0" kern="1200" dirty="0" err="1">
-                          <a:solidFill>
-                            <a:schemeClr val="dk1"/>
-                          </a:solidFill>
-                          <a:effectLst/>
-                          <a:latin typeface="+mn-lt"/>
-                          <a:ea typeface="+mn-ea"/>
-                          <a:cs typeface="+mn-cs"/>
-                        </a:rPr>
-                        <a:t>studentID</a:t>
-                      </a:r>
-                      <a:endParaRPr lang="en-CA" sz="2400" b="1" i="0" kern="1200" dirty="0">
-                        <a:solidFill>
-                          <a:schemeClr val="dk1"/>
-                        </a:solidFill>
-                        <a:effectLst/>
-                        <a:latin typeface="+mn-lt"/>
-                        <a:ea typeface="+mn-ea"/>
-                        <a:cs typeface="+mn-cs"/>
-                      </a:endParaRPr>
-                    </a:p>
-                  </a:txBody>
-                  <a:tcPr/>
-                </a:tc>
-                <a:tc>
-                  <a:txBody>
-                    <a:bodyPr/>
-                    <a:lstStyle/>
-                    <a:p>
-                      <a:r>
-                        <a:rPr lang="en-CA" sz="2400" b="0" i="0" kern="1200" dirty="0">
-                          <a:solidFill>
-                            <a:schemeClr val="dk1"/>
-                          </a:solidFill>
-                          <a:effectLst/>
-                          <a:latin typeface="+mn-lt"/>
-                          <a:ea typeface="+mn-ea"/>
-                          <a:cs typeface="+mn-cs"/>
-                        </a:rPr>
-                        <a:t>a </a:t>
-                      </a:r>
-                      <a:r>
-                        <a:rPr lang="en-CA" sz="2400" b="0" i="0" kern="1200" dirty="0" err="1">
-                          <a:solidFill>
-                            <a:schemeClr val="dk1"/>
-                          </a:solidFill>
-                          <a:effectLst/>
-                          <a:latin typeface="+mn-lt"/>
-                          <a:ea typeface="+mn-ea"/>
-                          <a:cs typeface="+mn-cs"/>
-                        </a:rPr>
-                        <a:t>numiercal</a:t>
-                      </a:r>
-                      <a:r>
-                        <a:rPr lang="en-CA" sz="2400" b="0" i="0" kern="1200" dirty="0">
-                          <a:solidFill>
-                            <a:schemeClr val="dk1"/>
-                          </a:solidFill>
-                          <a:effectLst/>
-                          <a:latin typeface="+mn-lt"/>
-                          <a:ea typeface="+mn-ea"/>
-                          <a:cs typeface="+mn-cs"/>
-                        </a:rPr>
-                        <a:t> number (float) to tell the </a:t>
-                      </a:r>
-                      <a:r>
-                        <a:rPr lang="en-CA" sz="2400" b="0" i="0" kern="1200" dirty="0" err="1">
-                          <a:solidFill>
-                            <a:schemeClr val="dk1"/>
-                          </a:solidFill>
-                          <a:effectLst/>
-                          <a:latin typeface="+mn-lt"/>
-                          <a:ea typeface="+mn-ea"/>
-                          <a:cs typeface="+mn-cs"/>
-                        </a:rPr>
-                        <a:t>specefic</a:t>
-                      </a:r>
-                      <a:r>
-                        <a:rPr lang="en-CA" sz="2400" b="0" i="0" kern="1200" dirty="0">
-                          <a:solidFill>
-                            <a:schemeClr val="dk1"/>
-                          </a:solidFill>
-                          <a:effectLst/>
-                          <a:latin typeface="+mn-lt"/>
-                          <a:ea typeface="+mn-ea"/>
-                          <a:cs typeface="+mn-cs"/>
-                        </a:rPr>
-                        <a:t> student </a:t>
-                      </a:r>
-                      <a:r>
-                        <a:rPr lang="en-CA" sz="2400" b="0" i="0" kern="1200" dirty="0" err="1">
-                          <a:solidFill>
-                            <a:schemeClr val="dk1"/>
-                          </a:solidFill>
-                          <a:effectLst/>
-                          <a:latin typeface="+mn-lt"/>
-                          <a:ea typeface="+mn-ea"/>
-                          <a:cs typeface="+mn-cs"/>
-                        </a:rPr>
-                        <a:t>wer</a:t>
-                      </a:r>
-                      <a:r>
-                        <a:rPr lang="en-CA" sz="2400" b="0" i="0" kern="1200" dirty="0">
-                          <a:solidFill>
-                            <a:schemeClr val="dk1"/>
-                          </a:solidFill>
-                          <a:effectLst/>
-                          <a:latin typeface="+mn-lt"/>
-                          <a:ea typeface="+mn-ea"/>
-                          <a:cs typeface="+mn-cs"/>
-                        </a:rPr>
-                        <a:t> working on . and it is not important for predictions</a:t>
-                      </a:r>
-                      <a:endParaRPr lang="en-CA" sz="2400" dirty="0"/>
-                    </a:p>
-                  </a:txBody>
-                  <a:tcPr/>
-                </a:tc>
-                <a:extLst>
-                  <a:ext uri="{0D108BD9-81ED-4DB2-BD59-A6C34878D82A}">
-                    <a16:rowId xmlns:a16="http://schemas.microsoft.com/office/drawing/2014/main" val="941868051"/>
-                  </a:ext>
-                </a:extLst>
-              </a:tr>
-              <a:tr h="370840">
-                <a:tc>
-                  <a:txBody>
-                    <a:bodyPr/>
-                    <a:lstStyle/>
-                    <a:p>
-                      <a:r>
-                        <a:rPr lang="en-GB" sz="2400" b="1" i="0" kern="1200" dirty="0">
-                          <a:solidFill>
-                            <a:schemeClr val="dk1"/>
-                          </a:solidFill>
-                          <a:effectLst/>
-                          <a:latin typeface="+mn-lt"/>
-                          <a:ea typeface="+mn-ea"/>
-                          <a:cs typeface="+mn-cs"/>
-                        </a:rPr>
-                        <a:t>Name</a:t>
-                      </a:r>
-                      <a:endParaRPr lang="en-CA" sz="2400" b="1" i="0" kern="1200" dirty="0">
-                        <a:solidFill>
-                          <a:schemeClr val="dk1"/>
-                        </a:solidFill>
-                        <a:effectLst/>
-                        <a:latin typeface="+mn-lt"/>
-                        <a:ea typeface="+mn-ea"/>
-                        <a:cs typeface="+mn-cs"/>
-                      </a:endParaRPr>
-                    </a:p>
-                  </a:txBody>
-                  <a:tcPr/>
-                </a:tc>
-                <a:tc>
-                  <a:txBody>
-                    <a:bodyPr/>
-                    <a:lstStyle/>
-                    <a:p>
-                      <a:r>
-                        <a:rPr lang="en-CA" sz="2400" b="0" i="0" kern="1200" dirty="0">
-                          <a:solidFill>
-                            <a:schemeClr val="dk1"/>
-                          </a:solidFill>
-                          <a:effectLst/>
-                          <a:latin typeface="+mn-lt"/>
-                          <a:ea typeface="+mn-ea"/>
-                          <a:cs typeface="+mn-cs"/>
-                        </a:rPr>
-                        <a:t>real name (string) for more </a:t>
-                      </a:r>
-                      <a:r>
-                        <a:rPr lang="en-CA" sz="2400" b="0" i="0" kern="1200" dirty="0" err="1">
-                          <a:solidFill>
-                            <a:schemeClr val="dk1"/>
-                          </a:solidFill>
-                          <a:effectLst/>
-                          <a:latin typeface="+mn-lt"/>
-                          <a:ea typeface="+mn-ea"/>
-                          <a:cs typeface="+mn-cs"/>
-                        </a:rPr>
-                        <a:t>spefic</a:t>
-                      </a:r>
-                      <a:r>
-                        <a:rPr lang="en-CA" sz="2400" b="0" i="0" kern="1200" dirty="0">
-                          <a:solidFill>
-                            <a:schemeClr val="dk1"/>
-                          </a:solidFill>
-                          <a:effectLst/>
-                          <a:latin typeface="+mn-lt"/>
-                          <a:ea typeface="+mn-ea"/>
-                          <a:cs typeface="+mn-cs"/>
-                        </a:rPr>
-                        <a:t> work also not </a:t>
-                      </a:r>
-                      <a:r>
-                        <a:rPr lang="en-CA" sz="2400" b="0" i="0" kern="1200" dirty="0" err="1">
-                          <a:solidFill>
-                            <a:schemeClr val="dk1"/>
-                          </a:solidFill>
-                          <a:effectLst/>
-                          <a:latin typeface="+mn-lt"/>
-                          <a:ea typeface="+mn-ea"/>
-                          <a:cs typeface="+mn-cs"/>
-                        </a:rPr>
-                        <a:t>importnet</a:t>
-                      </a:r>
-                      <a:r>
-                        <a:rPr lang="en-CA" sz="2400" b="0" i="0" kern="1200" dirty="0">
-                          <a:solidFill>
-                            <a:schemeClr val="dk1"/>
-                          </a:solidFill>
-                          <a:effectLst/>
-                          <a:latin typeface="+mn-lt"/>
-                          <a:ea typeface="+mn-ea"/>
-                          <a:cs typeface="+mn-cs"/>
-                        </a:rPr>
-                        <a:t> for predictions</a:t>
-                      </a:r>
-                      <a:endParaRPr lang="en-CA" sz="2400" dirty="0"/>
-                    </a:p>
-                  </a:txBody>
-                  <a:tcPr/>
-                </a:tc>
-                <a:extLst>
-                  <a:ext uri="{0D108BD9-81ED-4DB2-BD59-A6C34878D82A}">
-                    <a16:rowId xmlns:a16="http://schemas.microsoft.com/office/drawing/2014/main" val="1841337878"/>
-                  </a:ext>
-                </a:extLst>
-              </a:tr>
-              <a:tr h="370840">
-                <a:tc>
-                  <a:txBody>
-                    <a:bodyPr/>
-                    <a:lstStyle/>
-                    <a:p>
-                      <a:r>
-                        <a:rPr lang="en-GB" sz="2400" b="1" i="0" kern="1200" dirty="0">
-                          <a:solidFill>
-                            <a:schemeClr val="dk1"/>
-                          </a:solidFill>
-                          <a:effectLst/>
-                          <a:latin typeface="+mn-lt"/>
-                          <a:ea typeface="+mn-ea"/>
-                          <a:cs typeface="+mn-cs"/>
-                        </a:rPr>
-                        <a:t>Gender</a:t>
-                      </a:r>
-                      <a:endParaRPr lang="en-CA" sz="2400" b="1" i="0" kern="1200" dirty="0">
-                        <a:solidFill>
-                          <a:schemeClr val="dk1"/>
-                        </a:solidFill>
-                        <a:effectLst/>
-                        <a:latin typeface="+mn-lt"/>
-                        <a:ea typeface="+mn-ea"/>
-                        <a:cs typeface="+mn-cs"/>
-                      </a:endParaRPr>
-                    </a:p>
-                  </a:txBody>
-                  <a:tcPr/>
-                </a:tc>
-                <a:tc>
-                  <a:txBody>
-                    <a:bodyPr/>
-                    <a:lstStyle/>
-                    <a:p>
-                      <a:r>
-                        <a:rPr lang="en-CA" sz="2400" b="0" i="0" kern="1200" dirty="0">
-                          <a:solidFill>
-                            <a:schemeClr val="dk1"/>
-                          </a:solidFill>
-                          <a:effectLst/>
-                          <a:latin typeface="+mn-lt"/>
-                          <a:ea typeface="+mn-ea"/>
-                          <a:cs typeface="+mn-cs"/>
-                        </a:rPr>
-                        <a:t>sex : male or female to see the better one at studying , we can see also that males are </a:t>
-                      </a:r>
-                      <a:r>
-                        <a:rPr lang="en-CA" sz="2400" b="0" i="0" kern="1200" dirty="0" err="1">
-                          <a:solidFill>
-                            <a:schemeClr val="dk1"/>
-                          </a:solidFill>
-                          <a:effectLst/>
-                          <a:latin typeface="+mn-lt"/>
-                          <a:ea typeface="+mn-ea"/>
-                          <a:cs typeface="+mn-cs"/>
-                        </a:rPr>
-                        <a:t>slighty</a:t>
-                      </a:r>
-                      <a:r>
-                        <a:rPr lang="en-CA" sz="2400" b="0" i="0" kern="1200" dirty="0">
-                          <a:solidFill>
-                            <a:schemeClr val="dk1"/>
-                          </a:solidFill>
-                          <a:effectLst/>
-                          <a:latin typeface="+mn-lt"/>
-                          <a:ea typeface="+mn-ea"/>
-                          <a:cs typeface="+mn-cs"/>
-                        </a:rPr>
-                        <a:t> more by 5%</a:t>
-                      </a:r>
-                      <a:endParaRPr lang="en-CA" sz="2400" dirty="0"/>
-                    </a:p>
-                  </a:txBody>
-                  <a:tcPr/>
-                </a:tc>
-                <a:extLst>
-                  <a:ext uri="{0D108BD9-81ED-4DB2-BD59-A6C34878D82A}">
-                    <a16:rowId xmlns:a16="http://schemas.microsoft.com/office/drawing/2014/main" val="1635584984"/>
-                  </a:ext>
-                </a:extLst>
-              </a:tr>
-              <a:tr h="370840">
-                <a:tc>
-                  <a:txBody>
-                    <a:bodyPr/>
-                    <a:lstStyle/>
-                    <a:p>
-                      <a:r>
-                        <a:rPr lang="en-CA" sz="2400" b="1" i="0" kern="1200" dirty="0" err="1">
-                          <a:solidFill>
-                            <a:schemeClr val="dk1"/>
-                          </a:solidFill>
-                          <a:effectLst/>
-                          <a:latin typeface="+mn-lt"/>
-                          <a:ea typeface="+mn-ea"/>
-                          <a:cs typeface="+mn-cs"/>
-                        </a:rPr>
-                        <a:t>AttendanceRate</a:t>
-                      </a:r>
-                      <a:endParaRPr lang="en-CA" sz="2400" dirty="0"/>
-                    </a:p>
-                  </a:txBody>
-                  <a:tcPr/>
-                </a:tc>
-                <a:tc>
-                  <a:txBody>
-                    <a:bodyPr/>
-                    <a:lstStyle/>
-                    <a:p>
-                      <a:r>
-                        <a:rPr lang="en-CA" sz="2400" b="0" i="0" kern="1200" dirty="0">
-                          <a:solidFill>
-                            <a:schemeClr val="dk1"/>
-                          </a:solidFill>
-                          <a:effectLst/>
-                          <a:latin typeface="+mn-lt"/>
-                          <a:ea typeface="+mn-ea"/>
-                          <a:cs typeface="+mn-cs"/>
-                        </a:rPr>
-                        <a:t>a float percentage from 0 to 100 to see how often the student go to school to know if going to school helps or no its important for predictions</a:t>
-                      </a:r>
-                      <a:endParaRPr lang="en-CA" sz="2400" dirty="0"/>
-                    </a:p>
-                  </a:txBody>
-                  <a:tcPr/>
-                </a:tc>
-                <a:extLst>
-                  <a:ext uri="{0D108BD9-81ED-4DB2-BD59-A6C34878D82A}">
-                    <a16:rowId xmlns:a16="http://schemas.microsoft.com/office/drawing/2014/main" val="1380943073"/>
-                  </a:ext>
-                </a:extLst>
-              </a:tr>
-              <a:tr h="370840">
-                <a:tc>
-                  <a:txBody>
-                    <a:bodyPr/>
-                    <a:lstStyle/>
-                    <a:p>
-                      <a:r>
-                        <a:rPr lang="en-CA" sz="2400" b="1" i="0" kern="1200" dirty="0" err="1">
-                          <a:solidFill>
-                            <a:schemeClr val="dk1"/>
-                          </a:solidFill>
-                          <a:effectLst/>
-                          <a:latin typeface="+mn-lt"/>
-                          <a:ea typeface="+mn-ea"/>
-                          <a:cs typeface="+mn-cs"/>
-                        </a:rPr>
-                        <a:t>StudyHoursPerWeek</a:t>
-                      </a:r>
-                      <a:endParaRPr lang="en-CA" sz="2400" dirty="0"/>
-                    </a:p>
-                  </a:txBody>
-                  <a:tcPr/>
-                </a:tc>
-                <a:tc>
-                  <a:txBody>
-                    <a:bodyPr/>
-                    <a:lstStyle/>
-                    <a:p>
-                      <a:r>
-                        <a:rPr lang="en-CA" sz="2400" b="0" i="0" kern="1200" dirty="0">
-                          <a:solidFill>
-                            <a:schemeClr val="dk1"/>
-                          </a:solidFill>
-                          <a:effectLst/>
-                          <a:latin typeface="+mn-lt"/>
-                          <a:ea typeface="+mn-ea"/>
-                          <a:cs typeface="+mn-cs"/>
-                        </a:rPr>
-                        <a:t>a number of the hours (float) the student studies each week to see if going more is helpful</a:t>
-                      </a:r>
-                      <a:endParaRPr lang="en-CA" sz="2400" dirty="0"/>
-                    </a:p>
-                  </a:txBody>
-                  <a:tcPr/>
-                </a:tc>
-                <a:extLst>
-                  <a:ext uri="{0D108BD9-81ED-4DB2-BD59-A6C34878D82A}">
-                    <a16:rowId xmlns:a16="http://schemas.microsoft.com/office/drawing/2014/main" val="3248918652"/>
-                  </a:ext>
-                </a:extLst>
-              </a:tr>
-              <a:tr h="370840">
-                <a:tc>
-                  <a:txBody>
-                    <a:bodyPr/>
-                    <a:lstStyle/>
-                    <a:p>
-                      <a:r>
-                        <a:rPr lang="en-CA" sz="2400" b="1" i="0" kern="1200" dirty="0" err="1">
-                          <a:solidFill>
-                            <a:schemeClr val="dk1"/>
-                          </a:solidFill>
-                          <a:effectLst/>
-                          <a:latin typeface="+mn-lt"/>
-                          <a:ea typeface="+mn-ea"/>
-                          <a:cs typeface="+mn-cs"/>
-                        </a:rPr>
-                        <a:t>PreviousGrade</a:t>
-                      </a:r>
-                      <a:endParaRPr lang="en-CA" sz="2400" dirty="0"/>
-                    </a:p>
-                  </a:txBody>
-                  <a:tcPr/>
-                </a:tc>
-                <a:tc>
-                  <a:txBody>
-                    <a:bodyPr/>
-                    <a:lstStyle/>
-                    <a:p>
-                      <a:r>
-                        <a:rPr lang="en-CA" sz="2400" b="0" i="0" kern="1200" dirty="0">
-                          <a:solidFill>
-                            <a:schemeClr val="dk1"/>
-                          </a:solidFill>
-                          <a:effectLst/>
-                          <a:latin typeface="+mn-lt"/>
-                          <a:ea typeface="+mn-ea"/>
-                          <a:cs typeface="+mn-cs"/>
-                        </a:rPr>
-                        <a:t>the student old exam points (float) to see if he changed or still the same</a:t>
-                      </a:r>
-                      <a:endParaRPr lang="en-CA" sz="2400" dirty="0"/>
-                    </a:p>
-                  </a:txBody>
-                  <a:tcPr/>
-                </a:tc>
-                <a:extLst>
-                  <a:ext uri="{0D108BD9-81ED-4DB2-BD59-A6C34878D82A}">
-                    <a16:rowId xmlns:a16="http://schemas.microsoft.com/office/drawing/2014/main" val="2704442202"/>
-                  </a:ext>
-                </a:extLst>
-              </a:tr>
-            </a:tbl>
-          </a:graphicData>
-        </a:graphic>
-      </p:graphicFrame>
-    </p:spTree>
-    <p:extLst>
-      <p:ext uri="{BB962C8B-B14F-4D97-AF65-F5344CB8AC3E}">
-        <p14:creationId xmlns:p14="http://schemas.microsoft.com/office/powerpoint/2010/main" val="911543944"/>
-      </p:ext>
-    </p:extLst>
-  </p:cSld>
-  <p:clrMapOvr>
-    <a:masterClrMapping/>
-  </p:clrMapOvr>
-</p:sld>
-</file>
-
-<file path=ppt/slides/slide4.xml><?xml version="1.0" encoding="utf-8"?>
-<p:sld xmlns:a="http://schemas.openxmlformats.org/drawingml/2006/main" xmlns:r="http://schemas.openxmlformats.org/officeDocument/2006/relationships" xmlns:p="http://schemas.openxmlformats.org/presentationml/2006/main">
-  <p:cSld>
-    <p:spTree>
-      <p:nvGrpSpPr>
-        <p:cNvPr id="1" name="">
-          <a:extLst>
-            <a:ext uri="{FF2B5EF4-FFF2-40B4-BE49-F238E27FC236}">
-              <a16:creationId xmlns:a16="http://schemas.microsoft.com/office/drawing/2014/main" id="{BD608960-1C5F-C4AA-42EF-2A1F1C17E31F}"/>
-            </a:ext>
-          </a:extLst>
-        </p:cNvPr>
-        <p:cNvGrpSpPr/>
-        <p:nvPr/>
-      </p:nvGrpSpPr>
-      <p:grpSpPr>
-        <a:xfrm>
-          <a:off x="0" y="0"/>
-          <a:ext cx="0" cy="0"/>
-          <a:chOff x="0" y="0"/>
-          <a:chExt cx="0" cy="0"/>
-        </a:xfrm>
-      </p:grpSpPr>
-      <p:sp>
-        <p:nvSpPr>
-          <p:cNvPr id="2" name="TextBox 1">
-            <a:extLst>
-              <a:ext uri="{FF2B5EF4-FFF2-40B4-BE49-F238E27FC236}">
-                <a16:creationId xmlns:a16="http://schemas.microsoft.com/office/drawing/2014/main" id="{F686AD49-C3B7-9610-894C-F6BA0E7E2FB6}"/>
-              </a:ext>
-            </a:extLst>
-          </p:cNvPr>
-          <p:cNvSpPr txBox="1"/>
-          <p:nvPr/>
-        </p:nvSpPr>
-        <p:spPr>
-          <a:xfrm>
-            <a:off x="3589105" y="226032"/>
-            <a:ext cx="5013789" cy="646331"/>
-          </a:xfrm>
-          <a:prstGeom prst="rect">
-            <a:avLst/>
-          </a:prstGeom>
-          <a:noFill/>
-        </p:spPr>
-        <p:txBody>
-          <a:bodyPr wrap="square" rtlCol="0">
-            <a:spAutoFit/>
-          </a:bodyPr>
-          <a:lstStyle/>
-          <a:p>
-            <a:pPr algn="ctr"/>
-            <a:r>
-              <a:rPr lang="en-GB" sz="3600" b="1" dirty="0">
-                <a:solidFill>
-                  <a:srgbClr val="FF0000"/>
-                </a:solidFill>
-              </a:rPr>
-              <a:t>The features :</a:t>
-            </a:r>
-            <a:endParaRPr lang="en-CA" sz="3600" b="1" dirty="0">
-              <a:solidFill>
-                <a:srgbClr val="FF0000"/>
-              </a:solidFill>
-            </a:endParaRPr>
-          </a:p>
-        </p:txBody>
-      </p:sp>
-      <p:graphicFrame>
-        <p:nvGraphicFramePr>
-          <p:cNvPr id="3" name="Table 2">
-            <a:extLst>
-              <a:ext uri="{FF2B5EF4-FFF2-40B4-BE49-F238E27FC236}">
-                <a16:creationId xmlns:a16="http://schemas.microsoft.com/office/drawing/2014/main" id="{7C9BB9D6-21D2-A41C-F37E-080EDCC9F60F}"/>
-              </a:ext>
-            </a:extLst>
-          </p:cNvPr>
-          <p:cNvGraphicFramePr>
-            <a:graphicFrameLocks noGrp="1"/>
-          </p:cNvGraphicFramePr>
-          <p:nvPr>
-            <p:extLst>
-              <p:ext uri="{D42A27DB-BD31-4B8C-83A1-F6EECF244321}">
-                <p14:modId xmlns:p14="http://schemas.microsoft.com/office/powerpoint/2010/main" val="809256252"/>
-              </p:ext>
-            </p:extLst>
-          </p:nvPr>
-        </p:nvGraphicFramePr>
-        <p:xfrm>
-          <a:off x="928098" y="914400"/>
-          <a:ext cx="10335802" cy="5029200"/>
-        </p:xfrm>
-        <a:graphic>
-          <a:graphicData uri="http://schemas.openxmlformats.org/drawingml/2006/table">
-            <a:tbl>
-              <a:tblPr firstRow="1" bandRow="1">
-                <a:tableStyleId>{5C22544A-7EE6-4342-B048-85BDC9FD1C3A}</a:tableStyleId>
-              </a:tblPr>
-              <a:tblGrid>
-                <a:gridCol w="3282198">
-                  <a:extLst>
-                    <a:ext uri="{9D8B030D-6E8A-4147-A177-3AD203B41FA5}">
-                      <a16:colId xmlns:a16="http://schemas.microsoft.com/office/drawing/2014/main" val="900049784"/>
-                    </a:ext>
-                  </a:extLst>
-                </a:gridCol>
-                <a:gridCol w="7053604">
-                  <a:extLst>
-                    <a:ext uri="{9D8B030D-6E8A-4147-A177-3AD203B41FA5}">
-                      <a16:colId xmlns:a16="http://schemas.microsoft.com/office/drawing/2014/main" val="928557316"/>
-                    </a:ext>
-                  </a:extLst>
-                </a:gridCol>
-              </a:tblGrid>
-              <a:tr h="370840">
-                <a:tc>
-                  <a:txBody>
-                    <a:bodyPr/>
-                    <a:lstStyle/>
-                    <a:p>
-                      <a:r>
-                        <a:rPr lang="en-GB" sz="2400" dirty="0"/>
-                        <a:t>The feature</a:t>
-                      </a:r>
-                      <a:endParaRPr lang="en-CA" sz="2400" dirty="0"/>
-                    </a:p>
-                  </a:txBody>
-                  <a:tcPr/>
-                </a:tc>
-                <a:tc>
-                  <a:txBody>
-                    <a:bodyPr/>
-                    <a:lstStyle/>
-                    <a:p>
-                      <a:r>
-                        <a:rPr lang="en-GB" sz="2400" dirty="0"/>
-                        <a:t>The meaning </a:t>
-                      </a:r>
-                      <a:endParaRPr lang="en-CA" sz="2400" dirty="0"/>
-                    </a:p>
-                  </a:txBody>
-                  <a:tcPr/>
-                </a:tc>
-                <a:extLst>
-                  <a:ext uri="{0D108BD9-81ED-4DB2-BD59-A6C34878D82A}">
-                    <a16:rowId xmlns:a16="http://schemas.microsoft.com/office/drawing/2014/main" val="1113306257"/>
-                  </a:ext>
-                </a:extLst>
-              </a:tr>
-              <a:tr h="370840">
-                <a:tc>
-                  <a:txBody>
-                    <a:bodyPr/>
-                    <a:lstStyle/>
-                    <a:p>
-                      <a:pPr marL="0" marR="0" lvl="0" indent="0" algn="l" defTabSz="914400" rtl="0" eaLnBrk="1" fontAlgn="auto" latinLnBrk="0" hangingPunct="1">
-                        <a:lnSpc>
-                          <a:spcPct val="100000"/>
-                        </a:lnSpc>
-                        <a:spcBef>
-                          <a:spcPts val="0"/>
-                        </a:spcBef>
-                        <a:spcAft>
-                          <a:spcPts val="0"/>
-                        </a:spcAft>
-                        <a:buClrTx/>
-                        <a:buSzTx/>
-                        <a:buFontTx/>
-                        <a:buNone/>
-                        <a:tabLst/>
-                        <a:defRPr/>
-                      </a:pPr>
-                      <a:r>
-                        <a:rPr lang="en-CA" sz="2400" b="1" i="0" kern="1200" dirty="0" err="1">
-                          <a:solidFill>
-                            <a:schemeClr val="dk1"/>
-                          </a:solidFill>
-                          <a:effectLst/>
-                          <a:latin typeface="+mn-lt"/>
-                          <a:ea typeface="+mn-ea"/>
-                          <a:cs typeface="+mn-cs"/>
-                        </a:rPr>
-                        <a:t>ExtracurricularActivities</a:t>
-                      </a:r>
-                      <a:endParaRPr lang="en-CA" sz="2400" dirty="0"/>
-                    </a:p>
-                  </a:txBody>
-                  <a:tcPr/>
-                </a:tc>
-                <a:tc>
-                  <a:txBody>
-                    <a:bodyPr/>
-                    <a:lstStyle/>
-                    <a:p>
-                      <a:pPr marL="0" marR="0" lvl="0" indent="0" algn="l" defTabSz="914400" rtl="0" eaLnBrk="1" fontAlgn="auto" latinLnBrk="0" hangingPunct="1">
-                        <a:lnSpc>
-                          <a:spcPct val="100000"/>
-                        </a:lnSpc>
-                        <a:spcBef>
-                          <a:spcPts val="0"/>
-                        </a:spcBef>
-                        <a:spcAft>
-                          <a:spcPts val="0"/>
-                        </a:spcAft>
-                        <a:buClrTx/>
-                        <a:buSzTx/>
-                        <a:buFontTx/>
-                        <a:buNone/>
-                        <a:tabLst/>
-                        <a:defRPr/>
-                      </a:pPr>
-                      <a:r>
-                        <a:rPr lang="en-CA" sz="2400" b="0" i="0" kern="1200" dirty="0">
-                          <a:solidFill>
-                            <a:schemeClr val="dk1"/>
-                          </a:solidFill>
-                          <a:effectLst/>
-                          <a:latin typeface="+mn-lt"/>
-                          <a:ea typeface="+mn-ea"/>
-                          <a:cs typeface="+mn-cs"/>
-                        </a:rPr>
-                        <a:t>number of activities the student participates in sport.. to see if </a:t>
-                      </a:r>
-                      <a:r>
-                        <a:rPr lang="en-CA" sz="2400" b="0" i="0" kern="1200" dirty="0" err="1">
-                          <a:solidFill>
-                            <a:schemeClr val="dk1"/>
-                          </a:solidFill>
-                          <a:effectLst/>
-                          <a:latin typeface="+mn-lt"/>
-                          <a:ea typeface="+mn-ea"/>
-                          <a:cs typeface="+mn-cs"/>
-                        </a:rPr>
-                        <a:t>activies</a:t>
-                      </a:r>
-                      <a:r>
-                        <a:rPr lang="en-CA" sz="2400" b="0" i="0" kern="1200" dirty="0">
-                          <a:solidFill>
-                            <a:schemeClr val="dk1"/>
-                          </a:solidFill>
-                          <a:effectLst/>
-                          <a:latin typeface="+mn-lt"/>
-                          <a:ea typeface="+mn-ea"/>
-                          <a:cs typeface="+mn-cs"/>
-                        </a:rPr>
-                        <a:t> help</a:t>
-                      </a:r>
-                      <a:endParaRPr lang="en-CA" sz="2400" dirty="0"/>
-                    </a:p>
-                  </a:txBody>
-                  <a:tcPr/>
-                </a:tc>
-                <a:extLst>
-                  <a:ext uri="{0D108BD9-81ED-4DB2-BD59-A6C34878D82A}">
-                    <a16:rowId xmlns:a16="http://schemas.microsoft.com/office/drawing/2014/main" val="4153320468"/>
-                  </a:ext>
-                </a:extLst>
-              </a:tr>
-              <a:tr h="370840">
-                <a:tc>
-                  <a:txBody>
-                    <a:bodyPr/>
-                    <a:lstStyle/>
-                    <a:p>
-                      <a:pPr marL="0" marR="0" lvl="0" indent="0" algn="l" defTabSz="914400" rtl="0" eaLnBrk="1" fontAlgn="auto" latinLnBrk="0" hangingPunct="1">
-                        <a:lnSpc>
-                          <a:spcPct val="100000"/>
-                        </a:lnSpc>
-                        <a:spcBef>
-                          <a:spcPts val="0"/>
-                        </a:spcBef>
-                        <a:spcAft>
-                          <a:spcPts val="0"/>
-                        </a:spcAft>
-                        <a:buClrTx/>
-                        <a:buSzTx/>
-                        <a:buFontTx/>
-                        <a:buNone/>
-                        <a:tabLst/>
-                        <a:defRPr/>
-                      </a:pPr>
-                      <a:r>
-                        <a:rPr lang="en-CA" sz="2400" b="1" i="0" kern="1200" dirty="0" err="1">
-                          <a:solidFill>
-                            <a:schemeClr val="dk1"/>
-                          </a:solidFill>
-                          <a:effectLst/>
-                          <a:latin typeface="+mn-lt"/>
-                          <a:ea typeface="+mn-ea"/>
-                          <a:cs typeface="+mn-cs"/>
-                        </a:rPr>
-                        <a:t>ParentalSupport</a:t>
-                      </a:r>
-                      <a:endParaRPr lang="en-CA" sz="2400" dirty="0"/>
-                    </a:p>
-                  </a:txBody>
-                  <a:tcPr/>
-                </a:tc>
-                <a:tc>
-                  <a:txBody>
-                    <a:bodyPr/>
-                    <a:lstStyle/>
-                    <a:p>
-                      <a:pPr marL="0" marR="0" lvl="0" indent="0" algn="l" defTabSz="914400" rtl="0" eaLnBrk="1" fontAlgn="auto" latinLnBrk="0" hangingPunct="1">
-                        <a:lnSpc>
-                          <a:spcPct val="100000"/>
-                        </a:lnSpc>
-                        <a:spcBef>
-                          <a:spcPts val="0"/>
-                        </a:spcBef>
-                        <a:spcAft>
-                          <a:spcPts val="0"/>
-                        </a:spcAft>
-                        <a:buClrTx/>
-                        <a:buSzTx/>
-                        <a:buFontTx/>
-                        <a:buNone/>
-                        <a:tabLst/>
-                        <a:defRPr/>
-                      </a:pPr>
-                      <a:r>
-                        <a:rPr lang="en-CA" sz="2400" b="0" i="0" kern="1200" dirty="0">
-                          <a:solidFill>
-                            <a:schemeClr val="dk1"/>
-                          </a:solidFill>
-                          <a:effectLst/>
-                          <a:latin typeface="+mn-lt"/>
-                          <a:ea typeface="+mn-ea"/>
-                          <a:cs typeface="+mn-cs"/>
-                        </a:rPr>
-                        <a:t>Level of support at home (Low / Medium / High) to see if getting supported helps we use it in predictions</a:t>
-                      </a:r>
-                      <a:endParaRPr lang="en-CA" sz="2400" dirty="0"/>
-                    </a:p>
-                    <a:p>
-                      <a:endParaRPr lang="en-CA" sz="2400" dirty="0"/>
-                    </a:p>
-                  </a:txBody>
-                  <a:tcPr/>
-                </a:tc>
-                <a:extLst>
-                  <a:ext uri="{0D108BD9-81ED-4DB2-BD59-A6C34878D82A}">
-                    <a16:rowId xmlns:a16="http://schemas.microsoft.com/office/drawing/2014/main" val="3957190492"/>
-                  </a:ext>
-                </a:extLst>
-              </a:tr>
-              <a:tr h="370840">
-                <a:tc>
-                  <a:txBody>
-                    <a:bodyPr/>
-                    <a:lstStyle/>
-                    <a:p>
-                      <a:r>
-                        <a:rPr lang="en-CA" sz="2400" b="1" i="0" kern="1200" dirty="0" err="1">
-                          <a:solidFill>
-                            <a:schemeClr val="dk1"/>
-                          </a:solidFill>
-                          <a:effectLst/>
-                          <a:latin typeface="+mn-lt"/>
-                          <a:ea typeface="+mn-ea"/>
-                          <a:cs typeface="+mn-cs"/>
-                        </a:rPr>
-                        <a:t>FinalGrade</a:t>
-                      </a:r>
-                      <a:endParaRPr lang="en-CA" sz="2400" dirty="0"/>
-                    </a:p>
-                  </a:txBody>
-                  <a:tcPr/>
-                </a:tc>
-                <a:tc>
-                  <a:txBody>
-                    <a:bodyPr/>
-                    <a:lstStyle/>
-                    <a:p>
-                      <a:pPr fontAlgn="ctr">
-                        <a:buNone/>
-                      </a:pPr>
-                      <a:r>
-                        <a:rPr lang="en-CA" sz="2400" dirty="0">
-                          <a:effectLst/>
-                        </a:rPr>
-                        <a:t>the student final score in the class which is the most important thing we are looking for</a:t>
-                      </a:r>
-                    </a:p>
-                  </a:txBody>
-                  <a:tcPr anchor="ctr"/>
-                </a:tc>
-                <a:extLst>
-                  <a:ext uri="{0D108BD9-81ED-4DB2-BD59-A6C34878D82A}">
-                    <a16:rowId xmlns:a16="http://schemas.microsoft.com/office/drawing/2014/main" val="2192559529"/>
-                  </a:ext>
-                </a:extLst>
-              </a:tr>
-              <a:tr h="370840">
-                <a:tc>
-                  <a:txBody>
-                    <a:bodyPr/>
-                    <a:lstStyle/>
-                    <a:p>
-                      <a:r>
-                        <a:rPr lang="en-CA" sz="2400" b="1" i="0" kern="1200" dirty="0">
-                          <a:solidFill>
-                            <a:schemeClr val="dk1"/>
-                          </a:solidFill>
-                          <a:effectLst/>
-                          <a:latin typeface="+mn-lt"/>
-                          <a:ea typeface="+mn-ea"/>
-                          <a:cs typeface="+mn-cs"/>
-                        </a:rPr>
-                        <a:t>Study Hours</a:t>
-                      </a:r>
-                      <a:endParaRPr lang="en-CA" sz="2400" dirty="0"/>
-                    </a:p>
-                  </a:txBody>
-                  <a:tcPr/>
-                </a:tc>
-                <a:tc>
-                  <a:txBody>
-                    <a:bodyPr/>
-                    <a:lstStyle/>
-                    <a:p>
-                      <a:r>
-                        <a:rPr lang="en-CA" sz="2400" b="0" i="0" kern="1200" dirty="0">
-                          <a:solidFill>
-                            <a:schemeClr val="dk1"/>
-                          </a:solidFill>
-                          <a:effectLst/>
-                          <a:latin typeface="+mn-lt"/>
-                          <a:ea typeface="+mn-ea"/>
-                          <a:cs typeface="+mn-cs"/>
-                        </a:rPr>
-                        <a:t>the study-hours per day this time to see daily vs weekly</a:t>
-                      </a:r>
-                      <a:endParaRPr lang="en-CA" sz="2400" dirty="0"/>
-                    </a:p>
-                  </a:txBody>
-                  <a:tcPr/>
-                </a:tc>
-                <a:extLst>
-                  <a:ext uri="{0D108BD9-81ED-4DB2-BD59-A6C34878D82A}">
-                    <a16:rowId xmlns:a16="http://schemas.microsoft.com/office/drawing/2014/main" val="1338804526"/>
-                  </a:ext>
-                </a:extLst>
-              </a:tr>
-              <a:tr h="370840">
-                <a:tc>
-                  <a:txBody>
-                    <a:bodyPr/>
-                    <a:lstStyle/>
-                    <a:p>
-                      <a:r>
-                        <a:rPr lang="en-CA" sz="2400" b="1" i="0" kern="1200" dirty="0">
-                          <a:solidFill>
-                            <a:schemeClr val="dk1"/>
-                          </a:solidFill>
-                          <a:effectLst/>
-                          <a:latin typeface="+mn-lt"/>
-                          <a:ea typeface="+mn-ea"/>
-                          <a:cs typeface="+mn-cs"/>
-                        </a:rPr>
-                        <a:t>Attendance (%)</a:t>
-                      </a:r>
-                      <a:endParaRPr lang="en-CA" sz="2400" dirty="0"/>
-                    </a:p>
-                  </a:txBody>
-                  <a:tcPr/>
-                </a:tc>
-                <a:tc>
-                  <a:txBody>
-                    <a:bodyPr/>
-                    <a:lstStyle/>
-                    <a:p>
-                      <a:r>
-                        <a:rPr lang="en-CA" sz="2400" b="0" i="0" kern="1200" dirty="0">
-                          <a:solidFill>
-                            <a:schemeClr val="dk1"/>
-                          </a:solidFill>
-                          <a:effectLst/>
-                          <a:latin typeface="+mn-lt"/>
-                          <a:ea typeface="+mn-ea"/>
-                          <a:cs typeface="+mn-cs"/>
-                        </a:rPr>
-                        <a:t>attendance percentage for online classes</a:t>
-                      </a:r>
-                      <a:endParaRPr lang="en-CA" sz="2400" dirty="0"/>
-                    </a:p>
-                  </a:txBody>
-                  <a:tcPr/>
-                </a:tc>
-                <a:extLst>
-                  <a:ext uri="{0D108BD9-81ED-4DB2-BD59-A6C34878D82A}">
-                    <a16:rowId xmlns:a16="http://schemas.microsoft.com/office/drawing/2014/main" val="3463078840"/>
-                  </a:ext>
-                </a:extLst>
-              </a:tr>
-              <a:tr h="370840">
-                <a:tc>
-                  <a:txBody>
-                    <a:bodyPr/>
-                    <a:lstStyle/>
-                    <a:p>
-                      <a:r>
-                        <a:rPr lang="en-CA" sz="2400" b="1" i="0" kern="1200" dirty="0">
-                          <a:solidFill>
-                            <a:schemeClr val="dk1"/>
-                          </a:solidFill>
-                          <a:effectLst/>
-                          <a:latin typeface="+mn-lt"/>
-                          <a:ea typeface="+mn-ea"/>
-                          <a:cs typeface="+mn-cs"/>
-                        </a:rPr>
-                        <a:t>Online Classes Taken</a:t>
-                      </a:r>
-                      <a:endParaRPr lang="en-CA" sz="2400" dirty="0"/>
-                    </a:p>
-                  </a:txBody>
-                  <a:tcPr/>
-                </a:tc>
-                <a:tc>
-                  <a:txBody>
-                    <a:bodyPr/>
-                    <a:lstStyle/>
-                    <a:p>
-                      <a:r>
-                        <a:rPr lang="en-CA" sz="2400" b="0" i="0" kern="1200" dirty="0">
-                          <a:solidFill>
-                            <a:schemeClr val="dk1"/>
-                          </a:solidFill>
-                          <a:effectLst/>
-                          <a:latin typeface="+mn-lt"/>
-                          <a:ea typeface="+mn-ea"/>
-                          <a:cs typeface="+mn-cs"/>
-                        </a:rPr>
-                        <a:t>a </a:t>
-                      </a:r>
-                      <a:r>
-                        <a:rPr lang="en-CA" sz="2400" b="0" i="0" kern="1200" dirty="0" err="1">
-                          <a:solidFill>
-                            <a:schemeClr val="dk1"/>
-                          </a:solidFill>
-                          <a:effectLst/>
-                          <a:latin typeface="+mn-lt"/>
-                          <a:ea typeface="+mn-ea"/>
-                          <a:cs typeface="+mn-cs"/>
-                        </a:rPr>
-                        <a:t>boolean</a:t>
-                      </a:r>
-                      <a:r>
-                        <a:rPr lang="en-CA" sz="2400" b="0" i="0" kern="1200" dirty="0">
-                          <a:solidFill>
-                            <a:schemeClr val="dk1"/>
-                          </a:solidFill>
-                          <a:effectLst/>
-                          <a:latin typeface="+mn-lt"/>
-                          <a:ea typeface="+mn-ea"/>
-                          <a:cs typeface="+mn-cs"/>
-                        </a:rPr>
-                        <a:t> true or false to see if taking online exams helps the student in points and we use it in predictions</a:t>
-                      </a:r>
-                      <a:endParaRPr lang="en-CA" sz="2400" dirty="0"/>
-                    </a:p>
-                  </a:txBody>
-                  <a:tcPr/>
-                </a:tc>
-                <a:extLst>
-                  <a:ext uri="{0D108BD9-81ED-4DB2-BD59-A6C34878D82A}">
-                    <a16:rowId xmlns:a16="http://schemas.microsoft.com/office/drawing/2014/main" val="835537797"/>
-                  </a:ext>
-                </a:extLst>
-              </a:tr>
-            </a:tbl>
-          </a:graphicData>
-        </a:graphic>
-      </p:graphicFrame>
-    </p:spTree>
-    <p:extLst>
-      <p:ext uri="{BB962C8B-B14F-4D97-AF65-F5344CB8AC3E}">
-        <p14:creationId xmlns:p14="http://schemas.microsoft.com/office/powerpoint/2010/main" val="1997287321"/>
-      </p:ext>
-    </p:extLst>
-  </p:cSld>
-  <p:clrMapOvr>
-    <a:masterClrMapping/>
-  </p:clrMapOvr>
-</p:sld>
-</file>
-
-<file path=ppt/slides/slide5.xml><?xml version="1.0" encoding="utf-8"?>
-<p:sld xmlns:a="http://schemas.openxmlformats.org/drawingml/2006/main" xmlns:r="http://schemas.openxmlformats.org/officeDocument/2006/relationships" xmlns:p="http://schemas.openxmlformats.org/presentationml/2006/main">
-  <p:cSld>
-    <p:spTree>
-      <p:nvGrpSpPr>
-        <p:cNvPr id="1" name=""/>
-        <p:cNvGrpSpPr/>
-        <p:nvPr/>
-      </p:nvGrpSpPr>
-      <p:grpSpPr>
-        <a:xfrm>
-          <a:off x="0" y="0"/>
-          <a:ext cx="0" cy="0"/>
-          <a:chOff x="0" y="0"/>
-          <a:chExt cx="0" cy="0"/>
-        </a:xfrm>
-      </p:grpSpPr>
-      <p:sp>
-        <p:nvSpPr>
-          <p:cNvPr id="4" name="TextBox 3">
-            <a:extLst>
-              <a:ext uri="{FF2B5EF4-FFF2-40B4-BE49-F238E27FC236}">
-                <a16:creationId xmlns:a16="http://schemas.microsoft.com/office/drawing/2014/main" id="{2C0D1E6D-5D0D-0860-BFEF-F939C948B7C3}"/>
-              </a:ext>
-            </a:extLst>
-          </p:cNvPr>
-          <p:cNvSpPr txBox="1"/>
-          <p:nvPr/>
-        </p:nvSpPr>
-        <p:spPr>
-          <a:xfrm>
-            <a:off x="0" y="678094"/>
-            <a:ext cx="6096000" cy="4696670"/>
-          </a:xfrm>
-          <a:prstGeom prst="rect">
-            <a:avLst/>
-          </a:prstGeom>
-          <a:noFill/>
-        </p:spPr>
-        <p:txBody>
-          <a:bodyPr wrap="square" rtlCol="0">
-            <a:spAutoFit/>
-          </a:bodyPr>
-          <a:lstStyle/>
-          <a:p>
-            <a:pPr>
-              <a:lnSpc>
-                <a:spcPct val="90000"/>
-              </a:lnSpc>
-              <a:spcBef>
-                <a:spcPct val="0"/>
-              </a:spcBef>
-            </a:pPr>
-            <a:r>
-              <a:rPr lang="en-CA" sz="9600" spc="-50" dirty="0">
-                <a:latin typeface="+mj-lt"/>
-                <a:ea typeface="+mj-ea"/>
-                <a:cs typeface="+mj-cs"/>
-              </a:rPr>
-              <a:t>Plots Before </a:t>
-            </a:r>
-          </a:p>
-          <a:p>
-            <a:pPr>
-              <a:lnSpc>
-                <a:spcPct val="90000"/>
-              </a:lnSpc>
-              <a:spcBef>
-                <a:spcPct val="0"/>
-              </a:spcBef>
-            </a:pPr>
-            <a:r>
-              <a:rPr lang="en-CA" sz="9600" spc="-50" dirty="0">
-                <a:latin typeface="+mj-lt"/>
-                <a:ea typeface="+mj-ea"/>
-                <a:cs typeface="+mj-cs"/>
-              </a:rPr>
-              <a:t>Clearing data</a:t>
-            </a:r>
-          </a:p>
-          <a:p>
-            <a:endParaRPr lang="en-CA" sz="4000" dirty="0"/>
-          </a:p>
-        </p:txBody>
-      </p:sp>
-      <p:pic>
-        <p:nvPicPr>
-          <p:cNvPr id="6" name="Picture 5">
-            <a:extLst>
-              <a:ext uri="{FF2B5EF4-FFF2-40B4-BE49-F238E27FC236}">
-                <a16:creationId xmlns:a16="http://schemas.microsoft.com/office/drawing/2014/main" id="{301D338A-7736-4881-BC73-7EC49A7744C7}"/>
-              </a:ext>
-            </a:extLst>
-          </p:cNvPr>
-          <p:cNvPicPr>
-            <a:picLocks noChangeAspect="1"/>
-          </p:cNvPicPr>
-          <p:nvPr/>
-        </p:nvPicPr>
-        <p:blipFill>
-          <a:blip r:embed="rId2">
-            <a:extLst>
-              <a:ext uri="{28A0092B-C50C-407E-A947-70E740481C1C}">
-                <a14:useLocalDpi xmlns:a14="http://schemas.microsoft.com/office/drawing/2010/main" val="0"/>
-              </a:ext>
-            </a:extLst>
-          </a:blip>
-          <a:stretch>
-            <a:fillRect/>
-          </a:stretch>
-        </p:blipFill>
-        <p:spPr>
-          <a:xfrm>
-            <a:off x="6349429" y="0"/>
-            <a:ext cx="5842571" cy="6858000"/>
-          </a:xfrm>
-          <a:prstGeom prst="rect">
-            <a:avLst/>
-          </a:prstGeom>
-        </p:spPr>
-      </p:pic>
-    </p:spTree>
-    <p:extLst>
-      <p:ext uri="{BB962C8B-B14F-4D97-AF65-F5344CB8AC3E}">
-        <p14:creationId xmlns:p14="http://schemas.microsoft.com/office/powerpoint/2010/main" val="2437777397"/>
-      </p:ext>
-    </p:extLst>
-  </p:cSld>
-  <p:clrMapOvr>
-    <a:masterClrMapping/>
-  </p:clrMapOvr>
-</p:sld>
-</file>
-
-<file path=ppt/slides/slide6.xml><?xml version="1.0" encoding="utf-8"?>
-<p:sld xmlns:a="http://schemas.openxmlformats.org/drawingml/2006/main" xmlns:r="http://schemas.openxmlformats.org/officeDocument/2006/relationships" xmlns:p="http://schemas.openxmlformats.org/presentationml/2006/main">
-  <p:cSld>
-    <p:spTree>
-      <p:nvGrpSpPr>
-        <p:cNvPr id="1" name=""/>
-        <p:cNvGrpSpPr/>
-        <p:nvPr/>
-      </p:nvGrpSpPr>
-      <p:grpSpPr>
-        <a:xfrm>
-          <a:off x="0" y="0"/>
-          <a:ext cx="0" cy="0"/>
-          <a:chOff x="0" y="0"/>
-          <a:chExt cx="0" cy="0"/>
-        </a:xfrm>
-      </p:grpSpPr>
-      <p:pic>
-        <p:nvPicPr>
-          <p:cNvPr id="3" name="Picture 2">
-            <a:extLst>
-              <a:ext uri="{FF2B5EF4-FFF2-40B4-BE49-F238E27FC236}">
-                <a16:creationId xmlns:a16="http://schemas.microsoft.com/office/drawing/2014/main" id="{8259DD9D-7461-25F2-1A07-315901E6CB9C}"/>
-              </a:ext>
-            </a:extLst>
-          </p:cNvPr>
-          <p:cNvPicPr>
-            <a:picLocks noChangeAspect="1"/>
-          </p:cNvPicPr>
-          <p:nvPr/>
-        </p:nvPicPr>
-        <p:blipFill>
-          <a:blip r:embed="rId2">
-            <a:extLst>
-              <a:ext uri="{28A0092B-C50C-407E-A947-70E740481C1C}">
-                <a14:useLocalDpi xmlns:a14="http://schemas.microsoft.com/office/drawing/2010/main" val="0"/>
-              </a:ext>
-            </a:extLst>
-          </a:blip>
-          <a:stretch>
-            <a:fillRect/>
-          </a:stretch>
-        </p:blipFill>
-        <p:spPr>
-          <a:xfrm>
-            <a:off x="708916" y="363446"/>
-            <a:ext cx="9852917" cy="5174326"/>
-          </a:xfrm>
-          <a:prstGeom prst="rect">
-            <a:avLst/>
-          </a:prstGeom>
-        </p:spPr>
-      </p:pic>
-      <p:sp>
-        <p:nvSpPr>
-          <p:cNvPr id="4" name="TextBox 3">
-            <a:extLst>
-              <a:ext uri="{FF2B5EF4-FFF2-40B4-BE49-F238E27FC236}">
-                <a16:creationId xmlns:a16="http://schemas.microsoft.com/office/drawing/2014/main" id="{CEE0F2D6-F98E-21DB-3D43-9EFF60195E6A}"/>
-              </a:ext>
-            </a:extLst>
-          </p:cNvPr>
-          <p:cNvSpPr txBox="1"/>
-          <p:nvPr/>
-        </p:nvSpPr>
-        <p:spPr>
-          <a:xfrm>
-            <a:off x="1705510" y="5784350"/>
-            <a:ext cx="7417942" cy="830997"/>
-          </a:xfrm>
-          <a:prstGeom prst="rect">
-            <a:avLst/>
-          </a:prstGeom>
-          <a:noFill/>
-        </p:spPr>
-        <p:txBody>
-          <a:bodyPr wrap="square" rtlCol="0">
-            <a:spAutoFit/>
-          </a:bodyPr>
-          <a:lstStyle/>
-          <a:p>
-            <a:r>
-              <a:rPr lang="en-CA" sz="2400" dirty="0"/>
-              <a:t>we use it to see distribution of final grade of students and to see if its balanced or not</a:t>
-            </a:r>
-          </a:p>
-        </p:txBody>
-      </p:sp>
-    </p:spTree>
-    <p:extLst>
-      <p:ext uri="{BB962C8B-B14F-4D97-AF65-F5344CB8AC3E}">
-        <p14:creationId xmlns:p14="http://schemas.microsoft.com/office/powerpoint/2010/main" val="233740481"/>
-      </p:ext>
-    </p:extLst>
-  </p:cSld>
-  <p:clrMapOvr>
-    <a:masterClrMapping/>
-  </p:clrMapOvr>
-</p:sld>
-</file>
-
-<file path=ppt/slides/slide7.xml><?xml version="1.0" encoding="utf-8"?>
-<p:sld xmlns:a="http://schemas.openxmlformats.org/drawingml/2006/main" xmlns:r="http://schemas.openxmlformats.org/officeDocument/2006/relationships" xmlns:p="http://schemas.openxmlformats.org/presentationml/2006/main">
-  <p:cSld>
-    <p:spTree>
-      <p:nvGrpSpPr>
-        <p:cNvPr id="1" name="">
-          <a:extLst>
-            <a:ext uri="{FF2B5EF4-FFF2-40B4-BE49-F238E27FC236}">
-              <a16:creationId xmlns:a16="http://schemas.microsoft.com/office/drawing/2014/main" id="{61FA9031-94DF-185E-F33C-C51C14FCD525}"/>
-            </a:ext>
-          </a:extLst>
-        </p:cNvPr>
-        <p:cNvGrpSpPr/>
-        <p:nvPr/>
-      </p:nvGrpSpPr>
-      <p:grpSpPr>
-        <a:xfrm>
-          <a:off x="0" y="0"/>
-          <a:ext cx="0" cy="0"/>
-          <a:chOff x="0" y="0"/>
-          <a:chExt cx="0" cy="0"/>
-        </a:xfrm>
-      </p:grpSpPr>
-      <p:sp>
-        <p:nvSpPr>
-          <p:cNvPr id="4" name="TextBox 3">
-            <a:extLst>
-              <a:ext uri="{FF2B5EF4-FFF2-40B4-BE49-F238E27FC236}">
-                <a16:creationId xmlns:a16="http://schemas.microsoft.com/office/drawing/2014/main" id="{40033333-234F-4033-23C9-4648387A7655}"/>
-              </a:ext>
-            </a:extLst>
-          </p:cNvPr>
-          <p:cNvSpPr txBox="1"/>
-          <p:nvPr/>
-        </p:nvSpPr>
-        <p:spPr>
-          <a:xfrm>
-            <a:off x="1705509" y="5784350"/>
-            <a:ext cx="8280972" cy="830997"/>
-          </a:xfrm>
-          <a:prstGeom prst="rect">
-            <a:avLst/>
-          </a:prstGeom>
-          <a:noFill/>
-        </p:spPr>
-        <p:txBody>
-          <a:bodyPr wrap="square" rtlCol="0">
-            <a:spAutoFit/>
-          </a:bodyPr>
-          <a:lstStyle/>
-          <a:p>
-            <a:r>
-              <a:rPr lang="en-CA" sz="2400" dirty="0"/>
-              <a:t>to detect outliers and median and to see how is the </a:t>
-            </a:r>
-            <a:r>
-              <a:rPr lang="en-CA" sz="2400" dirty="0" err="1"/>
-              <a:t>destrubtion</a:t>
-            </a:r>
-            <a:r>
-              <a:rPr lang="en-CA" sz="2400" dirty="0"/>
-              <a:t> for us we have normal </a:t>
-            </a:r>
-            <a:r>
-              <a:rPr lang="en-CA" sz="2400" dirty="0" err="1"/>
-              <a:t>distrubution</a:t>
-            </a:r>
-            <a:r>
-              <a:rPr lang="en-CA" sz="2400" dirty="0"/>
-              <a:t> fi </a:t>
-            </a:r>
-            <a:r>
-              <a:rPr lang="en-CA" sz="2400" dirty="0" err="1"/>
-              <a:t>nos</a:t>
-            </a:r>
-            <a:endParaRPr lang="en-CA" sz="3200" dirty="0"/>
-          </a:p>
-        </p:txBody>
-      </p:sp>
-      <p:pic>
-        <p:nvPicPr>
-          <p:cNvPr id="6" name="Picture 5">
-            <a:extLst>
-              <a:ext uri="{FF2B5EF4-FFF2-40B4-BE49-F238E27FC236}">
-                <a16:creationId xmlns:a16="http://schemas.microsoft.com/office/drawing/2014/main" id="{4AD9629D-4C31-A766-6F43-37F50BD5C0AD}"/>
-              </a:ext>
-            </a:extLst>
-          </p:cNvPr>
-          <p:cNvPicPr>
-            <a:picLocks noChangeAspect="1"/>
-          </p:cNvPicPr>
-          <p:nvPr/>
-        </p:nvPicPr>
-        <p:blipFill>
-          <a:blip r:embed="rId2">
-            <a:extLst>
-              <a:ext uri="{28A0092B-C50C-407E-A947-70E740481C1C}">
-                <a14:useLocalDpi xmlns:a14="http://schemas.microsoft.com/office/drawing/2010/main" val="0"/>
-              </a:ext>
-            </a:extLst>
-          </a:blip>
-          <a:stretch>
-            <a:fillRect/>
-          </a:stretch>
-        </p:blipFill>
-        <p:spPr>
-          <a:xfrm>
-            <a:off x="133565" y="398119"/>
-            <a:ext cx="11003622" cy="5386231"/>
-          </a:xfrm>
-          <a:prstGeom prst="rect">
-            <a:avLst/>
-          </a:prstGeom>
-        </p:spPr>
-      </p:pic>
-    </p:spTree>
-    <p:extLst>
-      <p:ext uri="{BB962C8B-B14F-4D97-AF65-F5344CB8AC3E}">
-        <p14:creationId xmlns:p14="http://schemas.microsoft.com/office/powerpoint/2010/main" val="802971452"/>
-      </p:ext>
-    </p:extLst>
-  </p:cSld>
-  <p:clrMapOvr>
-    <a:masterClrMapping/>
-  </p:clrMapOvr>
-</p:sld>
-</file>
-
-<file path=ppt/slides/slide8.xml><?xml version="1.0" encoding="utf-8"?>
-<p:sld xmlns:a="http://schemas.openxmlformats.org/drawingml/2006/main" xmlns:r="http://schemas.openxmlformats.org/officeDocument/2006/relationships" xmlns:p="http://schemas.openxmlformats.org/presentationml/2006/main">
-  <p:cSld>
-    <p:spTree>
-      <p:nvGrpSpPr>
-        <p:cNvPr id="1" name="">
-          <a:extLst>
-            <a:ext uri="{FF2B5EF4-FFF2-40B4-BE49-F238E27FC236}">
-              <a16:creationId xmlns:a16="http://schemas.microsoft.com/office/drawing/2014/main" id="{0924B04B-5E86-E9B7-F486-6775BA535031}"/>
-            </a:ext>
-          </a:extLst>
-        </p:cNvPr>
-        <p:cNvGrpSpPr/>
-        <p:nvPr/>
-      </p:nvGrpSpPr>
-      <p:grpSpPr>
-        <a:xfrm>
-          <a:off x="0" y="0"/>
-          <a:ext cx="0" cy="0"/>
-          <a:chOff x="0" y="0"/>
-          <a:chExt cx="0" cy="0"/>
-        </a:xfrm>
-      </p:grpSpPr>
-      <p:sp>
-        <p:nvSpPr>
-          <p:cNvPr id="4" name="TextBox 3">
-            <a:extLst>
-              <a:ext uri="{FF2B5EF4-FFF2-40B4-BE49-F238E27FC236}">
-                <a16:creationId xmlns:a16="http://schemas.microsoft.com/office/drawing/2014/main" id="{F8AFDB5B-6A6B-6589-5F65-4F14B79C15CB}"/>
-              </a:ext>
-            </a:extLst>
-          </p:cNvPr>
-          <p:cNvSpPr txBox="1"/>
-          <p:nvPr/>
-        </p:nvSpPr>
-        <p:spPr>
-          <a:xfrm>
-            <a:off x="1705509" y="5784350"/>
-            <a:ext cx="8280972" cy="830997"/>
-          </a:xfrm>
-          <a:prstGeom prst="rect">
-            <a:avLst/>
-          </a:prstGeom>
-          <a:noFill/>
-        </p:spPr>
-        <p:txBody>
-          <a:bodyPr wrap="square" rtlCol="0">
-            <a:spAutoFit/>
-          </a:bodyPr>
-          <a:lstStyle/>
-          <a:p>
-            <a:r>
-              <a:rPr lang="en-CA" sz="2400" dirty="0" err="1"/>
-              <a:t>tio</a:t>
-            </a:r>
-            <a:r>
-              <a:rPr lang="en-CA" sz="2400" dirty="0"/>
-              <a:t> check relation between study hours / week and the final grades mtba3din weak relation</a:t>
-            </a:r>
-            <a:endParaRPr lang="en-CA" sz="4000" dirty="0"/>
-          </a:p>
-        </p:txBody>
-      </p:sp>
-      <p:pic>
-        <p:nvPicPr>
-          <p:cNvPr id="3" name="Picture 2">
-            <a:extLst>
-              <a:ext uri="{FF2B5EF4-FFF2-40B4-BE49-F238E27FC236}">
-                <a16:creationId xmlns:a16="http://schemas.microsoft.com/office/drawing/2014/main" id="{4A8F7BAD-1352-4A62-2FE6-9DCD3F6315B3}"/>
-              </a:ext>
-            </a:extLst>
-          </p:cNvPr>
-          <p:cNvPicPr>
-            <a:picLocks noChangeAspect="1"/>
-          </p:cNvPicPr>
-          <p:nvPr/>
-        </p:nvPicPr>
-        <p:blipFill>
-          <a:blip r:embed="rId2">
-            <a:extLst>
-              <a:ext uri="{28A0092B-C50C-407E-A947-70E740481C1C}">
-                <a14:useLocalDpi xmlns:a14="http://schemas.microsoft.com/office/drawing/2010/main" val="0"/>
-              </a:ext>
-            </a:extLst>
-          </a:blip>
-          <a:stretch>
-            <a:fillRect/>
-          </a:stretch>
-        </p:blipFill>
-        <p:spPr>
-          <a:xfrm>
-            <a:off x="534256" y="311999"/>
-            <a:ext cx="10448817" cy="5472351"/>
-          </a:xfrm>
-          <a:prstGeom prst="rect">
-            <a:avLst/>
-          </a:prstGeom>
-        </p:spPr>
-      </p:pic>
-    </p:spTree>
-    <p:extLst>
-      <p:ext uri="{BB962C8B-B14F-4D97-AF65-F5344CB8AC3E}">
-        <p14:creationId xmlns:p14="http://schemas.microsoft.com/office/powerpoint/2010/main" val="3549080506"/>
-      </p:ext>
-    </p:extLst>
-  </p:cSld>
-  <p:clrMapOvr>
-    <a:masterClrMapping/>
-  </p:clrMapOvr>
-</p:sld>
-</file>
-
-<file path=ppt/slides/slide9.xml><?xml version="1.0" encoding="utf-8"?>
-<p:sld xmlns:a="http://schemas.openxmlformats.org/drawingml/2006/main" xmlns:r="http://schemas.openxmlformats.org/officeDocument/2006/relationships" xmlns:p="http://schemas.openxmlformats.org/presentationml/2006/main">
-  <p:cSld>
-    <p:spTree>
-      <p:nvGrpSpPr>
-        <p:cNvPr id="1" name="">
-          <a:extLst>
-            <a:ext uri="{FF2B5EF4-FFF2-40B4-BE49-F238E27FC236}">
-              <a16:creationId xmlns:a16="http://schemas.microsoft.com/office/drawing/2014/main" id="{BC3407C2-BBCA-4B13-CD3D-D107DA9B84B0}"/>
-            </a:ext>
-          </a:extLst>
-        </p:cNvPr>
-        <p:cNvGrpSpPr/>
-        <p:nvPr/>
-      </p:nvGrpSpPr>
-      <p:grpSpPr>
-        <a:xfrm>
-          <a:off x="0" y="0"/>
-          <a:ext cx="0" cy="0"/>
-          <a:chOff x="0" y="0"/>
-          <a:chExt cx="0" cy="0"/>
-        </a:xfrm>
-      </p:grpSpPr>
-      <p:sp>
-        <p:nvSpPr>
-          <p:cNvPr id="4" name="TextBox 3">
-            <a:extLst>
-              <a:ext uri="{FF2B5EF4-FFF2-40B4-BE49-F238E27FC236}">
-                <a16:creationId xmlns:a16="http://schemas.microsoft.com/office/drawing/2014/main" id="{DAEB2779-B4DF-13A7-6BF3-53F8AF108815}"/>
-              </a:ext>
-            </a:extLst>
-          </p:cNvPr>
-          <p:cNvSpPr txBox="1"/>
-          <p:nvPr/>
-        </p:nvSpPr>
-        <p:spPr>
-          <a:xfrm>
-            <a:off x="1955514" y="5729064"/>
-            <a:ext cx="8280972" cy="461665"/>
-          </a:xfrm>
-          <a:prstGeom prst="rect">
-            <a:avLst/>
-          </a:prstGeom>
-          <a:noFill/>
-        </p:spPr>
-        <p:txBody>
-          <a:bodyPr wrap="square" rtlCol="0">
-            <a:spAutoFit/>
-          </a:bodyPr>
-          <a:lstStyle/>
-          <a:p>
-            <a:r>
-              <a:rPr lang="en-CA" sz="2400" dirty="0"/>
-              <a:t>forth Heatmap to see which factors change together</a:t>
-            </a:r>
-            <a:endParaRPr lang="en-CA" sz="4800" dirty="0"/>
-          </a:p>
-        </p:txBody>
-      </p:sp>
-      <p:pic>
-        <p:nvPicPr>
-          <p:cNvPr id="5" name="Picture 4">
-            <a:extLst>
-              <a:ext uri="{FF2B5EF4-FFF2-40B4-BE49-F238E27FC236}">
-                <a16:creationId xmlns:a16="http://schemas.microsoft.com/office/drawing/2014/main" id="{9C5077AB-7F9F-79E4-3063-CC497E8ECE98}"/>
-              </a:ext>
-            </a:extLst>
-          </p:cNvPr>
-          <p:cNvPicPr>
-            <a:picLocks noChangeAspect="1"/>
-          </p:cNvPicPr>
-          <p:nvPr/>
-        </p:nvPicPr>
-        <p:blipFill>
-          <a:blip r:embed="rId2">
-            <a:extLst>
-              <a:ext uri="{28A0092B-C50C-407E-A947-70E740481C1C}">
-                <a14:useLocalDpi xmlns:a14="http://schemas.microsoft.com/office/drawing/2010/main" val="0"/>
-              </a:ext>
-            </a:extLst>
-          </a:blip>
-          <a:stretch>
-            <a:fillRect/>
-          </a:stretch>
-        </p:blipFill>
-        <p:spPr>
-          <a:xfrm>
-            <a:off x="292813" y="242653"/>
-            <a:ext cx="11106364" cy="5486411"/>
-          </a:xfrm>
-          <a:prstGeom prst="rect">
-            <a:avLst/>
-          </a:prstGeom>
-        </p:spPr>
-      </p:pic>
-    </p:spTree>
-    <p:extLst>
-      <p:ext uri="{BB962C8B-B14F-4D97-AF65-F5344CB8AC3E}">
-        <p14:creationId xmlns:p14="http://schemas.microsoft.com/office/powerpoint/2010/main" val="3261775954"/>
       </p:ext>
     </p:extLst>
   </p:cSld>

--- a/Presentation1.pptx
+++ b/Presentation1.pptx
@@ -3660,6 +3660,42 @@
           </a:fontRef>
         </p:style>
       </p:cxnSp>
+      <p:pic>
+        <p:nvPicPr>
+          <p:cNvPr id="3" name="Picture 2">
+            <a:extLst>
+              <a:ext uri="{FF2B5EF4-FFF2-40B4-BE49-F238E27FC236}">
+                <a16:creationId xmlns:a16="http://schemas.microsoft.com/office/drawing/2014/main" id="{A8BF365C-A5FC-1C53-CD27-FD233200443D}"/>
+              </a:ext>
+            </a:extLst>
+          </p:cNvPr>
+          <p:cNvPicPr>
+            <a:picLocks noChangeAspect="1"/>
+          </p:cNvPicPr>
+          <p:nvPr/>
+        </p:nvPicPr>
+        <p:blipFill>
+          <a:blip r:embed="rId2">
+            <a:extLst>
+              <a:ext uri="{28A0092B-C50C-407E-A947-70E740481C1C}">
+                <a14:useLocalDpi xmlns:a14="http://schemas.microsoft.com/office/drawing/2010/main" val="0"/>
+              </a:ext>
+            </a:extLst>
+          </a:blip>
+          <a:stretch>
+            <a:fillRect/>
+          </a:stretch>
+        </p:blipFill>
+        <p:spPr>
+          <a:xfrm>
+            <a:off x="2972647" y="1918340"/>
+            <a:ext cx="5571555" cy="4178666"/>
+          </a:xfrm>
+          <a:prstGeom prst="rect">
+            <a:avLst/>
+          </a:prstGeom>
+        </p:spPr>
+      </p:pic>
     </p:spTree>
     <p:extLst>
       <p:ext uri="{BB962C8B-B14F-4D97-AF65-F5344CB8AC3E}">
@@ -3786,6 +3822,42 @@
           </a:fontRef>
         </p:style>
       </p:cxnSp>
+      <p:pic>
+        <p:nvPicPr>
+          <p:cNvPr id="3" name="Picture 2">
+            <a:extLst>
+              <a:ext uri="{FF2B5EF4-FFF2-40B4-BE49-F238E27FC236}">
+                <a16:creationId xmlns:a16="http://schemas.microsoft.com/office/drawing/2014/main" id="{8EDF486D-ABC6-D324-0B93-F4322D3475A9}"/>
+              </a:ext>
+            </a:extLst>
+          </p:cNvPr>
+          <p:cNvPicPr>
+            <a:picLocks noChangeAspect="1"/>
+          </p:cNvPicPr>
+          <p:nvPr/>
+        </p:nvPicPr>
+        <p:blipFill>
+          <a:blip r:embed="rId2">
+            <a:extLst>
+              <a:ext uri="{28A0092B-C50C-407E-A947-70E740481C1C}">
+                <a14:useLocalDpi xmlns:a14="http://schemas.microsoft.com/office/drawing/2010/main" val="0"/>
+              </a:ext>
+            </a:extLst>
+          </a:blip>
+          <a:stretch>
+            <a:fillRect/>
+          </a:stretch>
+        </p:blipFill>
+        <p:spPr>
+          <a:xfrm>
+            <a:off x="2669561" y="1995750"/>
+            <a:ext cx="6400813" cy="4572009"/>
+          </a:xfrm>
+          <a:prstGeom prst="rect">
+            <a:avLst/>
+          </a:prstGeom>
+        </p:spPr>
+      </p:pic>
     </p:spTree>
     <p:extLst>
       <p:ext uri="{BB962C8B-B14F-4D97-AF65-F5344CB8AC3E}">
@@ -3844,14 +3916,13 @@
               </a:ext>
             </a:extLst>
           </a:blip>
-          <a:stretch>
-            <a:fillRect/>
-          </a:stretch>
+          <a:srcRect/>
+          <a:stretch/>
         </p:blipFill>
         <p:spPr>
           <a:xfrm>
             <a:off x="6544638" y="0"/>
-            <a:ext cx="5647362" cy="6858000"/>
+            <a:ext cx="5647362" cy="6857999"/>
           </a:xfrm>
           <a:prstGeom prst="rect">
             <a:avLst/>
@@ -3872,8 +3943,8 @@
         </p:nvSpPr>
         <p:spPr>
           <a:xfrm>
-            <a:off x="0" y="678094"/>
-            <a:ext cx="6096000" cy="3367076"/>
+            <a:off x="729465" y="2075379"/>
+            <a:ext cx="6096000" cy="2037481"/>
           </a:xfrm>
           <a:prstGeom prst="rect">
             <a:avLst/>
@@ -3900,7 +3971,7 @@
                 <a:ea typeface="+mj-ea"/>
                 <a:cs typeface="+mj-cs"/>
               </a:rPr>
-              <a:t>Cleaning data step</a:t>
+              <a:t>Plots</a:t>
             </a:r>
           </a:p>
           <a:p>
@@ -7790,10 +7861,10 @@
       </p:sp>
       <p:pic>
         <p:nvPicPr>
-          <p:cNvPr id="13" name="Picture 12">
-            <a:extLst>
-              <a:ext uri="{FF2B5EF4-FFF2-40B4-BE49-F238E27FC236}">
-                <a16:creationId xmlns:a16="http://schemas.microsoft.com/office/drawing/2014/main" id="{576102C9-4CE5-BAC6-425A-566603A1A96A}"/>
+          <p:cNvPr id="15" name="Picture 14">
+            <a:extLst>
+              <a:ext uri="{FF2B5EF4-FFF2-40B4-BE49-F238E27FC236}">
+                <a16:creationId xmlns:a16="http://schemas.microsoft.com/office/drawing/2014/main" id="{9860A269-3C4F-99EB-8913-5C461BAA3132}"/>
               </a:ext>
             </a:extLst>
           </p:cNvPr>
@@ -7816,124 +7887,14 @@
         </p:blipFill>
         <p:spPr>
           <a:xfrm>
-            <a:off x="1138714" y="2188389"/>
-            <a:ext cx="5040000" cy="3599999"/>
+            <a:off x="2440703" y="2061014"/>
+            <a:ext cx="7463583" cy="4699381"/>
           </a:xfrm>
           <a:prstGeom prst="rect">
             <a:avLst/>
           </a:prstGeom>
         </p:spPr>
       </p:pic>
-      <p:pic>
-        <p:nvPicPr>
-          <p:cNvPr id="15" name="Picture 14">
-            <a:extLst>
-              <a:ext uri="{FF2B5EF4-FFF2-40B4-BE49-F238E27FC236}">
-                <a16:creationId xmlns:a16="http://schemas.microsoft.com/office/drawing/2014/main" id="{9860A269-3C4F-99EB-8913-5C461BAA3132}"/>
-              </a:ext>
-            </a:extLst>
-          </p:cNvPr>
-          <p:cNvPicPr>
-            <a:picLocks noChangeAspect="1"/>
-          </p:cNvPicPr>
-          <p:nvPr/>
-        </p:nvPicPr>
-        <p:blipFill>
-          <a:blip r:embed="rId2">
-            <a:extLst>
-              <a:ext uri="{28A0092B-C50C-407E-A947-70E740481C1C}">
-                <a14:useLocalDpi xmlns:a14="http://schemas.microsoft.com/office/drawing/2010/main" val="0"/>
-              </a:ext>
-            </a:extLst>
-          </a:blip>
-          <a:stretch>
-            <a:fillRect/>
-          </a:stretch>
-        </p:blipFill>
-        <p:spPr>
-          <a:xfrm>
-            <a:off x="6614838" y="2188389"/>
-            <a:ext cx="5040000" cy="3600000"/>
-          </a:xfrm>
-          <a:prstGeom prst="rect">
-            <a:avLst/>
-          </a:prstGeom>
-        </p:spPr>
-      </p:pic>
-      <p:sp>
-        <p:nvSpPr>
-          <p:cNvPr id="17" name="TextBox 16">
-            <a:extLst>
-              <a:ext uri="{FF2B5EF4-FFF2-40B4-BE49-F238E27FC236}">
-                <a16:creationId xmlns:a16="http://schemas.microsoft.com/office/drawing/2014/main" id="{15FE7E49-A539-19AB-2E18-1AC4D5E7B93B}"/>
-              </a:ext>
-            </a:extLst>
-          </p:cNvPr>
-          <p:cNvSpPr txBox="1"/>
-          <p:nvPr/>
-        </p:nvSpPr>
-        <p:spPr>
-          <a:xfrm>
-            <a:off x="3328827" y="6061753"/>
-            <a:ext cx="1428108" cy="461665"/>
-          </a:xfrm>
-          <a:prstGeom prst="rect">
-            <a:avLst/>
-          </a:prstGeom>
-          <a:noFill/>
-        </p:spPr>
-        <p:txBody>
-          <a:bodyPr wrap="square" rtlCol="0">
-            <a:spAutoFit/>
-          </a:bodyPr>
-          <a:lstStyle/>
-          <a:p>
-            <a:pPr algn="ctr"/>
-            <a:r>
-              <a:rPr lang="en-GB" sz="2400" dirty="0"/>
-              <a:t>Before</a:t>
-            </a:r>
-            <a:endParaRPr lang="en-CA" sz="2400" dirty="0"/>
-          </a:p>
-        </p:txBody>
-      </p:sp>
-      <p:sp>
-        <p:nvSpPr>
-          <p:cNvPr id="18" name="TextBox 17">
-            <a:extLst>
-              <a:ext uri="{FF2B5EF4-FFF2-40B4-BE49-F238E27FC236}">
-                <a16:creationId xmlns:a16="http://schemas.microsoft.com/office/drawing/2014/main" id="{BC2FE4E1-82B3-AFE9-4E1E-439484B989A3}"/>
-              </a:ext>
-            </a:extLst>
-          </p:cNvPr>
-          <p:cNvSpPr txBox="1"/>
-          <p:nvPr/>
-        </p:nvSpPr>
-        <p:spPr>
-          <a:xfrm>
-            <a:off x="8420784" y="5983320"/>
-            <a:ext cx="1428108" cy="461665"/>
-          </a:xfrm>
-          <a:prstGeom prst="rect">
-            <a:avLst/>
-          </a:prstGeom>
-          <a:noFill/>
-        </p:spPr>
-        <p:txBody>
-          <a:bodyPr wrap="square" rtlCol="0">
-            <a:spAutoFit/>
-          </a:bodyPr>
-          <a:lstStyle/>
-          <a:p>
-            <a:pPr algn="ctr"/>
-            <a:r>
-              <a:rPr lang="en-GB" sz="2400" dirty="0"/>
-              <a:t>After</a:t>
-            </a:r>
-            <a:endParaRPr lang="en-CA" sz="2400" dirty="0"/>
-          </a:p>
-        </p:txBody>
-      </p:sp>
     </p:spTree>
     <p:extLst>
       <p:ext uri="{BB962C8B-B14F-4D97-AF65-F5344CB8AC3E}">
@@ -8293,7 +8254,7 @@
                   <a:srgbClr val="00B050"/>
                 </a:solidFill>
               </a:rPr>
-              <a:t>2 – manual filling :</a:t>
+              <a:t>1 – manual filling :</a:t>
             </a:r>
             <a:endParaRPr lang="en-CA" sz="3200" dirty="0">
               <a:solidFill>

--- a/Presentation1.pptx
+++ b/Presentation1.pptx
@@ -22,6 +22,7 @@
     <p:sldId id="276" r:id="rId16"/>
     <p:sldId id="277" r:id="rId17"/>
     <p:sldId id="278" r:id="rId18"/>
+    <p:sldId id="279" r:id="rId19"/>
   </p:sldIdLst>
   <p:sldSz cx="12192000" cy="6858000"/>
   <p:notesSz cx="6858000" cy="9144000"/>
@@ -4549,6 +4550,73 @@
     <p:extLst>
       <p:ext uri="{BB962C8B-B14F-4D97-AF65-F5344CB8AC3E}">
         <p14:creationId xmlns:p14="http://schemas.microsoft.com/office/powerpoint/2010/main" val="3741132302"/>
+      </p:ext>
+    </p:extLst>
+  </p:cSld>
+  <p:clrMapOvr>
+    <a:masterClrMapping/>
+  </p:clrMapOvr>
+</p:sld>
+</file>
+
+<file path=ppt/slides/slide18.xml><?xml version="1.0" encoding="utf-8"?>
+<p:sld xmlns:a="http://schemas.openxmlformats.org/drawingml/2006/main" xmlns:r="http://schemas.openxmlformats.org/officeDocument/2006/relationships" xmlns:p="http://schemas.openxmlformats.org/presentationml/2006/main">
+  <p:cSld>
+    <p:spTree>
+      <p:nvGrpSpPr>
+        <p:cNvPr id="1" name=""/>
+        <p:cNvGrpSpPr/>
+        <p:nvPr/>
+      </p:nvGrpSpPr>
+      <p:grpSpPr>
+        <a:xfrm>
+          <a:off x="0" y="0"/>
+          <a:ext cx="0" cy="0"/>
+          <a:chOff x="0" y="0"/>
+          <a:chExt cx="0" cy="0"/>
+        </a:xfrm>
+      </p:grpSpPr>
+      <p:sp>
+        <p:nvSpPr>
+          <p:cNvPr id="4" name="TextBox 3">
+            <a:extLst>
+              <a:ext uri="{FF2B5EF4-FFF2-40B4-BE49-F238E27FC236}">
+                <a16:creationId xmlns:a16="http://schemas.microsoft.com/office/drawing/2014/main" id="{AF763C12-4DA8-D8BB-9F79-96D0178F6351}"/>
+              </a:ext>
+            </a:extLst>
+          </p:cNvPr>
+          <p:cNvSpPr txBox="1"/>
+          <p:nvPr/>
+        </p:nvSpPr>
+        <p:spPr>
+          <a:xfrm>
+            <a:off x="3256908" y="2117525"/>
+            <a:ext cx="5527497" cy="2123658"/>
+          </a:xfrm>
+          <a:prstGeom prst="rect">
+            <a:avLst/>
+          </a:prstGeom>
+          <a:noFill/>
+        </p:spPr>
+        <p:txBody>
+          <a:bodyPr wrap="square" rtlCol="0">
+            <a:spAutoFit/>
+          </a:bodyPr>
+          <a:lstStyle/>
+          <a:p>
+            <a:pPr algn="ctr"/>
+            <a:r>
+              <a:rPr lang="en-GB" sz="6600" dirty="0"/>
+              <a:t>Thank you for your time </a:t>
+            </a:r>
+            <a:endParaRPr lang="en-CA" sz="6600" dirty="0"/>
+          </a:p>
+        </p:txBody>
+      </p:sp>
+    </p:spTree>
+    <p:extLst>
+      <p:ext uri="{BB962C8B-B14F-4D97-AF65-F5344CB8AC3E}">
+        <p14:creationId xmlns:p14="http://schemas.microsoft.com/office/powerpoint/2010/main" val="4287702520"/>
       </p:ext>
     </p:extLst>
   </p:cSld>

--- a/Presentation1.pptx
+++ b/Presentation1.pptx
@@ -278,7 +278,7 @@
           <a:p>
             <a:fld id="{05168ED7-7ABD-4B4F-A36D-3F55B8493473}" type="datetimeFigureOut">
               <a:rPr lang="en-CA" smtClean="0"/>
-              <a:t>2025-11-24</a:t>
+              <a:t>2025-11-28</a:t>
             </a:fld>
             <a:endParaRPr lang="en-CA"/>
           </a:p>
@@ -478,7 +478,7 @@
           <a:p>
             <a:fld id="{05168ED7-7ABD-4B4F-A36D-3F55B8493473}" type="datetimeFigureOut">
               <a:rPr lang="en-CA" smtClean="0"/>
-              <a:t>2025-11-24</a:t>
+              <a:t>2025-11-28</a:t>
             </a:fld>
             <a:endParaRPr lang="en-CA"/>
           </a:p>
@@ -688,7 +688,7 @@
           <a:p>
             <a:fld id="{05168ED7-7ABD-4B4F-A36D-3F55B8493473}" type="datetimeFigureOut">
               <a:rPr lang="en-CA" smtClean="0"/>
-              <a:t>2025-11-24</a:t>
+              <a:t>2025-11-28</a:t>
             </a:fld>
             <a:endParaRPr lang="en-CA"/>
           </a:p>
@@ -888,7 +888,7 @@
           <a:p>
             <a:fld id="{05168ED7-7ABD-4B4F-A36D-3F55B8493473}" type="datetimeFigureOut">
               <a:rPr lang="en-CA" smtClean="0"/>
-              <a:t>2025-11-24</a:t>
+              <a:t>2025-11-28</a:t>
             </a:fld>
             <a:endParaRPr lang="en-CA"/>
           </a:p>
@@ -1164,7 +1164,7 @@
           <a:p>
             <a:fld id="{05168ED7-7ABD-4B4F-A36D-3F55B8493473}" type="datetimeFigureOut">
               <a:rPr lang="en-CA" smtClean="0"/>
-              <a:t>2025-11-24</a:t>
+              <a:t>2025-11-28</a:t>
             </a:fld>
             <a:endParaRPr lang="en-CA"/>
           </a:p>
@@ -1432,7 +1432,7 @@
           <a:p>
             <a:fld id="{05168ED7-7ABD-4B4F-A36D-3F55B8493473}" type="datetimeFigureOut">
               <a:rPr lang="en-CA" smtClean="0"/>
-              <a:t>2025-11-24</a:t>
+              <a:t>2025-11-28</a:t>
             </a:fld>
             <a:endParaRPr lang="en-CA"/>
           </a:p>
@@ -1847,7 +1847,7 @@
           <a:p>
             <a:fld id="{05168ED7-7ABD-4B4F-A36D-3F55B8493473}" type="datetimeFigureOut">
               <a:rPr lang="en-CA" smtClean="0"/>
-              <a:t>2025-11-24</a:t>
+              <a:t>2025-11-28</a:t>
             </a:fld>
             <a:endParaRPr lang="en-CA"/>
           </a:p>
@@ -1989,7 +1989,7 @@
           <a:p>
             <a:fld id="{05168ED7-7ABD-4B4F-A36D-3F55B8493473}" type="datetimeFigureOut">
               <a:rPr lang="en-CA" smtClean="0"/>
-              <a:t>2025-11-24</a:t>
+              <a:t>2025-11-28</a:t>
             </a:fld>
             <a:endParaRPr lang="en-CA"/>
           </a:p>
@@ -2102,7 +2102,7 @@
           <a:p>
             <a:fld id="{05168ED7-7ABD-4B4F-A36D-3F55B8493473}" type="datetimeFigureOut">
               <a:rPr lang="en-CA" smtClean="0"/>
-              <a:t>2025-11-24</a:t>
+              <a:t>2025-11-28</a:t>
             </a:fld>
             <a:endParaRPr lang="en-CA"/>
           </a:p>
@@ -2415,7 +2415,7 @@
           <a:p>
             <a:fld id="{05168ED7-7ABD-4B4F-A36D-3F55B8493473}" type="datetimeFigureOut">
               <a:rPr lang="en-CA" smtClean="0"/>
-              <a:t>2025-11-24</a:t>
+              <a:t>2025-11-28</a:t>
             </a:fld>
             <a:endParaRPr lang="en-CA"/>
           </a:p>
@@ -2704,7 +2704,7 @@
           <a:p>
             <a:fld id="{05168ED7-7ABD-4B4F-A36D-3F55B8493473}" type="datetimeFigureOut">
               <a:rPr lang="en-CA" smtClean="0"/>
-              <a:t>2025-11-24</a:t>
+              <a:t>2025-11-28</a:t>
             </a:fld>
             <a:endParaRPr lang="en-CA"/>
           </a:p>
@@ -2947,7 +2947,7 @@
           <a:p>
             <a:fld id="{05168ED7-7ABD-4B4F-A36D-3F55B8493473}" type="datetimeFigureOut">
               <a:rPr lang="en-CA" smtClean="0"/>
-              <a:t>2025-11-24</a:t>
+              <a:t>2025-11-28</a:t>
             </a:fld>
             <a:endParaRPr lang="en-CA"/>
           </a:p>
@@ -3639,7 +3639,7 @@
         </p:nvCxnSpPr>
         <p:spPr>
           <a:xfrm>
-            <a:off x="821933" y="195209"/>
+            <a:off x="0" y="195208"/>
             <a:ext cx="0" cy="6565187"/>
           </a:xfrm>
           <a:prstGeom prst="line">
@@ -3666,7 +3666,7 @@
           <p:cNvPr id="3" name="Picture 2">
             <a:extLst>
               <a:ext uri="{FF2B5EF4-FFF2-40B4-BE49-F238E27FC236}">
-                <a16:creationId xmlns:a16="http://schemas.microsoft.com/office/drawing/2014/main" id="{A8BF365C-A5FC-1C53-CD27-FD233200443D}"/>
+                <a16:creationId xmlns:a16="http://schemas.microsoft.com/office/drawing/2014/main" id="{FEFF0877-197D-4C93-E6DB-8277AFE94F5F}"/>
               </a:ext>
             </a:extLst>
           </p:cNvPr>
@@ -3689,14 +3689,86 @@
         </p:blipFill>
         <p:spPr>
           <a:xfrm>
-            <a:off x="2972647" y="1918340"/>
-            <a:ext cx="5571555" cy="4178666"/>
+            <a:off x="-1" y="2749442"/>
+            <a:ext cx="12192000" cy="1646003"/>
           </a:xfrm>
           <a:prstGeom prst="rect">
             <a:avLst/>
           </a:prstGeom>
         </p:spPr>
       </p:pic>
+      <p:pic>
+        <p:nvPicPr>
+          <p:cNvPr id="7" name="Picture 6">
+            <a:extLst>
+              <a:ext uri="{FF2B5EF4-FFF2-40B4-BE49-F238E27FC236}">
+                <a16:creationId xmlns:a16="http://schemas.microsoft.com/office/drawing/2014/main" id="{92F8A1F6-1FEC-2AB0-E6A9-B0F56BD40CFD}"/>
+              </a:ext>
+            </a:extLst>
+          </p:cNvPr>
+          <p:cNvPicPr>
+            <a:picLocks noChangeAspect="1"/>
+          </p:cNvPicPr>
+          <p:nvPr/>
+        </p:nvPicPr>
+        <p:blipFill>
+          <a:blip r:embed="rId3">
+            <a:extLst>
+              <a:ext uri="{28A0092B-C50C-407E-A947-70E740481C1C}">
+                <a14:useLocalDpi xmlns:a14="http://schemas.microsoft.com/office/drawing/2010/main" val="0"/>
+              </a:ext>
+            </a:extLst>
+          </a:blip>
+          <a:stretch>
+            <a:fillRect/>
+          </a:stretch>
+        </p:blipFill>
+        <p:spPr>
+          <a:xfrm>
+            <a:off x="0" y="4808126"/>
+            <a:ext cx="12192000" cy="1467875"/>
+          </a:xfrm>
+          <a:prstGeom prst="rect">
+            <a:avLst/>
+          </a:prstGeom>
+        </p:spPr>
+      </p:pic>
+      <p:sp>
+        <p:nvSpPr>
+          <p:cNvPr id="8" name="TextBox 7">
+            <a:extLst>
+              <a:ext uri="{FF2B5EF4-FFF2-40B4-BE49-F238E27FC236}">
+                <a16:creationId xmlns:a16="http://schemas.microsoft.com/office/drawing/2014/main" id="{5EEE25E9-E485-758B-C670-A30EACF151BC}"/>
+              </a:ext>
+            </a:extLst>
+          </p:cNvPr>
+          <p:cNvSpPr txBox="1"/>
+          <p:nvPr/>
+        </p:nvSpPr>
+        <p:spPr>
+          <a:xfrm>
+            <a:off x="897272" y="1875096"/>
+            <a:ext cx="11171437" cy="461665"/>
+          </a:xfrm>
+          <a:prstGeom prst="rect">
+            <a:avLst/>
+          </a:prstGeom>
+          <a:noFill/>
+        </p:spPr>
+        <p:txBody>
+          <a:bodyPr wrap="square" rtlCol="0">
+            <a:spAutoFit/>
+          </a:bodyPr>
+          <a:lstStyle/>
+          <a:p>
+            <a:r>
+              <a:rPr lang="en-CA" sz="2400" b="1" dirty="0"/>
+              <a:t>In our study, we notice that there are characteristics that are not useful to us, such as:</a:t>
+            </a:r>
+            <a:endParaRPr lang="en-CA" sz="2400" dirty="0"/>
+          </a:p>
+        </p:txBody>
+      </p:sp>
     </p:spTree>
     <p:extLst>
       <p:ext uri="{BB962C8B-B14F-4D97-AF65-F5344CB8AC3E}">
@@ -3828,7 +3900,7 @@
           <p:cNvPr id="3" name="Picture 2">
             <a:extLst>
               <a:ext uri="{FF2B5EF4-FFF2-40B4-BE49-F238E27FC236}">
-                <a16:creationId xmlns:a16="http://schemas.microsoft.com/office/drawing/2014/main" id="{8EDF486D-ABC6-D324-0B93-F4322D3475A9}"/>
+                <a16:creationId xmlns:a16="http://schemas.microsoft.com/office/drawing/2014/main" id="{4CB9BDB9-1532-C64B-B43F-F490E6576059}"/>
               </a:ext>
             </a:extLst>
           </p:cNvPr>
@@ -3851,14 +3923,127 @@
         </p:blipFill>
         <p:spPr>
           <a:xfrm>
-            <a:off x="2669561" y="1995750"/>
-            <a:ext cx="6400813" cy="4572009"/>
+            <a:off x="1258854" y="2034495"/>
+            <a:ext cx="4680000" cy="3303313"/>
           </a:xfrm>
           <a:prstGeom prst="rect">
             <a:avLst/>
           </a:prstGeom>
         </p:spPr>
       </p:pic>
+      <p:pic>
+        <p:nvPicPr>
+          <p:cNvPr id="7" name="Picture 6">
+            <a:extLst>
+              <a:ext uri="{FF2B5EF4-FFF2-40B4-BE49-F238E27FC236}">
+                <a16:creationId xmlns:a16="http://schemas.microsoft.com/office/drawing/2014/main" id="{816F17FC-023E-9518-AA2B-F6F75E342087}"/>
+              </a:ext>
+            </a:extLst>
+          </p:cNvPr>
+          <p:cNvPicPr>
+            <a:picLocks noChangeAspect="1"/>
+          </p:cNvPicPr>
+          <p:nvPr/>
+        </p:nvPicPr>
+        <p:blipFill>
+          <a:blip r:embed="rId3">
+            <a:extLst>
+              <a:ext uri="{28A0092B-C50C-407E-A947-70E740481C1C}">
+                <a14:useLocalDpi xmlns:a14="http://schemas.microsoft.com/office/drawing/2010/main" val="0"/>
+              </a:ext>
+            </a:extLst>
+          </a:blip>
+          <a:stretch>
+            <a:fillRect/>
+          </a:stretch>
+        </p:blipFill>
+        <p:spPr>
+          <a:xfrm>
+            <a:off x="6745642" y="2034495"/>
+            <a:ext cx="5137932" cy="3304800"/>
+          </a:xfrm>
+          <a:prstGeom prst="rect">
+            <a:avLst/>
+          </a:prstGeom>
+        </p:spPr>
+      </p:pic>
+      <p:sp>
+        <p:nvSpPr>
+          <p:cNvPr id="8" name="TextBox 7">
+            <a:extLst>
+              <a:ext uri="{FF2B5EF4-FFF2-40B4-BE49-F238E27FC236}">
+                <a16:creationId xmlns:a16="http://schemas.microsoft.com/office/drawing/2014/main" id="{565D6B65-D9AD-D3CC-1FE2-A3D3F6CC5599}"/>
+              </a:ext>
+            </a:extLst>
+          </p:cNvPr>
+          <p:cNvSpPr txBox="1"/>
+          <p:nvPr/>
+        </p:nvSpPr>
+        <p:spPr>
+          <a:xfrm>
+            <a:off x="3070674" y="6129894"/>
+            <a:ext cx="1160980" cy="461665"/>
+          </a:xfrm>
+          <a:prstGeom prst="rect">
+            <a:avLst/>
+          </a:prstGeom>
+          <a:noFill/>
+        </p:spPr>
+        <p:txBody>
+          <a:bodyPr wrap="square" rtlCol="0">
+            <a:spAutoFit/>
+          </a:bodyPr>
+          <a:lstStyle/>
+          <a:p>
+            <a:pPr algn="ctr"/>
+            <a:r>
+              <a:rPr lang="en-GB" sz="2400" dirty="0"/>
+              <a:t>Before</a:t>
+            </a:r>
+            <a:r>
+              <a:rPr lang="en-CA" sz="2400" dirty="0"/>
+              <a:t> </a:t>
+            </a:r>
+            <a:endParaRPr lang="en-GB" sz="2400" dirty="0"/>
+          </a:p>
+        </p:txBody>
+      </p:sp>
+      <p:sp>
+        <p:nvSpPr>
+          <p:cNvPr id="9" name="TextBox 8">
+            <a:extLst>
+              <a:ext uri="{FF2B5EF4-FFF2-40B4-BE49-F238E27FC236}">
+                <a16:creationId xmlns:a16="http://schemas.microsoft.com/office/drawing/2014/main" id="{19E0017A-1378-F59D-52EA-8AE8977C3675}"/>
+              </a:ext>
+            </a:extLst>
+          </p:cNvPr>
+          <p:cNvSpPr txBox="1"/>
+          <p:nvPr/>
+        </p:nvSpPr>
+        <p:spPr>
+          <a:xfrm>
+            <a:off x="8156530" y="6129892"/>
+            <a:ext cx="1160980" cy="461665"/>
+          </a:xfrm>
+          <a:prstGeom prst="rect">
+            <a:avLst/>
+          </a:prstGeom>
+          <a:noFill/>
+        </p:spPr>
+        <p:txBody>
+          <a:bodyPr wrap="square" rtlCol="0">
+            <a:spAutoFit/>
+          </a:bodyPr>
+          <a:lstStyle/>
+          <a:p>
+            <a:pPr algn="ctr"/>
+            <a:r>
+              <a:rPr lang="en-GB" sz="2400" dirty="0"/>
+              <a:t>After </a:t>
+            </a:r>
+          </a:p>
+        </p:txBody>
+      </p:sp>
     </p:spTree>
     <p:extLst>
       <p:ext uri="{BB962C8B-B14F-4D97-AF65-F5344CB8AC3E}">
@@ -7929,10 +8114,10 @@
       </p:sp>
       <p:pic>
         <p:nvPicPr>
-          <p:cNvPr id="15" name="Picture 14">
-            <a:extLst>
-              <a:ext uri="{FF2B5EF4-FFF2-40B4-BE49-F238E27FC236}">
-                <a16:creationId xmlns:a16="http://schemas.microsoft.com/office/drawing/2014/main" id="{9860A269-3C4F-99EB-8913-5C461BAA3132}"/>
+          <p:cNvPr id="4" name="Picture 3">
+            <a:extLst>
+              <a:ext uri="{FF2B5EF4-FFF2-40B4-BE49-F238E27FC236}">
+                <a16:creationId xmlns:a16="http://schemas.microsoft.com/office/drawing/2014/main" id="{28963107-70DB-0FB7-C97A-8EC8AFE9E19B}"/>
               </a:ext>
             </a:extLst>
           </p:cNvPr>
@@ -7955,14 +8140,127 @@
         </p:blipFill>
         <p:spPr>
           <a:xfrm>
-            <a:off x="2440703" y="2061014"/>
-            <a:ext cx="7463583" cy="4699381"/>
+            <a:off x="1661012" y="2387557"/>
+            <a:ext cx="3691821" cy="3262842"/>
           </a:xfrm>
           <a:prstGeom prst="rect">
             <a:avLst/>
           </a:prstGeom>
         </p:spPr>
       </p:pic>
+      <p:pic>
+        <p:nvPicPr>
+          <p:cNvPr id="8" name="Picture 7">
+            <a:extLst>
+              <a:ext uri="{FF2B5EF4-FFF2-40B4-BE49-F238E27FC236}">
+                <a16:creationId xmlns:a16="http://schemas.microsoft.com/office/drawing/2014/main" id="{5FEFA8A0-062C-BF15-697D-B863E93AB0A0}"/>
+              </a:ext>
+            </a:extLst>
+          </p:cNvPr>
+          <p:cNvPicPr>
+            <a:picLocks noChangeAspect="1"/>
+          </p:cNvPicPr>
+          <p:nvPr/>
+        </p:nvPicPr>
+        <p:blipFill>
+          <a:blip r:embed="rId3">
+            <a:extLst>
+              <a:ext uri="{28A0092B-C50C-407E-A947-70E740481C1C}">
+                <a14:useLocalDpi xmlns:a14="http://schemas.microsoft.com/office/drawing/2010/main" val="0"/>
+              </a:ext>
+            </a:extLst>
+          </a:blip>
+          <a:stretch>
+            <a:fillRect/>
+          </a:stretch>
+        </p:blipFill>
+        <p:spPr>
+          <a:xfrm>
+            <a:off x="6904237" y="2387557"/>
+            <a:ext cx="3796289" cy="3261600"/>
+          </a:xfrm>
+          <a:prstGeom prst="rect">
+            <a:avLst/>
+          </a:prstGeom>
+        </p:spPr>
+      </p:pic>
+      <p:sp>
+        <p:nvSpPr>
+          <p:cNvPr id="9" name="TextBox 8">
+            <a:extLst>
+              <a:ext uri="{FF2B5EF4-FFF2-40B4-BE49-F238E27FC236}">
+                <a16:creationId xmlns:a16="http://schemas.microsoft.com/office/drawing/2014/main" id="{16BC8362-B358-09DE-2B5E-BDF9BBB3F2D9}"/>
+              </a:ext>
+            </a:extLst>
+          </p:cNvPr>
+          <p:cNvSpPr txBox="1"/>
+          <p:nvPr/>
+        </p:nvSpPr>
+        <p:spPr>
+          <a:xfrm>
+            <a:off x="3070674" y="6129894"/>
+            <a:ext cx="1160980" cy="461665"/>
+          </a:xfrm>
+          <a:prstGeom prst="rect">
+            <a:avLst/>
+          </a:prstGeom>
+          <a:noFill/>
+        </p:spPr>
+        <p:txBody>
+          <a:bodyPr wrap="square" rtlCol="0">
+            <a:spAutoFit/>
+          </a:bodyPr>
+          <a:lstStyle/>
+          <a:p>
+            <a:pPr algn="ctr"/>
+            <a:r>
+              <a:rPr lang="en-GB" sz="2400" dirty="0"/>
+              <a:t>Before</a:t>
+            </a:r>
+            <a:r>
+              <a:rPr lang="en-CA" sz="2400" dirty="0"/>
+              <a:t> </a:t>
+            </a:r>
+            <a:endParaRPr lang="en-GB" sz="2400" dirty="0"/>
+          </a:p>
+        </p:txBody>
+      </p:sp>
+      <p:sp>
+        <p:nvSpPr>
+          <p:cNvPr id="10" name="TextBox 9">
+            <a:extLst>
+              <a:ext uri="{FF2B5EF4-FFF2-40B4-BE49-F238E27FC236}">
+                <a16:creationId xmlns:a16="http://schemas.microsoft.com/office/drawing/2014/main" id="{E8B729AC-9D31-AD72-9F99-1DE519F9C34D}"/>
+              </a:ext>
+            </a:extLst>
+          </p:cNvPr>
+          <p:cNvSpPr txBox="1"/>
+          <p:nvPr/>
+        </p:nvSpPr>
+        <p:spPr>
+          <a:xfrm>
+            <a:off x="8156530" y="6129892"/>
+            <a:ext cx="1160980" cy="461665"/>
+          </a:xfrm>
+          <a:prstGeom prst="rect">
+            <a:avLst/>
+          </a:prstGeom>
+          <a:noFill/>
+        </p:spPr>
+        <p:txBody>
+          <a:bodyPr wrap="square" rtlCol="0">
+            <a:spAutoFit/>
+          </a:bodyPr>
+          <a:lstStyle/>
+          <a:p>
+            <a:pPr algn="ctr"/>
+            <a:r>
+              <a:rPr lang="en-GB" sz="2400" dirty="0"/>
+              <a:t>After </a:t>
+            </a:r>
+          </a:p>
+        </p:txBody>
+      </p:sp>
     </p:spTree>
     <p:extLst>
       <p:ext uri="{BB962C8B-B14F-4D97-AF65-F5344CB8AC3E}">
@@ -8512,12 +8810,84 @@
           </a:p>
         </p:txBody>
       </p:sp>
-      <p:sp>
-        <p:nvSpPr>
-          <p:cNvPr id="12" name="TextBox 11">
-            <a:extLst>
-              <a:ext uri="{FF2B5EF4-FFF2-40B4-BE49-F238E27FC236}">
-                <a16:creationId xmlns:a16="http://schemas.microsoft.com/office/drawing/2014/main" id="{DB054DAB-A004-4532-F515-46CFABB9FBF2}"/>
+      <p:pic>
+        <p:nvPicPr>
+          <p:cNvPr id="3" name="Picture 2">
+            <a:extLst>
+              <a:ext uri="{FF2B5EF4-FFF2-40B4-BE49-F238E27FC236}">
+                <a16:creationId xmlns:a16="http://schemas.microsoft.com/office/drawing/2014/main" id="{34C2E89A-C243-B837-9C90-BAFC349BC0A8}"/>
+              </a:ext>
+            </a:extLst>
+          </p:cNvPr>
+          <p:cNvPicPr>
+            <a:picLocks noChangeAspect="1"/>
+          </p:cNvPicPr>
+          <p:nvPr/>
+        </p:nvPicPr>
+        <p:blipFill>
+          <a:blip r:embed="rId2">
+            <a:extLst>
+              <a:ext uri="{28A0092B-C50C-407E-A947-70E740481C1C}">
+                <a14:useLocalDpi xmlns:a14="http://schemas.microsoft.com/office/drawing/2010/main" val="0"/>
+              </a:ext>
+            </a:extLst>
+          </a:blip>
+          <a:stretch>
+            <a:fillRect/>
+          </a:stretch>
+        </p:blipFill>
+        <p:spPr>
+          <a:xfrm>
+            <a:off x="1778240" y="2576836"/>
+            <a:ext cx="3745848" cy="3382173"/>
+          </a:xfrm>
+          <a:prstGeom prst="rect">
+            <a:avLst/>
+          </a:prstGeom>
+        </p:spPr>
+      </p:pic>
+      <p:pic>
+        <p:nvPicPr>
+          <p:cNvPr id="8" name="Picture 7">
+            <a:extLst>
+              <a:ext uri="{FF2B5EF4-FFF2-40B4-BE49-F238E27FC236}">
+                <a16:creationId xmlns:a16="http://schemas.microsoft.com/office/drawing/2014/main" id="{0FE0CE61-127F-4594-D8F7-BCBAFC5CAAFA}"/>
+              </a:ext>
+            </a:extLst>
+          </p:cNvPr>
+          <p:cNvPicPr>
+            <a:picLocks noChangeAspect="1"/>
+          </p:cNvPicPr>
+          <p:nvPr/>
+        </p:nvPicPr>
+        <p:blipFill>
+          <a:blip r:embed="rId3">
+            <a:extLst>
+              <a:ext uri="{28A0092B-C50C-407E-A947-70E740481C1C}">
+                <a14:useLocalDpi xmlns:a14="http://schemas.microsoft.com/office/drawing/2010/main" val="0"/>
+              </a:ext>
+            </a:extLst>
+          </a:blip>
+          <a:stretch>
+            <a:fillRect/>
+          </a:stretch>
+        </p:blipFill>
+        <p:spPr>
+          <a:xfrm>
+            <a:off x="6847414" y="2575009"/>
+            <a:ext cx="3779212" cy="3384000"/>
+          </a:xfrm>
+          <a:prstGeom prst="rect">
+            <a:avLst/>
+          </a:prstGeom>
+        </p:spPr>
+      </p:pic>
+      <p:sp>
+        <p:nvSpPr>
+          <p:cNvPr id="9" name="TextBox 8">
+            <a:extLst>
+              <a:ext uri="{FF2B5EF4-FFF2-40B4-BE49-F238E27FC236}">
+                <a16:creationId xmlns:a16="http://schemas.microsoft.com/office/drawing/2014/main" id="{E8C0A9CA-A7E1-6FF0-1B13-C376321806D8}"/>
               </a:ext>
             </a:extLst>
           </p:cNvPr>
@@ -8526,8 +8896,8 @@
         </p:nvSpPr>
         <p:spPr>
           <a:xfrm>
-            <a:off x="2178120" y="3052752"/>
-            <a:ext cx="5373379" cy="1569660"/>
+            <a:off x="3070674" y="6129894"/>
+            <a:ext cx="1160980" cy="461665"/>
           </a:xfrm>
           <a:prstGeom prst="rect">
             <a:avLst/>
@@ -8540,72 +8910,52 @@
           </a:bodyPr>
           <a:lstStyle/>
           <a:p>
-            <a:pPr marL="285750" indent="-285750">
-              <a:buFont typeface="Wingdings" panose="05000000000000000000" pitchFamily="2" charset="2"/>
-              <a:buChar char="Ø"/>
-            </a:pPr>
+            <a:pPr algn="ctr"/>
+            <a:r>
+              <a:rPr lang="en-GB" sz="2400" dirty="0"/>
+              <a:t>Before</a:t>
+            </a:r>
             <a:r>
               <a:rPr lang="en-CA" sz="2400" dirty="0"/>
-              <a:t>Kristina Douglas </a:t>
-            </a:r>
-            <a:r>
-              <a:rPr lang="en-CA" sz="2400" dirty="0">
-                <a:sym typeface="Wingdings" panose="05000000000000000000" pitchFamily="2" charset="2"/>
-              </a:rPr>
-              <a:t> Female</a:t>
-            </a:r>
-            <a:endParaRPr lang="en-CA" sz="2400" dirty="0"/>
-          </a:p>
-          <a:p>
-            <a:pPr marL="285750" indent="-285750">
-              <a:buFont typeface="Wingdings" panose="05000000000000000000" pitchFamily="2" charset="2"/>
-              <a:buChar char="Ø"/>
-            </a:pPr>
-            <a:r>
-              <a:rPr lang="en-CA" sz="2400" dirty="0"/>
-              <a:t>Emily Torres </a:t>
-            </a:r>
-            <a:r>
-              <a:rPr lang="en-CA" sz="2400" dirty="0">
-                <a:sym typeface="Wingdings" panose="05000000000000000000" pitchFamily="2" charset="2"/>
-              </a:rPr>
-              <a:t> Female</a:t>
-            </a:r>
-            <a:endParaRPr lang="en-CA" sz="2400" dirty="0"/>
-          </a:p>
-          <a:p>
-            <a:pPr marL="285750" indent="-285750">
-              <a:buFont typeface="Wingdings" panose="05000000000000000000" pitchFamily="2" charset="2"/>
-              <a:buChar char="Ø"/>
-            </a:pPr>
-            <a:r>
-              <a:rPr lang="en-CA" sz="2400" dirty="0"/>
-              <a:t>James Anderson </a:t>
-            </a:r>
-            <a:r>
-              <a:rPr lang="en-CA" sz="2400" dirty="0">
-                <a:sym typeface="Wingdings" panose="05000000000000000000" pitchFamily="2" charset="2"/>
-              </a:rPr>
-              <a:t> Male</a:t>
-            </a:r>
-            <a:endParaRPr lang="en-CA" sz="2400" dirty="0"/>
-          </a:p>
-          <a:p>
-            <a:pPr marL="285750" indent="-285750">
-              <a:buFont typeface="Wingdings" panose="05000000000000000000" pitchFamily="2" charset="2"/>
-              <a:buChar char="Ø"/>
-            </a:pPr>
-            <a:r>
-              <a:rPr lang="en-CA" sz="2400" dirty="0"/>
-              <a:t>Jeffrey Meyers  </a:t>
-            </a:r>
-            <a:r>
-              <a:rPr lang="en-CA" sz="2400" dirty="0">
-                <a:sym typeface="Wingdings" panose="05000000000000000000" pitchFamily="2" charset="2"/>
-              </a:rPr>
-              <a:t> Male</a:t>
-            </a:r>
-            <a:endParaRPr lang="en-CA" sz="2400" dirty="0"/>
+              <a:t> </a:t>
+            </a:r>
+            <a:endParaRPr lang="en-GB" sz="2400" dirty="0"/>
+          </a:p>
+        </p:txBody>
+      </p:sp>
+      <p:sp>
+        <p:nvSpPr>
+          <p:cNvPr id="10" name="TextBox 9">
+            <a:extLst>
+              <a:ext uri="{FF2B5EF4-FFF2-40B4-BE49-F238E27FC236}">
+                <a16:creationId xmlns:a16="http://schemas.microsoft.com/office/drawing/2014/main" id="{14E762CD-3E66-FC0B-92D6-DAF1B516F29E}"/>
+              </a:ext>
+            </a:extLst>
+          </p:cNvPr>
+          <p:cNvSpPr txBox="1"/>
+          <p:nvPr/>
+        </p:nvSpPr>
+        <p:spPr>
+          <a:xfrm>
+            <a:off x="8156530" y="6129892"/>
+            <a:ext cx="1160980" cy="461665"/>
+          </a:xfrm>
+          <a:prstGeom prst="rect">
+            <a:avLst/>
+          </a:prstGeom>
+          <a:noFill/>
+        </p:spPr>
+        <p:txBody>
+          <a:bodyPr wrap="square" rtlCol="0">
+            <a:spAutoFit/>
+          </a:bodyPr>
+          <a:lstStyle/>
+          <a:p>
+            <a:pPr algn="ctr"/>
+            <a:r>
+              <a:rPr lang="en-GB" sz="2400" dirty="0"/>
+              <a:t>After </a:t>
+            </a:r>
           </a:p>
         </p:txBody>
       </p:sp>
